--- a/Pictures/picture capture and edit.pptx
+++ b/Pictures/picture capture and edit.pptx
@@ -16,12 +16,16 @@
     <p:sldId id="264" r:id="rId10"/>
     <p:sldId id="265" r:id="rId11"/>
     <p:sldId id="266" r:id="rId12"/>
-    <p:sldId id="267" r:id="rId13"/>
-    <p:sldId id="268" r:id="rId14"/>
-    <p:sldId id="269" r:id="rId15"/>
-    <p:sldId id="270" r:id="rId16"/>
-    <p:sldId id="271" r:id="rId17"/>
-    <p:sldId id="272" r:id="rId18"/>
+    <p:sldId id="273" r:id="rId13"/>
+    <p:sldId id="274" r:id="rId14"/>
+    <p:sldId id="275" r:id="rId15"/>
+    <p:sldId id="276" r:id="rId16"/>
+    <p:sldId id="267" r:id="rId17"/>
+    <p:sldId id="268" r:id="rId18"/>
+    <p:sldId id="269" r:id="rId19"/>
+    <p:sldId id="270" r:id="rId20"/>
+    <p:sldId id="271" r:id="rId21"/>
+    <p:sldId id="272" r:id="rId22"/>
   </p:sldIdLst>
   <p:sldSz cx="12192000" cy="6858000"/>
   <p:notesSz cx="6858000" cy="9144000"/>
@@ -3403,6 +3407,246 @@
           <a:chExt cx="0" cy="0"/>
         </a:xfrm>
       </p:grpSpPr>
+      <p:pic>
+        <p:nvPicPr>
+          <p:cNvPr id="3" name="รูปภาพ 2" descr="รูปภาพประกอบด้วย ข้อความ&#10;&#10;คำอธิบายที่สร้างโดยอัตโนมัติ">
+            <a:extLst>
+              <a:ext uri="{FF2B5EF4-FFF2-40B4-BE49-F238E27FC236}">
+                <a16:creationId xmlns:a16="http://schemas.microsoft.com/office/drawing/2014/main" id="{990F6E16-BBD9-0DB3-9CC6-2375B72ED0B0}"/>
+              </a:ext>
+            </a:extLst>
+          </p:cNvPr>
+          <p:cNvPicPr>
+            <a:picLocks noChangeAspect="1"/>
+          </p:cNvPicPr>
+          <p:nvPr/>
+        </p:nvPicPr>
+        <p:blipFill>
+          <a:blip r:embed="rId2">
+            <a:extLst>
+              <a:ext uri="{28A0092B-C50C-407E-A947-70E740481C1C}">
+                <a14:useLocalDpi xmlns:a14="http://schemas.microsoft.com/office/drawing/2010/main" val="0"/>
+              </a:ext>
+            </a:extLst>
+          </a:blip>
+          <a:stretch>
+            <a:fillRect/>
+          </a:stretch>
+        </p:blipFill>
+        <p:spPr>
+          <a:xfrm>
+            <a:off x="1661493" y="132890"/>
+            <a:ext cx="8869013" cy="6592220"/>
+          </a:xfrm>
+          <a:prstGeom prst="rect">
+            <a:avLst/>
+          </a:prstGeom>
+        </p:spPr>
+      </p:pic>
+      <p:sp>
+        <p:nvSpPr>
+          <p:cNvPr id="4" name="ลูกศร: ซ้าย 3">
+            <a:extLst>
+              <a:ext uri="{FF2B5EF4-FFF2-40B4-BE49-F238E27FC236}">
+                <a16:creationId xmlns:a16="http://schemas.microsoft.com/office/drawing/2014/main" id="{214EFC74-8E0F-3C02-95EB-75545B00E48E}"/>
+              </a:ext>
+            </a:extLst>
+          </p:cNvPr>
+          <p:cNvSpPr/>
+          <p:nvPr/>
+        </p:nvSpPr>
+        <p:spPr>
+          <a:xfrm>
+            <a:off x="4299691" y="4087764"/>
+            <a:ext cx="717326" cy="245721"/>
+          </a:xfrm>
+          <a:prstGeom prst="leftArrow">
+            <a:avLst/>
+          </a:prstGeom>
+          <a:solidFill>
+            <a:srgbClr val="FFFF00"/>
+          </a:solidFill>
+          <a:ln>
+            <a:solidFill>
+              <a:srgbClr val="FF0000"/>
+            </a:solidFill>
+          </a:ln>
+        </p:spPr>
+        <p:style>
+          <a:lnRef idx="2">
+            <a:schemeClr val="accent1">
+              <a:shade val="50000"/>
+            </a:schemeClr>
+          </a:lnRef>
+          <a:fillRef idx="1">
+            <a:schemeClr val="accent1"/>
+          </a:fillRef>
+          <a:effectRef idx="0">
+            <a:schemeClr val="accent1"/>
+          </a:effectRef>
+          <a:fontRef idx="minor">
+            <a:schemeClr val="lt1"/>
+          </a:fontRef>
+        </p:style>
+        <p:txBody>
+          <a:bodyPr rtlCol="0" anchor="ctr"/>
+          <a:lstStyle/>
+          <a:p>
+            <a:pPr algn="ctr"/>
+            <a:endParaRPr lang="th-TH"/>
+          </a:p>
+        </p:txBody>
+      </p:sp>
+      <p:cxnSp>
+        <p:nvCxnSpPr>
+          <p:cNvPr id="6" name="ตัวเชื่อมต่อ: หักมุม 5">
+            <a:extLst>
+              <a:ext uri="{FF2B5EF4-FFF2-40B4-BE49-F238E27FC236}">
+                <a16:creationId xmlns:a16="http://schemas.microsoft.com/office/drawing/2014/main" id="{54E6F5DA-4B8B-DB48-ED09-9D8B2BB4F52F}"/>
+              </a:ext>
+            </a:extLst>
+          </p:cNvPr>
+          <p:cNvCxnSpPr>
+            <a:cxnSpLocks/>
+            <a:stCxn id="11" idx="1"/>
+            <a:endCxn id="15" idx="2"/>
+          </p:cNvCxnSpPr>
+          <p:nvPr/>
+        </p:nvCxnSpPr>
+        <p:spPr>
+          <a:xfrm rot="10800000">
+            <a:off x="2241228" y="1733924"/>
+            <a:ext cx="1497975" cy="3698391"/>
+          </a:xfrm>
+          <a:prstGeom prst="bentConnector2">
+            <a:avLst/>
+          </a:prstGeom>
+          <a:ln w="38100">
+            <a:solidFill>
+              <a:srgbClr val="FF0000"/>
+            </a:solidFill>
+            <a:tailEnd type="triangle"/>
+          </a:ln>
+        </p:spPr>
+        <p:style>
+          <a:lnRef idx="1">
+            <a:schemeClr val="accent1"/>
+          </a:lnRef>
+          <a:fillRef idx="0">
+            <a:schemeClr val="accent1"/>
+          </a:fillRef>
+          <a:effectRef idx="0">
+            <a:schemeClr val="accent1"/>
+          </a:effectRef>
+          <a:fontRef idx="minor">
+            <a:schemeClr val="tx1"/>
+          </a:fontRef>
+        </p:style>
+      </p:cxnSp>
+      <p:sp>
+        <p:nvSpPr>
+          <p:cNvPr id="11" name="สี่เหลี่ยมผืนผ้า: มุมมน 10">
+            <a:extLst>
+              <a:ext uri="{FF2B5EF4-FFF2-40B4-BE49-F238E27FC236}">
+                <a16:creationId xmlns:a16="http://schemas.microsoft.com/office/drawing/2014/main" id="{1484D96C-5AB1-10C1-8082-F8FE49D43453}"/>
+              </a:ext>
+            </a:extLst>
+          </p:cNvPr>
+          <p:cNvSpPr/>
+          <p:nvPr/>
+        </p:nvSpPr>
+        <p:spPr>
+          <a:xfrm>
+            <a:off x="3739202" y="5320622"/>
+            <a:ext cx="1120977" cy="223384"/>
+          </a:xfrm>
+          <a:prstGeom prst="roundRect">
+            <a:avLst/>
+          </a:prstGeom>
+          <a:noFill/>
+          <a:ln w="28575">
+            <a:solidFill>
+              <a:srgbClr val="FF0000"/>
+            </a:solidFill>
+          </a:ln>
+        </p:spPr>
+        <p:style>
+          <a:lnRef idx="2">
+            <a:schemeClr val="accent1">
+              <a:shade val="50000"/>
+            </a:schemeClr>
+          </a:lnRef>
+          <a:fillRef idx="1">
+            <a:schemeClr val="accent1"/>
+          </a:fillRef>
+          <a:effectRef idx="0">
+            <a:schemeClr val="accent1"/>
+          </a:effectRef>
+          <a:fontRef idx="minor">
+            <a:schemeClr val="lt1"/>
+          </a:fontRef>
+        </p:style>
+        <p:txBody>
+          <a:bodyPr rtlCol="0" anchor="ctr"/>
+          <a:lstStyle/>
+          <a:p>
+            <a:pPr algn="ctr"/>
+            <a:endParaRPr lang="th-TH"/>
+          </a:p>
+        </p:txBody>
+      </p:sp>
+      <p:sp>
+        <p:nvSpPr>
+          <p:cNvPr id="15" name="สี่เหลี่ยมผืนผ้า: มุมมน 14">
+            <a:extLst>
+              <a:ext uri="{FF2B5EF4-FFF2-40B4-BE49-F238E27FC236}">
+                <a16:creationId xmlns:a16="http://schemas.microsoft.com/office/drawing/2014/main" id="{077F5886-E379-B755-9D0F-F3905C797214}"/>
+              </a:ext>
+            </a:extLst>
+          </p:cNvPr>
+          <p:cNvSpPr/>
+          <p:nvPr/>
+        </p:nvSpPr>
+        <p:spPr>
+          <a:xfrm>
+            <a:off x="1742536" y="1526875"/>
+            <a:ext cx="997382" cy="207048"/>
+          </a:xfrm>
+          <a:prstGeom prst="roundRect">
+            <a:avLst/>
+          </a:prstGeom>
+          <a:noFill/>
+          <a:ln w="28575">
+            <a:solidFill>
+              <a:srgbClr val="FF0000"/>
+            </a:solidFill>
+          </a:ln>
+        </p:spPr>
+        <p:style>
+          <a:lnRef idx="2">
+            <a:schemeClr val="accent1">
+              <a:shade val="50000"/>
+            </a:schemeClr>
+          </a:lnRef>
+          <a:fillRef idx="1">
+            <a:schemeClr val="accent1"/>
+          </a:fillRef>
+          <a:effectRef idx="0">
+            <a:schemeClr val="accent1"/>
+          </a:effectRef>
+          <a:fontRef idx="minor">
+            <a:schemeClr val="lt1"/>
+          </a:fontRef>
+        </p:style>
+        <p:txBody>
+          <a:bodyPr rtlCol="0" anchor="ctr"/>
+          <a:lstStyle/>
+          <a:p>
+            <a:pPr algn="ctr"/>
+            <a:endParaRPr lang="th-TH"/>
+          </a:p>
+        </p:txBody>
+      </p:sp>
     </p:spTree>
     <p:extLst>
       <p:ext uri="{BB962C8B-B14F-4D97-AF65-F5344CB8AC3E}">
@@ -3433,6 +3677,432 @@
           <a:chExt cx="0" cy="0"/>
         </a:xfrm>
       </p:grpSpPr>
+      <p:pic>
+        <p:nvPicPr>
+          <p:cNvPr id="3" name="รูปภาพ 2" descr="รูปภาพประกอบด้วย ข้อความ&#10;&#10;คำอธิบายที่สร้างโดยอัตโนมัติ">
+            <a:extLst>
+              <a:ext uri="{FF2B5EF4-FFF2-40B4-BE49-F238E27FC236}">
+                <a16:creationId xmlns:a16="http://schemas.microsoft.com/office/drawing/2014/main" id="{B2406C64-E49D-B147-5B53-CF30A824BB4B}"/>
+              </a:ext>
+            </a:extLst>
+          </p:cNvPr>
+          <p:cNvPicPr>
+            <a:picLocks noChangeAspect="1"/>
+          </p:cNvPicPr>
+          <p:nvPr/>
+        </p:nvPicPr>
+        <p:blipFill>
+          <a:blip r:embed="rId2">
+            <a:extLst>
+              <a:ext uri="{28A0092B-C50C-407E-A947-70E740481C1C}">
+                <a14:useLocalDpi xmlns:a14="http://schemas.microsoft.com/office/drawing/2010/main" val="0"/>
+              </a:ext>
+            </a:extLst>
+          </a:blip>
+          <a:stretch>
+            <a:fillRect/>
+          </a:stretch>
+        </p:blipFill>
+        <p:spPr>
+          <a:xfrm>
+            <a:off x="1671020" y="137653"/>
+            <a:ext cx="8849960" cy="6582694"/>
+          </a:xfrm>
+          <a:prstGeom prst="rect">
+            <a:avLst/>
+          </a:prstGeom>
+        </p:spPr>
+      </p:pic>
+      <p:sp>
+        <p:nvSpPr>
+          <p:cNvPr id="4" name="ลูกศร: ซ้าย 3">
+            <a:extLst>
+              <a:ext uri="{FF2B5EF4-FFF2-40B4-BE49-F238E27FC236}">
+                <a16:creationId xmlns:a16="http://schemas.microsoft.com/office/drawing/2014/main" id="{09F31E46-207B-FD34-3807-C2801D9DF4AC}"/>
+              </a:ext>
+            </a:extLst>
+          </p:cNvPr>
+          <p:cNvSpPr/>
+          <p:nvPr/>
+        </p:nvSpPr>
+        <p:spPr>
+          <a:xfrm>
+            <a:off x="5063262" y="3936935"/>
+            <a:ext cx="717326" cy="245721"/>
+          </a:xfrm>
+          <a:prstGeom prst="leftArrow">
+            <a:avLst/>
+          </a:prstGeom>
+          <a:solidFill>
+            <a:srgbClr val="FFFF00"/>
+          </a:solidFill>
+          <a:ln>
+            <a:solidFill>
+              <a:srgbClr val="FF0000"/>
+            </a:solidFill>
+          </a:ln>
+        </p:spPr>
+        <p:style>
+          <a:lnRef idx="2">
+            <a:schemeClr val="accent1">
+              <a:shade val="50000"/>
+            </a:schemeClr>
+          </a:lnRef>
+          <a:fillRef idx="1">
+            <a:schemeClr val="accent1"/>
+          </a:fillRef>
+          <a:effectRef idx="0">
+            <a:schemeClr val="accent1"/>
+          </a:effectRef>
+          <a:fontRef idx="minor">
+            <a:schemeClr val="lt1"/>
+          </a:fontRef>
+        </p:style>
+        <p:txBody>
+          <a:bodyPr rtlCol="0" anchor="ctr"/>
+          <a:lstStyle/>
+          <a:p>
+            <a:pPr algn="ctr"/>
+            <a:endParaRPr lang="th-TH"/>
+          </a:p>
+        </p:txBody>
+      </p:sp>
+      <p:cxnSp>
+        <p:nvCxnSpPr>
+          <p:cNvPr id="5" name="ตัวเชื่อมต่อ: หักมุม 4">
+            <a:extLst>
+              <a:ext uri="{FF2B5EF4-FFF2-40B4-BE49-F238E27FC236}">
+                <a16:creationId xmlns:a16="http://schemas.microsoft.com/office/drawing/2014/main" id="{8779F728-BD90-A9FA-96D2-DA6A69989473}"/>
+              </a:ext>
+            </a:extLst>
+          </p:cNvPr>
+          <p:cNvCxnSpPr>
+            <a:cxnSpLocks/>
+            <a:stCxn id="6" idx="1"/>
+            <a:endCxn id="7" idx="2"/>
+          </p:cNvCxnSpPr>
+          <p:nvPr/>
+        </p:nvCxnSpPr>
+        <p:spPr>
+          <a:xfrm rot="10800000">
+            <a:off x="2241227" y="1733923"/>
+            <a:ext cx="1582816" cy="4077204"/>
+          </a:xfrm>
+          <a:prstGeom prst="bentConnector2">
+            <a:avLst/>
+          </a:prstGeom>
+          <a:ln w="38100">
+            <a:solidFill>
+              <a:srgbClr val="FF0000"/>
+            </a:solidFill>
+            <a:tailEnd type="triangle"/>
+          </a:ln>
+        </p:spPr>
+        <p:style>
+          <a:lnRef idx="1">
+            <a:schemeClr val="accent1"/>
+          </a:lnRef>
+          <a:fillRef idx="0">
+            <a:schemeClr val="accent1"/>
+          </a:fillRef>
+          <a:effectRef idx="0">
+            <a:schemeClr val="accent1"/>
+          </a:effectRef>
+          <a:fontRef idx="minor">
+            <a:schemeClr val="tx1"/>
+          </a:fontRef>
+        </p:style>
+      </p:cxnSp>
+      <p:sp>
+        <p:nvSpPr>
+          <p:cNvPr id="6" name="สี่เหลี่ยมผืนผ้า: มุมมน 5">
+            <a:extLst>
+              <a:ext uri="{FF2B5EF4-FFF2-40B4-BE49-F238E27FC236}">
+                <a16:creationId xmlns:a16="http://schemas.microsoft.com/office/drawing/2014/main" id="{5F3F5F86-A3BF-ADAD-04AC-9205A51AE707}"/>
+              </a:ext>
+            </a:extLst>
+          </p:cNvPr>
+          <p:cNvSpPr/>
+          <p:nvPr/>
+        </p:nvSpPr>
+        <p:spPr>
+          <a:xfrm>
+            <a:off x="3824043" y="5688267"/>
+            <a:ext cx="2190258" cy="245720"/>
+          </a:xfrm>
+          <a:prstGeom prst="roundRect">
+            <a:avLst/>
+          </a:prstGeom>
+          <a:noFill/>
+          <a:ln w="28575">
+            <a:solidFill>
+              <a:srgbClr val="FF0000"/>
+            </a:solidFill>
+          </a:ln>
+        </p:spPr>
+        <p:style>
+          <a:lnRef idx="2">
+            <a:schemeClr val="accent1">
+              <a:shade val="50000"/>
+            </a:schemeClr>
+          </a:lnRef>
+          <a:fillRef idx="1">
+            <a:schemeClr val="accent1"/>
+          </a:fillRef>
+          <a:effectRef idx="0">
+            <a:schemeClr val="accent1"/>
+          </a:effectRef>
+          <a:fontRef idx="minor">
+            <a:schemeClr val="lt1"/>
+          </a:fontRef>
+        </p:style>
+        <p:txBody>
+          <a:bodyPr rtlCol="0" anchor="ctr"/>
+          <a:lstStyle/>
+          <a:p>
+            <a:pPr algn="ctr"/>
+            <a:endParaRPr lang="th-TH"/>
+          </a:p>
+        </p:txBody>
+      </p:sp>
+      <p:sp>
+        <p:nvSpPr>
+          <p:cNvPr id="7" name="สี่เหลี่ยมผืนผ้า: มุมมน 6">
+            <a:extLst>
+              <a:ext uri="{FF2B5EF4-FFF2-40B4-BE49-F238E27FC236}">
+                <a16:creationId xmlns:a16="http://schemas.microsoft.com/office/drawing/2014/main" id="{D6BA42BB-6396-D10B-E079-3D1384028F9A}"/>
+              </a:ext>
+            </a:extLst>
+          </p:cNvPr>
+          <p:cNvSpPr/>
+          <p:nvPr/>
+        </p:nvSpPr>
+        <p:spPr>
+          <a:xfrm>
+            <a:off x="1742536" y="1526875"/>
+            <a:ext cx="997382" cy="207048"/>
+          </a:xfrm>
+          <a:prstGeom prst="roundRect">
+            <a:avLst/>
+          </a:prstGeom>
+          <a:noFill/>
+          <a:ln w="28575">
+            <a:solidFill>
+              <a:srgbClr val="FF0000"/>
+            </a:solidFill>
+          </a:ln>
+        </p:spPr>
+        <p:style>
+          <a:lnRef idx="2">
+            <a:schemeClr val="accent1">
+              <a:shade val="50000"/>
+            </a:schemeClr>
+          </a:lnRef>
+          <a:fillRef idx="1">
+            <a:schemeClr val="accent1"/>
+          </a:fillRef>
+          <a:effectRef idx="0">
+            <a:schemeClr val="accent1"/>
+          </a:effectRef>
+          <a:fontRef idx="minor">
+            <a:schemeClr val="lt1"/>
+          </a:fontRef>
+        </p:style>
+        <p:txBody>
+          <a:bodyPr rtlCol="0" anchor="ctr"/>
+          <a:lstStyle/>
+          <a:p>
+            <a:pPr algn="ctr"/>
+            <a:endParaRPr lang="th-TH"/>
+          </a:p>
+        </p:txBody>
+      </p:sp>
+      <p:sp>
+        <p:nvSpPr>
+          <p:cNvPr id="10" name="ลูกศร: ซ้าย 9">
+            <a:extLst>
+              <a:ext uri="{FF2B5EF4-FFF2-40B4-BE49-F238E27FC236}">
+                <a16:creationId xmlns:a16="http://schemas.microsoft.com/office/drawing/2014/main" id="{2C132E4B-2AE1-B2BD-6F41-94FC24798A47}"/>
+              </a:ext>
+            </a:extLst>
+          </p:cNvPr>
+          <p:cNvSpPr/>
+          <p:nvPr/>
+        </p:nvSpPr>
+        <p:spPr>
+          <a:xfrm>
+            <a:off x="4394249" y="4452975"/>
+            <a:ext cx="717326" cy="245721"/>
+          </a:xfrm>
+          <a:prstGeom prst="leftArrow">
+            <a:avLst/>
+          </a:prstGeom>
+          <a:solidFill>
+            <a:srgbClr val="FFFF00"/>
+          </a:solidFill>
+          <a:ln>
+            <a:solidFill>
+              <a:srgbClr val="FF0000"/>
+            </a:solidFill>
+          </a:ln>
+        </p:spPr>
+        <p:style>
+          <a:lnRef idx="2">
+            <a:schemeClr val="accent1">
+              <a:shade val="50000"/>
+            </a:schemeClr>
+          </a:lnRef>
+          <a:fillRef idx="1">
+            <a:schemeClr val="accent1"/>
+          </a:fillRef>
+          <a:effectRef idx="0">
+            <a:schemeClr val="accent1"/>
+          </a:effectRef>
+          <a:fontRef idx="minor">
+            <a:schemeClr val="lt1"/>
+          </a:fontRef>
+        </p:style>
+        <p:txBody>
+          <a:bodyPr rtlCol="0" anchor="ctr"/>
+          <a:lstStyle/>
+          <a:p>
+            <a:pPr algn="ctr"/>
+            <a:endParaRPr lang="th-TH"/>
+          </a:p>
+        </p:txBody>
+      </p:sp>
+      <p:sp>
+        <p:nvSpPr>
+          <p:cNvPr id="11" name="สี่เหลี่ยมผืนผ้า: มุมมน 10">
+            <a:extLst>
+              <a:ext uri="{FF2B5EF4-FFF2-40B4-BE49-F238E27FC236}">
+                <a16:creationId xmlns:a16="http://schemas.microsoft.com/office/drawing/2014/main" id="{EC2891F5-AEF0-7384-6DD6-15DB6C5AB393}"/>
+              </a:ext>
+            </a:extLst>
+          </p:cNvPr>
+          <p:cNvSpPr/>
+          <p:nvPr/>
+        </p:nvSpPr>
+        <p:spPr>
+          <a:xfrm>
+            <a:off x="5810363" y="3839630"/>
+            <a:ext cx="767751" cy="440330"/>
+          </a:xfrm>
+          <a:prstGeom prst="roundRect">
+            <a:avLst/>
+          </a:prstGeom>
+          <a:solidFill>
+            <a:srgbClr val="FFFF00"/>
+          </a:solidFill>
+          <a:ln w="28575">
+            <a:solidFill>
+              <a:srgbClr val="FF0000"/>
+            </a:solidFill>
+          </a:ln>
+        </p:spPr>
+        <p:style>
+          <a:lnRef idx="2">
+            <a:schemeClr val="accent1">
+              <a:shade val="50000"/>
+            </a:schemeClr>
+          </a:lnRef>
+          <a:fillRef idx="1">
+            <a:schemeClr val="accent1"/>
+          </a:fillRef>
+          <a:effectRef idx="0">
+            <a:schemeClr val="accent1"/>
+          </a:effectRef>
+          <a:fontRef idx="minor">
+            <a:schemeClr val="lt1"/>
+          </a:fontRef>
+        </p:style>
+        <p:txBody>
+          <a:bodyPr rtlCol="0" anchor="ctr"/>
+          <a:lstStyle/>
+          <a:p>
+            <a:pPr algn="ctr"/>
+            <a:r>
+              <a:rPr lang="en-US" dirty="0">
+                <a:solidFill>
+                  <a:srgbClr val="FF0000"/>
+                </a:solidFill>
+              </a:rPr>
+              <a:t>3.5</a:t>
+            </a:r>
+            <a:endParaRPr lang="th-TH" dirty="0">
+              <a:solidFill>
+                <a:srgbClr val="FF0000"/>
+              </a:solidFill>
+            </a:endParaRPr>
+          </a:p>
+        </p:txBody>
+      </p:sp>
+      <p:sp>
+        <p:nvSpPr>
+          <p:cNvPr id="12" name="สี่เหลี่ยมผืนผ้า: มุมมน 11">
+            <a:extLst>
+              <a:ext uri="{FF2B5EF4-FFF2-40B4-BE49-F238E27FC236}">
+                <a16:creationId xmlns:a16="http://schemas.microsoft.com/office/drawing/2014/main" id="{C42642F6-92DC-FB94-F3F5-6349704211C2}"/>
+              </a:ext>
+            </a:extLst>
+          </p:cNvPr>
+          <p:cNvSpPr/>
+          <p:nvPr/>
+        </p:nvSpPr>
+        <p:spPr>
+          <a:xfrm>
+            <a:off x="5143205" y="4452975"/>
+            <a:ext cx="767751" cy="440330"/>
+          </a:xfrm>
+          <a:prstGeom prst="roundRect">
+            <a:avLst/>
+          </a:prstGeom>
+          <a:solidFill>
+            <a:srgbClr val="FFFF00"/>
+          </a:solidFill>
+          <a:ln w="28575">
+            <a:solidFill>
+              <a:srgbClr val="FF0000"/>
+            </a:solidFill>
+          </a:ln>
+        </p:spPr>
+        <p:style>
+          <a:lnRef idx="2">
+            <a:schemeClr val="accent1">
+              <a:shade val="50000"/>
+            </a:schemeClr>
+          </a:lnRef>
+          <a:fillRef idx="1">
+            <a:schemeClr val="accent1"/>
+          </a:fillRef>
+          <a:effectRef idx="0">
+            <a:schemeClr val="accent1"/>
+          </a:effectRef>
+          <a:fontRef idx="minor">
+            <a:schemeClr val="lt1"/>
+          </a:fontRef>
+        </p:style>
+        <p:txBody>
+          <a:bodyPr rtlCol="0" anchor="ctr"/>
+          <a:lstStyle/>
+          <a:p>
+            <a:pPr algn="ctr"/>
+            <a:r>
+              <a:rPr lang="en-US" dirty="0">
+                <a:solidFill>
+                  <a:srgbClr val="FF0000"/>
+                </a:solidFill>
+              </a:rPr>
+              <a:t>3.6</a:t>
+            </a:r>
+            <a:endParaRPr lang="th-TH" dirty="0">
+              <a:solidFill>
+                <a:srgbClr val="FF0000"/>
+              </a:solidFill>
+            </a:endParaRPr>
+          </a:p>
+        </p:txBody>
+      </p:sp>
     </p:spTree>
     <p:extLst>
       <p:ext uri="{BB962C8B-B14F-4D97-AF65-F5344CB8AC3E}">
@@ -3463,10 +4133,378 @@
           <a:chExt cx="0" cy="0"/>
         </a:xfrm>
       </p:grpSpPr>
+      <p:pic>
+        <p:nvPicPr>
+          <p:cNvPr id="3" name="รูปภาพ 2">
+            <a:extLst>
+              <a:ext uri="{FF2B5EF4-FFF2-40B4-BE49-F238E27FC236}">
+                <a16:creationId xmlns:a16="http://schemas.microsoft.com/office/drawing/2014/main" id="{57851480-5587-B06D-8F8C-688DF1A37694}"/>
+              </a:ext>
+            </a:extLst>
+          </p:cNvPr>
+          <p:cNvPicPr>
+            <a:picLocks noChangeAspect="1"/>
+          </p:cNvPicPr>
+          <p:nvPr/>
+        </p:nvPicPr>
+        <p:blipFill>
+          <a:blip r:embed="rId2">
+            <a:extLst>
+              <a:ext uri="{28A0092B-C50C-407E-A947-70E740481C1C}">
+                <a14:useLocalDpi xmlns:a14="http://schemas.microsoft.com/office/drawing/2010/main" val="0"/>
+              </a:ext>
+            </a:extLst>
+          </a:blip>
+          <a:stretch>
+            <a:fillRect/>
+          </a:stretch>
+        </p:blipFill>
+        <p:spPr>
+          <a:xfrm>
+            <a:off x="1661493" y="132890"/>
+            <a:ext cx="8869013" cy="6592220"/>
+          </a:xfrm>
+          <a:prstGeom prst="rect">
+            <a:avLst/>
+          </a:prstGeom>
+        </p:spPr>
+      </p:pic>
+      <p:sp>
+        <p:nvSpPr>
+          <p:cNvPr id="4" name="สี่เหลี่ยมผืนผ้า: มุมมน 3">
+            <a:extLst>
+              <a:ext uri="{FF2B5EF4-FFF2-40B4-BE49-F238E27FC236}">
+                <a16:creationId xmlns:a16="http://schemas.microsoft.com/office/drawing/2014/main" id="{952EA9A5-8B8C-CEB6-E8A1-E52AA84C706E}"/>
+              </a:ext>
+            </a:extLst>
+          </p:cNvPr>
+          <p:cNvSpPr/>
+          <p:nvPr/>
+        </p:nvSpPr>
+        <p:spPr>
+          <a:xfrm>
+            <a:off x="5235697" y="2592371"/>
+            <a:ext cx="1721283" cy="439831"/>
+          </a:xfrm>
+          <a:prstGeom prst="roundRect">
+            <a:avLst/>
+          </a:prstGeom>
+          <a:solidFill>
+            <a:srgbClr val="FFFF00"/>
+          </a:solidFill>
+          <a:ln w="19050">
+            <a:solidFill>
+              <a:srgbClr val="FF0000"/>
+            </a:solidFill>
+          </a:ln>
+        </p:spPr>
+        <p:style>
+          <a:lnRef idx="2">
+            <a:schemeClr val="accent1">
+              <a:shade val="50000"/>
+            </a:schemeClr>
+          </a:lnRef>
+          <a:fillRef idx="1">
+            <a:schemeClr val="accent1"/>
+          </a:fillRef>
+          <a:effectRef idx="0">
+            <a:schemeClr val="accent1"/>
+          </a:effectRef>
+          <a:fontRef idx="minor">
+            <a:schemeClr val="lt1"/>
+          </a:fontRef>
+        </p:style>
+        <p:txBody>
+          <a:bodyPr rtlCol="0" anchor="ctr"/>
+          <a:lstStyle/>
+          <a:p>
+            <a:pPr algn="ctr"/>
+            <a:r>
+              <a:rPr lang="en-US" dirty="0">
+                <a:solidFill>
+                  <a:srgbClr val="FF0000"/>
+                </a:solidFill>
+                <a:latin typeface="TH SarabunPSK" panose="020B0500040200020003" pitchFamily="34" charset="-34"/>
+                <a:cs typeface="TH SarabunPSK" panose="020B0500040200020003" pitchFamily="34" charset="-34"/>
+              </a:rPr>
+              <a:t>2 </a:t>
+            </a:r>
+            <a:r>
+              <a:rPr lang="th-TH" dirty="0">
+                <a:solidFill>
+                  <a:srgbClr val="FF0000"/>
+                </a:solidFill>
+                <a:latin typeface="TH SarabunPSK" panose="020B0500040200020003" pitchFamily="34" charset="-34"/>
+                <a:cs typeface="TH SarabunPSK" panose="020B0500040200020003" pitchFamily="34" charset="-34"/>
+              </a:rPr>
+              <a:t>บันทึก</a:t>
+            </a:r>
+          </a:p>
+        </p:txBody>
+      </p:sp>
+      <p:cxnSp>
+        <p:nvCxnSpPr>
+          <p:cNvPr id="5" name="ลูกศรเชื่อมต่อแบบตรง 4">
+            <a:extLst>
+              <a:ext uri="{FF2B5EF4-FFF2-40B4-BE49-F238E27FC236}">
+                <a16:creationId xmlns:a16="http://schemas.microsoft.com/office/drawing/2014/main" id="{53E271A2-5411-74A9-64EA-388A32B4724F}"/>
+              </a:ext>
+            </a:extLst>
+          </p:cNvPr>
+          <p:cNvCxnSpPr>
+            <a:cxnSpLocks/>
+            <a:stCxn id="4" idx="1"/>
+            <a:endCxn id="6" idx="3"/>
+          </p:cNvCxnSpPr>
+          <p:nvPr/>
+        </p:nvCxnSpPr>
+        <p:spPr>
+          <a:xfrm flipH="1">
+            <a:off x="4779390" y="2812287"/>
+            <a:ext cx="456307" cy="219915"/>
+          </a:xfrm>
+          <a:prstGeom prst="straightConnector1">
+            <a:avLst/>
+          </a:prstGeom>
+          <a:ln w="19050">
+            <a:solidFill>
+              <a:srgbClr val="FF0000"/>
+            </a:solidFill>
+            <a:tailEnd type="triangle"/>
+          </a:ln>
+        </p:spPr>
+        <p:style>
+          <a:lnRef idx="1">
+            <a:schemeClr val="accent1"/>
+          </a:lnRef>
+          <a:fillRef idx="0">
+            <a:schemeClr val="accent1"/>
+          </a:fillRef>
+          <a:effectRef idx="0">
+            <a:schemeClr val="accent1"/>
+          </a:effectRef>
+          <a:fontRef idx="minor">
+            <a:schemeClr val="tx1"/>
+          </a:fontRef>
+        </p:style>
+      </p:cxnSp>
+      <p:sp>
+        <p:nvSpPr>
+          <p:cNvPr id="6" name="สี่เหลี่ยมผืนผ้า: มุมมน 5">
+            <a:extLst>
+              <a:ext uri="{FF2B5EF4-FFF2-40B4-BE49-F238E27FC236}">
+                <a16:creationId xmlns:a16="http://schemas.microsoft.com/office/drawing/2014/main" id="{B8AB056F-D662-E386-8A14-50604AA1B2EA}"/>
+              </a:ext>
+            </a:extLst>
+          </p:cNvPr>
+          <p:cNvSpPr/>
+          <p:nvPr/>
+        </p:nvSpPr>
+        <p:spPr>
+          <a:xfrm>
+            <a:off x="4458878" y="2911072"/>
+            <a:ext cx="320512" cy="242259"/>
+          </a:xfrm>
+          <a:prstGeom prst="roundRect">
+            <a:avLst/>
+          </a:prstGeom>
+          <a:noFill/>
+          <a:ln w="28575">
+            <a:solidFill>
+              <a:srgbClr val="FF0000"/>
+            </a:solidFill>
+          </a:ln>
+        </p:spPr>
+        <p:style>
+          <a:lnRef idx="2">
+            <a:schemeClr val="accent1">
+              <a:shade val="50000"/>
+            </a:schemeClr>
+          </a:lnRef>
+          <a:fillRef idx="1">
+            <a:schemeClr val="accent1"/>
+          </a:fillRef>
+          <a:effectRef idx="0">
+            <a:schemeClr val="accent1"/>
+          </a:effectRef>
+          <a:fontRef idx="minor">
+            <a:schemeClr val="lt1"/>
+          </a:fontRef>
+        </p:style>
+        <p:txBody>
+          <a:bodyPr rtlCol="0" anchor="ctr"/>
+          <a:lstStyle/>
+          <a:p>
+            <a:pPr algn="ctr"/>
+            <a:endParaRPr lang="th-TH"/>
+          </a:p>
+        </p:txBody>
+      </p:sp>
+      <p:sp>
+        <p:nvSpPr>
+          <p:cNvPr id="7" name="สี่เหลี่ยมผืนผ้า: มุมมน 6">
+            <a:extLst>
+              <a:ext uri="{FF2B5EF4-FFF2-40B4-BE49-F238E27FC236}">
+                <a16:creationId xmlns:a16="http://schemas.microsoft.com/office/drawing/2014/main" id="{554AD8A6-781F-FA63-287D-6643B9FC36E9}"/>
+              </a:ext>
+            </a:extLst>
+          </p:cNvPr>
+          <p:cNvSpPr/>
+          <p:nvPr/>
+        </p:nvSpPr>
+        <p:spPr>
+          <a:xfrm>
+            <a:off x="8229852" y="3756572"/>
+            <a:ext cx="1801324" cy="534543"/>
+          </a:xfrm>
+          <a:prstGeom prst="roundRect">
+            <a:avLst/>
+          </a:prstGeom>
+          <a:solidFill>
+            <a:srgbClr val="FFFF00"/>
+          </a:solidFill>
+          <a:ln w="19050">
+            <a:solidFill>
+              <a:srgbClr val="FF0000"/>
+            </a:solidFill>
+          </a:ln>
+        </p:spPr>
+        <p:style>
+          <a:lnRef idx="2">
+            <a:schemeClr val="accent1">
+              <a:shade val="50000"/>
+            </a:schemeClr>
+          </a:lnRef>
+          <a:fillRef idx="1">
+            <a:schemeClr val="accent1"/>
+          </a:fillRef>
+          <a:effectRef idx="0">
+            <a:schemeClr val="accent1"/>
+          </a:effectRef>
+          <a:fontRef idx="minor">
+            <a:schemeClr val="lt1"/>
+          </a:fontRef>
+        </p:style>
+        <p:txBody>
+          <a:bodyPr rtlCol="0" anchor="ctr"/>
+          <a:lstStyle/>
+          <a:p>
+            <a:pPr algn="ctr"/>
+            <a:r>
+              <a:rPr lang="th-TH" dirty="0">
+                <a:solidFill>
+                  <a:srgbClr val="FF0000"/>
+                </a:solidFill>
+                <a:latin typeface="TH SarabunPSK" panose="020B0500040200020003" pitchFamily="34" charset="-34"/>
+                <a:cs typeface="TH SarabunPSK" panose="020B0500040200020003" pitchFamily="34" charset="-34"/>
+              </a:rPr>
+              <a:t>1. ไขเนื้อหา</a:t>
+            </a:r>
+          </a:p>
+        </p:txBody>
+      </p:sp>
+      <p:cxnSp>
+        <p:nvCxnSpPr>
+          <p:cNvPr id="8" name="ลูกศรเชื่อมต่อแบบตรง 7">
+            <a:extLst>
+              <a:ext uri="{FF2B5EF4-FFF2-40B4-BE49-F238E27FC236}">
+                <a16:creationId xmlns:a16="http://schemas.microsoft.com/office/drawing/2014/main" id="{517CA71F-3F61-C675-56E2-D7A4F0751424}"/>
+              </a:ext>
+            </a:extLst>
+          </p:cNvPr>
+          <p:cNvCxnSpPr>
+            <a:cxnSpLocks/>
+            <a:stCxn id="7" idx="1"/>
+            <a:endCxn id="9" idx="3"/>
+          </p:cNvCxnSpPr>
+          <p:nvPr/>
+        </p:nvCxnSpPr>
+        <p:spPr>
+          <a:xfrm flipH="1" flipV="1">
+            <a:off x="7435970" y="3723527"/>
+            <a:ext cx="793882" cy="300317"/>
+          </a:xfrm>
+          <a:prstGeom prst="straightConnector1">
+            <a:avLst/>
+          </a:prstGeom>
+          <a:ln w="19050">
+            <a:solidFill>
+              <a:srgbClr val="FF0000"/>
+            </a:solidFill>
+            <a:tailEnd type="triangle"/>
+          </a:ln>
+        </p:spPr>
+        <p:style>
+          <a:lnRef idx="1">
+            <a:schemeClr val="accent1"/>
+          </a:lnRef>
+          <a:fillRef idx="0">
+            <a:schemeClr val="accent1"/>
+          </a:fillRef>
+          <a:effectRef idx="0">
+            <a:schemeClr val="accent1"/>
+          </a:effectRef>
+          <a:fontRef idx="minor">
+            <a:schemeClr val="tx1"/>
+          </a:fontRef>
+        </p:style>
+      </p:cxnSp>
+      <p:sp>
+        <p:nvSpPr>
+          <p:cNvPr id="9" name="สี่เหลี่ยมผืนผ้า: มุมมน 8">
+            <a:extLst>
+              <a:ext uri="{FF2B5EF4-FFF2-40B4-BE49-F238E27FC236}">
+                <a16:creationId xmlns:a16="http://schemas.microsoft.com/office/drawing/2014/main" id="{8355A3AF-4002-19A5-FCA8-9E0D8273ED2A}"/>
+              </a:ext>
+            </a:extLst>
+          </p:cNvPr>
+          <p:cNvSpPr/>
+          <p:nvPr/>
+        </p:nvSpPr>
+        <p:spPr>
+          <a:xfrm>
+            <a:off x="4779390" y="3602397"/>
+            <a:ext cx="2656580" cy="242259"/>
+          </a:xfrm>
+          <a:prstGeom prst="roundRect">
+            <a:avLst/>
+          </a:prstGeom>
+          <a:noFill/>
+          <a:ln w="28575">
+            <a:solidFill>
+              <a:srgbClr val="FF0000"/>
+            </a:solidFill>
+          </a:ln>
+        </p:spPr>
+        <p:style>
+          <a:lnRef idx="2">
+            <a:schemeClr val="accent1">
+              <a:shade val="50000"/>
+            </a:schemeClr>
+          </a:lnRef>
+          <a:fillRef idx="1">
+            <a:schemeClr val="accent1"/>
+          </a:fillRef>
+          <a:effectRef idx="0">
+            <a:schemeClr val="accent1"/>
+          </a:effectRef>
+          <a:fontRef idx="minor">
+            <a:schemeClr val="lt1"/>
+          </a:fontRef>
+        </p:style>
+        <p:txBody>
+          <a:bodyPr rtlCol="0" anchor="ctr"/>
+          <a:lstStyle/>
+          <a:p>
+            <a:pPr algn="ctr"/>
+            <a:endParaRPr lang="th-TH"/>
+          </a:p>
+        </p:txBody>
+      </p:sp>
     </p:spTree>
     <p:extLst>
       <p:ext uri="{BB962C8B-B14F-4D97-AF65-F5344CB8AC3E}">
-        <p14:creationId xmlns:p14="http://schemas.microsoft.com/office/powerpoint/2010/main" val="3860790711"/>
+        <p14:creationId xmlns:p14="http://schemas.microsoft.com/office/powerpoint/2010/main" val="1443764006"/>
       </p:ext>
     </p:extLst>
   </p:cSld>
@@ -3493,6 +4531,1520 @@
           <a:chExt cx="0" cy="0"/>
         </a:xfrm>
       </p:grpSpPr>
+      <p:pic>
+        <p:nvPicPr>
+          <p:cNvPr id="3" name="รูปภาพ 2" descr="รูปภาพประกอบด้วย ข้อความ&#10;&#10;คำอธิบายที่สร้างโดยอัตโนมัติ">
+            <a:extLst>
+              <a:ext uri="{FF2B5EF4-FFF2-40B4-BE49-F238E27FC236}">
+                <a16:creationId xmlns:a16="http://schemas.microsoft.com/office/drawing/2014/main" id="{27CD4C02-2DBC-4C24-3844-77A4DC4E2FC8}"/>
+              </a:ext>
+            </a:extLst>
+          </p:cNvPr>
+          <p:cNvPicPr>
+            <a:picLocks noChangeAspect="1"/>
+          </p:cNvPicPr>
+          <p:nvPr/>
+        </p:nvPicPr>
+        <p:blipFill>
+          <a:blip r:embed="rId2">
+            <a:extLst>
+              <a:ext uri="{28A0092B-C50C-407E-A947-70E740481C1C}">
+                <a14:useLocalDpi xmlns:a14="http://schemas.microsoft.com/office/drawing/2010/main" val="0"/>
+              </a:ext>
+            </a:extLst>
+          </a:blip>
+          <a:stretch>
+            <a:fillRect/>
+          </a:stretch>
+        </p:blipFill>
+        <p:spPr>
+          <a:xfrm>
+            <a:off x="1666257" y="142317"/>
+            <a:ext cx="8859486" cy="6592220"/>
+          </a:xfrm>
+          <a:prstGeom prst="rect">
+            <a:avLst/>
+          </a:prstGeom>
+        </p:spPr>
+      </p:pic>
+      <p:cxnSp>
+        <p:nvCxnSpPr>
+          <p:cNvPr id="5" name="ตัวเชื่อมต่อ: หักมุม 4">
+            <a:extLst>
+              <a:ext uri="{FF2B5EF4-FFF2-40B4-BE49-F238E27FC236}">
+                <a16:creationId xmlns:a16="http://schemas.microsoft.com/office/drawing/2014/main" id="{33918F12-01F7-1E3C-F169-BB303FC575C2}"/>
+              </a:ext>
+            </a:extLst>
+          </p:cNvPr>
+          <p:cNvCxnSpPr>
+            <a:cxnSpLocks/>
+            <a:stCxn id="6" idx="1"/>
+            <a:endCxn id="7" idx="2"/>
+          </p:cNvCxnSpPr>
+          <p:nvPr/>
+        </p:nvCxnSpPr>
+        <p:spPr>
+          <a:xfrm rot="10800000">
+            <a:off x="2241227" y="1733923"/>
+            <a:ext cx="1582816" cy="4077204"/>
+          </a:xfrm>
+          <a:prstGeom prst="bentConnector2">
+            <a:avLst/>
+          </a:prstGeom>
+          <a:ln w="38100">
+            <a:solidFill>
+              <a:srgbClr val="FF0000"/>
+            </a:solidFill>
+            <a:tailEnd type="triangle"/>
+          </a:ln>
+        </p:spPr>
+        <p:style>
+          <a:lnRef idx="1">
+            <a:schemeClr val="accent1"/>
+          </a:lnRef>
+          <a:fillRef idx="0">
+            <a:schemeClr val="accent1"/>
+          </a:fillRef>
+          <a:effectRef idx="0">
+            <a:schemeClr val="accent1"/>
+          </a:effectRef>
+          <a:fontRef idx="minor">
+            <a:schemeClr val="tx1"/>
+          </a:fontRef>
+        </p:style>
+      </p:cxnSp>
+      <p:sp>
+        <p:nvSpPr>
+          <p:cNvPr id="6" name="สี่เหลี่ยมผืนผ้า: มุมมน 5">
+            <a:extLst>
+              <a:ext uri="{FF2B5EF4-FFF2-40B4-BE49-F238E27FC236}">
+                <a16:creationId xmlns:a16="http://schemas.microsoft.com/office/drawing/2014/main" id="{20E08544-BD6D-BC69-DB26-5429D2261255}"/>
+              </a:ext>
+            </a:extLst>
+          </p:cNvPr>
+          <p:cNvSpPr/>
+          <p:nvPr/>
+        </p:nvSpPr>
+        <p:spPr>
+          <a:xfrm>
+            <a:off x="3824043" y="5688267"/>
+            <a:ext cx="2190258" cy="245720"/>
+          </a:xfrm>
+          <a:prstGeom prst="roundRect">
+            <a:avLst/>
+          </a:prstGeom>
+          <a:noFill/>
+          <a:ln w="28575">
+            <a:solidFill>
+              <a:srgbClr val="FF0000"/>
+            </a:solidFill>
+          </a:ln>
+        </p:spPr>
+        <p:style>
+          <a:lnRef idx="2">
+            <a:schemeClr val="accent1">
+              <a:shade val="50000"/>
+            </a:schemeClr>
+          </a:lnRef>
+          <a:fillRef idx="1">
+            <a:schemeClr val="accent1"/>
+          </a:fillRef>
+          <a:effectRef idx="0">
+            <a:schemeClr val="accent1"/>
+          </a:effectRef>
+          <a:fontRef idx="minor">
+            <a:schemeClr val="lt1"/>
+          </a:fontRef>
+        </p:style>
+        <p:txBody>
+          <a:bodyPr rtlCol="0" anchor="ctr"/>
+          <a:lstStyle/>
+          <a:p>
+            <a:pPr algn="ctr"/>
+            <a:endParaRPr lang="th-TH"/>
+          </a:p>
+        </p:txBody>
+      </p:sp>
+      <p:sp>
+        <p:nvSpPr>
+          <p:cNvPr id="7" name="สี่เหลี่ยมผืนผ้า: มุมมน 6">
+            <a:extLst>
+              <a:ext uri="{FF2B5EF4-FFF2-40B4-BE49-F238E27FC236}">
+                <a16:creationId xmlns:a16="http://schemas.microsoft.com/office/drawing/2014/main" id="{533A0B54-B829-FE11-FDCD-D2DE98FD8534}"/>
+              </a:ext>
+            </a:extLst>
+          </p:cNvPr>
+          <p:cNvSpPr/>
+          <p:nvPr/>
+        </p:nvSpPr>
+        <p:spPr>
+          <a:xfrm>
+            <a:off x="1742536" y="1526875"/>
+            <a:ext cx="997382" cy="207048"/>
+          </a:xfrm>
+          <a:prstGeom prst="roundRect">
+            <a:avLst/>
+          </a:prstGeom>
+          <a:noFill/>
+          <a:ln w="28575">
+            <a:solidFill>
+              <a:srgbClr val="FF0000"/>
+            </a:solidFill>
+          </a:ln>
+        </p:spPr>
+        <p:style>
+          <a:lnRef idx="2">
+            <a:schemeClr val="accent1">
+              <a:shade val="50000"/>
+            </a:schemeClr>
+          </a:lnRef>
+          <a:fillRef idx="1">
+            <a:schemeClr val="accent1"/>
+          </a:fillRef>
+          <a:effectRef idx="0">
+            <a:schemeClr val="accent1"/>
+          </a:effectRef>
+          <a:fontRef idx="minor">
+            <a:schemeClr val="lt1"/>
+          </a:fontRef>
+        </p:style>
+        <p:txBody>
+          <a:bodyPr rtlCol="0" anchor="ctr"/>
+          <a:lstStyle/>
+          <a:p>
+            <a:pPr algn="ctr"/>
+            <a:endParaRPr lang="th-TH"/>
+          </a:p>
+        </p:txBody>
+      </p:sp>
+      <p:sp>
+        <p:nvSpPr>
+          <p:cNvPr id="8" name="ลูกศร: ซ้าย 7">
+            <a:extLst>
+              <a:ext uri="{FF2B5EF4-FFF2-40B4-BE49-F238E27FC236}">
+                <a16:creationId xmlns:a16="http://schemas.microsoft.com/office/drawing/2014/main" id="{62E5841D-3B3D-60F2-D03B-B92EF7400729}"/>
+              </a:ext>
+            </a:extLst>
+          </p:cNvPr>
+          <p:cNvSpPr/>
+          <p:nvPr/>
+        </p:nvSpPr>
+        <p:spPr>
+          <a:xfrm>
+            <a:off x="4322733" y="3604563"/>
+            <a:ext cx="717326" cy="245721"/>
+          </a:xfrm>
+          <a:prstGeom prst="leftArrow">
+            <a:avLst/>
+          </a:prstGeom>
+          <a:solidFill>
+            <a:srgbClr val="FFFF00"/>
+          </a:solidFill>
+          <a:ln>
+            <a:solidFill>
+              <a:srgbClr val="FF0000"/>
+            </a:solidFill>
+          </a:ln>
+        </p:spPr>
+        <p:style>
+          <a:lnRef idx="2">
+            <a:schemeClr val="accent1">
+              <a:shade val="50000"/>
+            </a:schemeClr>
+          </a:lnRef>
+          <a:fillRef idx="1">
+            <a:schemeClr val="accent1"/>
+          </a:fillRef>
+          <a:effectRef idx="0">
+            <a:schemeClr val="accent1"/>
+          </a:effectRef>
+          <a:fontRef idx="minor">
+            <a:schemeClr val="lt1"/>
+          </a:fontRef>
+        </p:style>
+        <p:txBody>
+          <a:bodyPr rtlCol="0" anchor="ctr"/>
+          <a:lstStyle/>
+          <a:p>
+            <a:pPr algn="ctr"/>
+            <a:endParaRPr lang="th-TH"/>
+          </a:p>
+        </p:txBody>
+      </p:sp>
+      <p:sp>
+        <p:nvSpPr>
+          <p:cNvPr id="10" name="สี่เหลี่ยมผืนผ้า: มุมมน 9">
+            <a:extLst>
+              <a:ext uri="{FF2B5EF4-FFF2-40B4-BE49-F238E27FC236}">
+                <a16:creationId xmlns:a16="http://schemas.microsoft.com/office/drawing/2014/main" id="{69BDD3CB-6C82-E6BE-37BC-844BC492C1F9}"/>
+              </a:ext>
+            </a:extLst>
+          </p:cNvPr>
+          <p:cNvSpPr/>
+          <p:nvPr/>
+        </p:nvSpPr>
+        <p:spPr>
+          <a:xfrm>
+            <a:off x="5040059" y="3490930"/>
+            <a:ext cx="767751" cy="440330"/>
+          </a:xfrm>
+          <a:prstGeom prst="roundRect">
+            <a:avLst/>
+          </a:prstGeom>
+          <a:solidFill>
+            <a:srgbClr val="FFFF00"/>
+          </a:solidFill>
+          <a:ln w="28575">
+            <a:solidFill>
+              <a:srgbClr val="FF0000"/>
+            </a:solidFill>
+          </a:ln>
+        </p:spPr>
+        <p:style>
+          <a:lnRef idx="2">
+            <a:schemeClr val="accent1">
+              <a:shade val="50000"/>
+            </a:schemeClr>
+          </a:lnRef>
+          <a:fillRef idx="1">
+            <a:schemeClr val="accent1"/>
+          </a:fillRef>
+          <a:effectRef idx="0">
+            <a:schemeClr val="accent1"/>
+          </a:effectRef>
+          <a:fontRef idx="minor">
+            <a:schemeClr val="lt1"/>
+          </a:fontRef>
+        </p:style>
+        <p:txBody>
+          <a:bodyPr rtlCol="0" anchor="ctr"/>
+          <a:lstStyle/>
+          <a:p>
+            <a:pPr algn="ctr"/>
+            <a:r>
+              <a:rPr lang="en-US" dirty="0">
+                <a:solidFill>
+                  <a:srgbClr val="FF0000"/>
+                </a:solidFill>
+              </a:rPr>
+              <a:t>3.8</a:t>
+            </a:r>
+            <a:endParaRPr lang="th-TH" dirty="0">
+              <a:solidFill>
+                <a:srgbClr val="FF0000"/>
+              </a:solidFill>
+            </a:endParaRPr>
+          </a:p>
+        </p:txBody>
+      </p:sp>
+    </p:spTree>
+    <p:extLst>
+      <p:ext uri="{BB962C8B-B14F-4D97-AF65-F5344CB8AC3E}">
+        <p14:creationId xmlns:p14="http://schemas.microsoft.com/office/powerpoint/2010/main" val="3064245307"/>
+      </p:ext>
+    </p:extLst>
+  </p:cSld>
+  <p:clrMapOvr>
+    <a:masterClrMapping/>
+  </p:clrMapOvr>
+</p:sld>
+</file>
+
+<file path=ppt/slides/slide14.xml><?xml version="1.0" encoding="utf-8"?>
+<p:sld xmlns:a="http://schemas.openxmlformats.org/drawingml/2006/main" xmlns:r="http://schemas.openxmlformats.org/officeDocument/2006/relationships" xmlns:p="http://schemas.openxmlformats.org/presentationml/2006/main">
+  <p:cSld>
+    <p:spTree>
+      <p:nvGrpSpPr>
+        <p:cNvPr id="1" name=""/>
+        <p:cNvGrpSpPr/>
+        <p:nvPr/>
+      </p:nvGrpSpPr>
+      <p:grpSpPr>
+        <a:xfrm>
+          <a:off x="0" y="0"/>
+          <a:ext cx="0" cy="0"/>
+          <a:chOff x="0" y="0"/>
+          <a:chExt cx="0" cy="0"/>
+        </a:xfrm>
+      </p:grpSpPr>
+      <p:pic>
+        <p:nvPicPr>
+          <p:cNvPr id="3" name="รูปภาพ 2" descr="รูปภาพประกอบด้วย ข้อความ&#10;&#10;คำอธิบายที่สร้างโดยอัตโนมัติ">
+            <a:extLst>
+              <a:ext uri="{FF2B5EF4-FFF2-40B4-BE49-F238E27FC236}">
+                <a16:creationId xmlns:a16="http://schemas.microsoft.com/office/drawing/2014/main" id="{10CED818-9D3B-31E2-F109-CBB2C7A4BF43}"/>
+              </a:ext>
+            </a:extLst>
+          </p:cNvPr>
+          <p:cNvPicPr>
+            <a:picLocks noChangeAspect="1"/>
+          </p:cNvPicPr>
+          <p:nvPr/>
+        </p:nvPicPr>
+        <p:blipFill>
+          <a:blip r:embed="rId2">
+            <a:extLst>
+              <a:ext uri="{28A0092B-C50C-407E-A947-70E740481C1C}">
+                <a14:useLocalDpi xmlns:a14="http://schemas.microsoft.com/office/drawing/2010/main" val="0"/>
+              </a:ext>
+            </a:extLst>
+          </a:blip>
+          <a:stretch>
+            <a:fillRect/>
+          </a:stretch>
+        </p:blipFill>
+        <p:spPr>
+          <a:xfrm>
+            <a:off x="1661493" y="128127"/>
+            <a:ext cx="8869013" cy="6601746"/>
+          </a:xfrm>
+          <a:prstGeom prst="rect">
+            <a:avLst/>
+          </a:prstGeom>
+        </p:spPr>
+      </p:pic>
+      <p:sp>
+        <p:nvSpPr>
+          <p:cNvPr id="4" name="ลูกศร: ซ้าย 3">
+            <a:extLst>
+              <a:ext uri="{FF2B5EF4-FFF2-40B4-BE49-F238E27FC236}">
+                <a16:creationId xmlns:a16="http://schemas.microsoft.com/office/drawing/2014/main" id="{7F83CF53-4838-559A-0402-D9DE64B2AB95}"/>
+              </a:ext>
+            </a:extLst>
+          </p:cNvPr>
+          <p:cNvSpPr/>
+          <p:nvPr/>
+        </p:nvSpPr>
+        <p:spPr>
+          <a:xfrm>
+            <a:off x="6096000" y="5310814"/>
+            <a:ext cx="717326" cy="245721"/>
+          </a:xfrm>
+          <a:prstGeom prst="leftArrow">
+            <a:avLst/>
+          </a:prstGeom>
+          <a:solidFill>
+            <a:srgbClr val="FFFF00"/>
+          </a:solidFill>
+          <a:ln>
+            <a:solidFill>
+              <a:srgbClr val="FF0000"/>
+            </a:solidFill>
+          </a:ln>
+        </p:spPr>
+        <p:style>
+          <a:lnRef idx="2">
+            <a:schemeClr val="accent1">
+              <a:shade val="50000"/>
+            </a:schemeClr>
+          </a:lnRef>
+          <a:fillRef idx="1">
+            <a:schemeClr val="accent1"/>
+          </a:fillRef>
+          <a:effectRef idx="0">
+            <a:schemeClr val="accent1"/>
+          </a:effectRef>
+          <a:fontRef idx="minor">
+            <a:schemeClr val="lt1"/>
+          </a:fontRef>
+        </p:style>
+        <p:txBody>
+          <a:bodyPr rtlCol="0" anchor="ctr"/>
+          <a:lstStyle/>
+          <a:p>
+            <a:pPr algn="ctr"/>
+            <a:endParaRPr lang="th-TH"/>
+          </a:p>
+        </p:txBody>
+      </p:sp>
+      <p:sp>
+        <p:nvSpPr>
+          <p:cNvPr id="5" name="สี่เหลี่ยมผืนผ้า: มุมมน 4">
+            <a:extLst>
+              <a:ext uri="{FF2B5EF4-FFF2-40B4-BE49-F238E27FC236}">
+                <a16:creationId xmlns:a16="http://schemas.microsoft.com/office/drawing/2014/main" id="{353E254A-8B1C-C3A0-F9E8-A9479AE9BCCA}"/>
+              </a:ext>
+            </a:extLst>
+          </p:cNvPr>
+          <p:cNvSpPr/>
+          <p:nvPr/>
+        </p:nvSpPr>
+        <p:spPr>
+          <a:xfrm>
+            <a:off x="6892090" y="5090649"/>
+            <a:ext cx="767751" cy="440330"/>
+          </a:xfrm>
+          <a:prstGeom prst="roundRect">
+            <a:avLst/>
+          </a:prstGeom>
+          <a:solidFill>
+            <a:srgbClr val="FFFF00"/>
+          </a:solidFill>
+          <a:ln w="28575">
+            <a:solidFill>
+              <a:srgbClr val="FF0000"/>
+            </a:solidFill>
+          </a:ln>
+        </p:spPr>
+        <p:style>
+          <a:lnRef idx="2">
+            <a:schemeClr val="accent1">
+              <a:shade val="50000"/>
+            </a:schemeClr>
+          </a:lnRef>
+          <a:fillRef idx="1">
+            <a:schemeClr val="accent1"/>
+          </a:fillRef>
+          <a:effectRef idx="0">
+            <a:schemeClr val="accent1"/>
+          </a:effectRef>
+          <a:fontRef idx="minor">
+            <a:schemeClr val="lt1"/>
+          </a:fontRef>
+        </p:style>
+        <p:txBody>
+          <a:bodyPr rtlCol="0" anchor="ctr"/>
+          <a:lstStyle/>
+          <a:p>
+            <a:pPr algn="ctr"/>
+            <a:r>
+              <a:rPr lang="en-US" dirty="0">
+                <a:solidFill>
+                  <a:srgbClr val="FF0000"/>
+                </a:solidFill>
+              </a:rPr>
+              <a:t>3.9</a:t>
+            </a:r>
+            <a:endParaRPr lang="th-TH" dirty="0">
+              <a:solidFill>
+                <a:srgbClr val="FF0000"/>
+              </a:solidFill>
+            </a:endParaRPr>
+          </a:p>
+        </p:txBody>
+      </p:sp>
+    </p:spTree>
+    <p:extLst>
+      <p:ext uri="{BB962C8B-B14F-4D97-AF65-F5344CB8AC3E}">
+        <p14:creationId xmlns:p14="http://schemas.microsoft.com/office/powerpoint/2010/main" val="1583888041"/>
+      </p:ext>
+    </p:extLst>
+  </p:cSld>
+  <p:clrMapOvr>
+    <a:masterClrMapping/>
+  </p:clrMapOvr>
+</p:sld>
+</file>
+
+<file path=ppt/slides/slide15.xml><?xml version="1.0" encoding="utf-8"?>
+<p:sld xmlns:a="http://schemas.openxmlformats.org/drawingml/2006/main" xmlns:r="http://schemas.openxmlformats.org/officeDocument/2006/relationships" xmlns:p="http://schemas.openxmlformats.org/presentationml/2006/main">
+  <p:cSld>
+    <p:spTree>
+      <p:nvGrpSpPr>
+        <p:cNvPr id="1" name=""/>
+        <p:cNvGrpSpPr/>
+        <p:nvPr/>
+      </p:nvGrpSpPr>
+      <p:grpSpPr>
+        <a:xfrm>
+          <a:off x="0" y="0"/>
+          <a:ext cx="0" cy="0"/>
+          <a:chOff x="0" y="0"/>
+          <a:chExt cx="0" cy="0"/>
+        </a:xfrm>
+      </p:grpSpPr>
+      <p:pic>
+        <p:nvPicPr>
+          <p:cNvPr id="3" name="รูปภาพ 2" descr="รูปภาพประกอบด้วย ข้อความ&#10;&#10;คำอธิบายที่สร้างโดยอัตโนมัติ">
+            <a:extLst>
+              <a:ext uri="{FF2B5EF4-FFF2-40B4-BE49-F238E27FC236}">
+                <a16:creationId xmlns:a16="http://schemas.microsoft.com/office/drawing/2014/main" id="{FEA6299F-9EE2-5F8A-3169-9CF566FA0C28}"/>
+              </a:ext>
+            </a:extLst>
+          </p:cNvPr>
+          <p:cNvPicPr>
+            <a:picLocks noChangeAspect="1"/>
+          </p:cNvPicPr>
+          <p:nvPr/>
+        </p:nvPicPr>
+        <p:blipFill>
+          <a:blip r:embed="rId2">
+            <a:extLst>
+              <a:ext uri="{28A0092B-C50C-407E-A947-70E740481C1C}">
+                <a14:useLocalDpi xmlns:a14="http://schemas.microsoft.com/office/drawing/2010/main" val="0"/>
+              </a:ext>
+            </a:extLst>
+          </a:blip>
+          <a:stretch>
+            <a:fillRect/>
+          </a:stretch>
+        </p:blipFill>
+        <p:spPr>
+          <a:xfrm>
+            <a:off x="2399784" y="1123628"/>
+            <a:ext cx="7392432" cy="4610743"/>
+          </a:xfrm>
+          <a:prstGeom prst="rect">
+            <a:avLst/>
+          </a:prstGeom>
+        </p:spPr>
+      </p:pic>
+      <p:sp>
+        <p:nvSpPr>
+          <p:cNvPr id="4" name="ลูกศร: ซ้าย 3">
+            <a:extLst>
+              <a:ext uri="{FF2B5EF4-FFF2-40B4-BE49-F238E27FC236}">
+                <a16:creationId xmlns:a16="http://schemas.microsoft.com/office/drawing/2014/main" id="{BF326DCE-1472-AFFA-79B0-531ABB41E218}"/>
+              </a:ext>
+            </a:extLst>
+          </p:cNvPr>
+          <p:cNvSpPr/>
+          <p:nvPr/>
+        </p:nvSpPr>
+        <p:spPr>
+          <a:xfrm>
+            <a:off x="3918408" y="3755391"/>
+            <a:ext cx="717326" cy="245721"/>
+          </a:xfrm>
+          <a:prstGeom prst="leftArrow">
+            <a:avLst/>
+          </a:prstGeom>
+          <a:solidFill>
+            <a:srgbClr val="FFFF00"/>
+          </a:solidFill>
+          <a:ln>
+            <a:solidFill>
+              <a:srgbClr val="FF0000"/>
+            </a:solidFill>
+          </a:ln>
+        </p:spPr>
+        <p:style>
+          <a:lnRef idx="2">
+            <a:schemeClr val="accent1">
+              <a:shade val="50000"/>
+            </a:schemeClr>
+          </a:lnRef>
+          <a:fillRef idx="1">
+            <a:schemeClr val="accent1"/>
+          </a:fillRef>
+          <a:effectRef idx="0">
+            <a:schemeClr val="accent1"/>
+          </a:effectRef>
+          <a:fontRef idx="minor">
+            <a:schemeClr val="lt1"/>
+          </a:fontRef>
+        </p:style>
+        <p:txBody>
+          <a:bodyPr rtlCol="0" anchor="ctr"/>
+          <a:lstStyle/>
+          <a:p>
+            <a:pPr algn="ctr"/>
+            <a:endParaRPr lang="th-TH"/>
+          </a:p>
+        </p:txBody>
+      </p:sp>
+      <p:sp>
+        <p:nvSpPr>
+          <p:cNvPr id="5" name="สี่เหลี่ยมผืนผ้า: มุมมน 4">
+            <a:extLst>
+              <a:ext uri="{FF2B5EF4-FFF2-40B4-BE49-F238E27FC236}">
+                <a16:creationId xmlns:a16="http://schemas.microsoft.com/office/drawing/2014/main" id="{7454DE7A-28A9-5987-E604-0861847921C2}"/>
+              </a:ext>
+            </a:extLst>
+          </p:cNvPr>
+          <p:cNvSpPr/>
+          <p:nvPr/>
+        </p:nvSpPr>
+        <p:spPr>
+          <a:xfrm>
+            <a:off x="4714498" y="3535226"/>
+            <a:ext cx="941584" cy="440330"/>
+          </a:xfrm>
+          <a:prstGeom prst="roundRect">
+            <a:avLst/>
+          </a:prstGeom>
+          <a:solidFill>
+            <a:srgbClr val="FFFF00"/>
+          </a:solidFill>
+          <a:ln w="28575">
+            <a:solidFill>
+              <a:srgbClr val="FF0000"/>
+            </a:solidFill>
+          </a:ln>
+        </p:spPr>
+        <p:style>
+          <a:lnRef idx="2">
+            <a:schemeClr val="accent1">
+              <a:shade val="50000"/>
+            </a:schemeClr>
+          </a:lnRef>
+          <a:fillRef idx="1">
+            <a:schemeClr val="accent1"/>
+          </a:fillRef>
+          <a:effectRef idx="0">
+            <a:schemeClr val="accent1"/>
+          </a:effectRef>
+          <a:fontRef idx="minor">
+            <a:schemeClr val="lt1"/>
+          </a:fontRef>
+        </p:style>
+        <p:txBody>
+          <a:bodyPr rtlCol="0" anchor="ctr"/>
+          <a:lstStyle/>
+          <a:p>
+            <a:pPr algn="ctr"/>
+            <a:r>
+              <a:rPr lang="en-US" dirty="0">
+                <a:solidFill>
+                  <a:srgbClr val="FF0000"/>
+                </a:solidFill>
+              </a:rPr>
+              <a:t>3.10</a:t>
+            </a:r>
+            <a:endParaRPr lang="th-TH" dirty="0">
+              <a:solidFill>
+                <a:srgbClr val="FF0000"/>
+              </a:solidFill>
+            </a:endParaRPr>
+          </a:p>
+        </p:txBody>
+      </p:sp>
+    </p:spTree>
+    <p:extLst>
+      <p:ext uri="{BB962C8B-B14F-4D97-AF65-F5344CB8AC3E}">
+        <p14:creationId xmlns:p14="http://schemas.microsoft.com/office/powerpoint/2010/main" val="813442994"/>
+      </p:ext>
+    </p:extLst>
+  </p:cSld>
+  <p:clrMapOvr>
+    <a:masterClrMapping/>
+  </p:clrMapOvr>
+</p:sld>
+</file>
+
+<file path=ppt/slides/slide16.xml><?xml version="1.0" encoding="utf-8"?>
+<p:sld xmlns:a="http://schemas.openxmlformats.org/drawingml/2006/main" xmlns:r="http://schemas.openxmlformats.org/officeDocument/2006/relationships" xmlns:p="http://schemas.openxmlformats.org/presentationml/2006/main">
+  <p:cSld>
+    <p:spTree>
+      <p:nvGrpSpPr>
+        <p:cNvPr id="1" name=""/>
+        <p:cNvGrpSpPr/>
+        <p:nvPr/>
+      </p:nvGrpSpPr>
+      <p:grpSpPr>
+        <a:xfrm>
+          <a:off x="0" y="0"/>
+          <a:ext cx="0" cy="0"/>
+          <a:chOff x="0" y="0"/>
+          <a:chExt cx="0" cy="0"/>
+        </a:xfrm>
+      </p:grpSpPr>
+      <p:pic>
+        <p:nvPicPr>
+          <p:cNvPr id="3" name="รูปภาพ 2" descr="รูปภาพประกอบด้วย ข้อความ&#10;&#10;คำอธิบายที่สร้างโดยอัตโนมัติ">
+            <a:extLst>
+              <a:ext uri="{FF2B5EF4-FFF2-40B4-BE49-F238E27FC236}">
+                <a16:creationId xmlns:a16="http://schemas.microsoft.com/office/drawing/2014/main" id="{731BBE71-F4B8-785F-8D0B-DFB0D1066F6A}"/>
+              </a:ext>
+            </a:extLst>
+          </p:cNvPr>
+          <p:cNvPicPr>
+            <a:picLocks noChangeAspect="1"/>
+          </p:cNvPicPr>
+          <p:nvPr/>
+        </p:nvPicPr>
+        <p:blipFill>
+          <a:blip r:embed="rId2">
+            <a:extLst>
+              <a:ext uri="{28A0092B-C50C-407E-A947-70E740481C1C}">
+                <a14:useLocalDpi xmlns:a14="http://schemas.microsoft.com/office/drawing/2010/main" val="0"/>
+              </a:ext>
+            </a:extLst>
+          </a:blip>
+          <a:stretch>
+            <a:fillRect/>
+          </a:stretch>
+        </p:blipFill>
+        <p:spPr>
+          <a:xfrm>
+            <a:off x="2442652" y="842601"/>
+            <a:ext cx="7306695" cy="5172797"/>
+          </a:xfrm>
+          <a:prstGeom prst="rect">
+            <a:avLst/>
+          </a:prstGeom>
+        </p:spPr>
+      </p:pic>
+      <p:sp>
+        <p:nvSpPr>
+          <p:cNvPr id="4" name="ลูกศร: ซ้าย 3">
+            <a:extLst>
+              <a:ext uri="{FF2B5EF4-FFF2-40B4-BE49-F238E27FC236}">
+                <a16:creationId xmlns:a16="http://schemas.microsoft.com/office/drawing/2014/main" id="{78A2C00E-E748-CEBC-6A9B-0081069ED7EC}"/>
+              </a:ext>
+            </a:extLst>
+          </p:cNvPr>
+          <p:cNvSpPr/>
+          <p:nvPr/>
+        </p:nvSpPr>
+        <p:spPr>
+          <a:xfrm>
+            <a:off x="4358326" y="2096273"/>
+            <a:ext cx="717326" cy="245721"/>
+          </a:xfrm>
+          <a:prstGeom prst="leftArrow">
+            <a:avLst/>
+          </a:prstGeom>
+          <a:solidFill>
+            <a:srgbClr val="FFFF00"/>
+          </a:solidFill>
+          <a:ln>
+            <a:solidFill>
+              <a:srgbClr val="FF0000"/>
+            </a:solidFill>
+          </a:ln>
+        </p:spPr>
+        <p:style>
+          <a:lnRef idx="2">
+            <a:schemeClr val="accent1">
+              <a:shade val="50000"/>
+            </a:schemeClr>
+          </a:lnRef>
+          <a:fillRef idx="1">
+            <a:schemeClr val="accent1"/>
+          </a:fillRef>
+          <a:effectRef idx="0">
+            <a:schemeClr val="accent1"/>
+          </a:effectRef>
+          <a:fontRef idx="minor">
+            <a:schemeClr val="lt1"/>
+          </a:fontRef>
+        </p:style>
+        <p:txBody>
+          <a:bodyPr rtlCol="0" anchor="ctr"/>
+          <a:lstStyle/>
+          <a:p>
+            <a:pPr algn="ctr"/>
+            <a:endParaRPr lang="th-TH"/>
+          </a:p>
+        </p:txBody>
+      </p:sp>
+      <p:sp>
+        <p:nvSpPr>
+          <p:cNvPr id="5" name="สี่เหลี่ยมผืนผ้า: มุมมน 4">
+            <a:extLst>
+              <a:ext uri="{FF2B5EF4-FFF2-40B4-BE49-F238E27FC236}">
+                <a16:creationId xmlns:a16="http://schemas.microsoft.com/office/drawing/2014/main" id="{F2A317DA-6771-DF31-E82C-C9FC182A0B19}"/>
+              </a:ext>
+            </a:extLst>
+          </p:cNvPr>
+          <p:cNvSpPr/>
+          <p:nvPr/>
+        </p:nvSpPr>
+        <p:spPr>
+          <a:xfrm>
+            <a:off x="5154416" y="1876108"/>
+            <a:ext cx="941584" cy="440330"/>
+          </a:xfrm>
+          <a:prstGeom prst="roundRect">
+            <a:avLst/>
+          </a:prstGeom>
+          <a:solidFill>
+            <a:srgbClr val="FFFF00"/>
+          </a:solidFill>
+          <a:ln w="28575">
+            <a:solidFill>
+              <a:srgbClr val="FF0000"/>
+            </a:solidFill>
+          </a:ln>
+        </p:spPr>
+        <p:style>
+          <a:lnRef idx="2">
+            <a:schemeClr val="accent1">
+              <a:shade val="50000"/>
+            </a:schemeClr>
+          </a:lnRef>
+          <a:fillRef idx="1">
+            <a:schemeClr val="accent1"/>
+          </a:fillRef>
+          <a:effectRef idx="0">
+            <a:schemeClr val="accent1"/>
+          </a:effectRef>
+          <a:fontRef idx="minor">
+            <a:schemeClr val="lt1"/>
+          </a:fontRef>
+        </p:style>
+        <p:txBody>
+          <a:bodyPr rtlCol="0" anchor="ctr"/>
+          <a:lstStyle/>
+          <a:p>
+            <a:pPr algn="ctr"/>
+            <a:r>
+              <a:rPr lang="en-US" dirty="0">
+                <a:solidFill>
+                  <a:srgbClr val="FF0000"/>
+                </a:solidFill>
+              </a:rPr>
+              <a:t>3.11</a:t>
+            </a:r>
+            <a:endParaRPr lang="th-TH" dirty="0">
+              <a:solidFill>
+                <a:srgbClr val="FF0000"/>
+              </a:solidFill>
+            </a:endParaRPr>
+          </a:p>
+        </p:txBody>
+      </p:sp>
+      <p:sp>
+        <p:nvSpPr>
+          <p:cNvPr id="6" name="ลูกศร: ซ้าย 5">
+            <a:extLst>
+              <a:ext uri="{FF2B5EF4-FFF2-40B4-BE49-F238E27FC236}">
+                <a16:creationId xmlns:a16="http://schemas.microsoft.com/office/drawing/2014/main" id="{F4568F5C-2352-7E4F-400C-649944AA14C0}"/>
+              </a:ext>
+            </a:extLst>
+          </p:cNvPr>
+          <p:cNvSpPr/>
+          <p:nvPr/>
+        </p:nvSpPr>
+        <p:spPr>
+          <a:xfrm>
+            <a:off x="3808770" y="2562159"/>
+            <a:ext cx="717326" cy="245721"/>
+          </a:xfrm>
+          <a:prstGeom prst="leftArrow">
+            <a:avLst/>
+          </a:prstGeom>
+          <a:solidFill>
+            <a:srgbClr val="FFFF00"/>
+          </a:solidFill>
+          <a:ln>
+            <a:solidFill>
+              <a:srgbClr val="FF0000"/>
+            </a:solidFill>
+          </a:ln>
+        </p:spPr>
+        <p:style>
+          <a:lnRef idx="2">
+            <a:schemeClr val="accent1">
+              <a:shade val="50000"/>
+            </a:schemeClr>
+          </a:lnRef>
+          <a:fillRef idx="1">
+            <a:schemeClr val="accent1"/>
+          </a:fillRef>
+          <a:effectRef idx="0">
+            <a:schemeClr val="accent1"/>
+          </a:effectRef>
+          <a:fontRef idx="minor">
+            <a:schemeClr val="lt1"/>
+          </a:fontRef>
+        </p:style>
+        <p:txBody>
+          <a:bodyPr rtlCol="0" anchor="ctr"/>
+          <a:lstStyle/>
+          <a:p>
+            <a:pPr algn="ctr"/>
+            <a:endParaRPr lang="th-TH"/>
+          </a:p>
+        </p:txBody>
+      </p:sp>
+      <p:sp>
+        <p:nvSpPr>
+          <p:cNvPr id="7" name="สี่เหลี่ยมผืนผ้า: มุมมน 6">
+            <a:extLst>
+              <a:ext uri="{FF2B5EF4-FFF2-40B4-BE49-F238E27FC236}">
+                <a16:creationId xmlns:a16="http://schemas.microsoft.com/office/drawing/2014/main" id="{E4181A7D-1EB8-2819-04B5-85A048321DEE}"/>
+              </a:ext>
+            </a:extLst>
+          </p:cNvPr>
+          <p:cNvSpPr/>
+          <p:nvPr/>
+        </p:nvSpPr>
+        <p:spPr>
+          <a:xfrm>
+            <a:off x="4604860" y="2341994"/>
+            <a:ext cx="941584" cy="440330"/>
+          </a:xfrm>
+          <a:prstGeom prst="roundRect">
+            <a:avLst/>
+          </a:prstGeom>
+          <a:solidFill>
+            <a:srgbClr val="FFFF00"/>
+          </a:solidFill>
+          <a:ln w="28575">
+            <a:solidFill>
+              <a:srgbClr val="FF0000"/>
+            </a:solidFill>
+          </a:ln>
+        </p:spPr>
+        <p:style>
+          <a:lnRef idx="2">
+            <a:schemeClr val="accent1">
+              <a:shade val="50000"/>
+            </a:schemeClr>
+          </a:lnRef>
+          <a:fillRef idx="1">
+            <a:schemeClr val="accent1"/>
+          </a:fillRef>
+          <a:effectRef idx="0">
+            <a:schemeClr val="accent1"/>
+          </a:effectRef>
+          <a:fontRef idx="minor">
+            <a:schemeClr val="lt1"/>
+          </a:fontRef>
+        </p:style>
+        <p:txBody>
+          <a:bodyPr rtlCol="0" anchor="ctr"/>
+          <a:lstStyle/>
+          <a:p>
+            <a:pPr algn="ctr"/>
+            <a:r>
+              <a:rPr lang="en-US" dirty="0">
+                <a:solidFill>
+                  <a:srgbClr val="FF0000"/>
+                </a:solidFill>
+              </a:rPr>
+              <a:t>3.12</a:t>
+            </a:r>
+            <a:endParaRPr lang="th-TH" dirty="0">
+              <a:solidFill>
+                <a:srgbClr val="FF0000"/>
+              </a:solidFill>
+            </a:endParaRPr>
+          </a:p>
+        </p:txBody>
+      </p:sp>
+      <p:sp>
+        <p:nvSpPr>
+          <p:cNvPr id="8" name="ลูกศร: ซ้าย 7">
+            <a:extLst>
+              <a:ext uri="{FF2B5EF4-FFF2-40B4-BE49-F238E27FC236}">
+                <a16:creationId xmlns:a16="http://schemas.microsoft.com/office/drawing/2014/main" id="{5F5E0973-5612-FAF3-175D-A955730D9975}"/>
+              </a:ext>
+            </a:extLst>
+          </p:cNvPr>
+          <p:cNvSpPr/>
+          <p:nvPr/>
+        </p:nvSpPr>
+        <p:spPr>
+          <a:xfrm>
+            <a:off x="5737337" y="4002770"/>
+            <a:ext cx="717326" cy="245721"/>
+          </a:xfrm>
+          <a:prstGeom prst="leftArrow">
+            <a:avLst/>
+          </a:prstGeom>
+          <a:solidFill>
+            <a:srgbClr val="FFFF00"/>
+          </a:solidFill>
+          <a:ln>
+            <a:solidFill>
+              <a:srgbClr val="FF0000"/>
+            </a:solidFill>
+          </a:ln>
+        </p:spPr>
+        <p:style>
+          <a:lnRef idx="2">
+            <a:schemeClr val="accent1">
+              <a:shade val="50000"/>
+            </a:schemeClr>
+          </a:lnRef>
+          <a:fillRef idx="1">
+            <a:schemeClr val="accent1"/>
+          </a:fillRef>
+          <a:effectRef idx="0">
+            <a:schemeClr val="accent1"/>
+          </a:effectRef>
+          <a:fontRef idx="minor">
+            <a:schemeClr val="lt1"/>
+          </a:fontRef>
+        </p:style>
+        <p:txBody>
+          <a:bodyPr rtlCol="0" anchor="ctr"/>
+          <a:lstStyle/>
+          <a:p>
+            <a:pPr algn="ctr"/>
+            <a:endParaRPr lang="th-TH"/>
+          </a:p>
+        </p:txBody>
+      </p:sp>
+      <p:sp>
+        <p:nvSpPr>
+          <p:cNvPr id="9" name="สี่เหลี่ยมผืนผ้า: มุมมน 8">
+            <a:extLst>
+              <a:ext uri="{FF2B5EF4-FFF2-40B4-BE49-F238E27FC236}">
+                <a16:creationId xmlns:a16="http://schemas.microsoft.com/office/drawing/2014/main" id="{013919C4-803D-6586-03BB-CECED86294E2}"/>
+              </a:ext>
+            </a:extLst>
+          </p:cNvPr>
+          <p:cNvSpPr/>
+          <p:nvPr/>
+        </p:nvSpPr>
+        <p:spPr>
+          <a:xfrm>
+            <a:off x="6533427" y="3782605"/>
+            <a:ext cx="941584" cy="440330"/>
+          </a:xfrm>
+          <a:prstGeom prst="roundRect">
+            <a:avLst/>
+          </a:prstGeom>
+          <a:solidFill>
+            <a:srgbClr val="FFFF00"/>
+          </a:solidFill>
+          <a:ln w="28575">
+            <a:solidFill>
+              <a:srgbClr val="FF0000"/>
+            </a:solidFill>
+          </a:ln>
+        </p:spPr>
+        <p:style>
+          <a:lnRef idx="2">
+            <a:schemeClr val="accent1">
+              <a:shade val="50000"/>
+            </a:schemeClr>
+          </a:lnRef>
+          <a:fillRef idx="1">
+            <a:schemeClr val="accent1"/>
+          </a:fillRef>
+          <a:effectRef idx="0">
+            <a:schemeClr val="accent1"/>
+          </a:effectRef>
+          <a:fontRef idx="minor">
+            <a:schemeClr val="lt1"/>
+          </a:fontRef>
+        </p:style>
+        <p:txBody>
+          <a:bodyPr rtlCol="0" anchor="ctr"/>
+          <a:lstStyle/>
+          <a:p>
+            <a:pPr algn="ctr"/>
+            <a:r>
+              <a:rPr lang="en-US" dirty="0">
+                <a:solidFill>
+                  <a:srgbClr val="FF0000"/>
+                </a:solidFill>
+              </a:rPr>
+              <a:t>3.13</a:t>
+            </a:r>
+            <a:endParaRPr lang="th-TH" dirty="0">
+              <a:solidFill>
+                <a:srgbClr val="FF0000"/>
+              </a:solidFill>
+            </a:endParaRPr>
+          </a:p>
+        </p:txBody>
+      </p:sp>
+      <p:sp>
+        <p:nvSpPr>
+          <p:cNvPr id="10" name="ลูกศร: ซ้าย 9">
+            <a:extLst>
+              <a:ext uri="{FF2B5EF4-FFF2-40B4-BE49-F238E27FC236}">
+                <a16:creationId xmlns:a16="http://schemas.microsoft.com/office/drawing/2014/main" id="{15734EC0-1BB9-54EC-D773-CC487AD30464}"/>
+              </a:ext>
+            </a:extLst>
+          </p:cNvPr>
+          <p:cNvSpPr/>
+          <p:nvPr/>
+        </p:nvSpPr>
+        <p:spPr>
+          <a:xfrm>
+            <a:off x="3887534" y="4891291"/>
+            <a:ext cx="717326" cy="245721"/>
+          </a:xfrm>
+          <a:prstGeom prst="leftArrow">
+            <a:avLst/>
+          </a:prstGeom>
+          <a:solidFill>
+            <a:srgbClr val="FFFF00"/>
+          </a:solidFill>
+          <a:ln>
+            <a:solidFill>
+              <a:srgbClr val="FF0000"/>
+            </a:solidFill>
+          </a:ln>
+        </p:spPr>
+        <p:style>
+          <a:lnRef idx="2">
+            <a:schemeClr val="accent1">
+              <a:shade val="50000"/>
+            </a:schemeClr>
+          </a:lnRef>
+          <a:fillRef idx="1">
+            <a:schemeClr val="accent1"/>
+          </a:fillRef>
+          <a:effectRef idx="0">
+            <a:schemeClr val="accent1"/>
+          </a:effectRef>
+          <a:fontRef idx="minor">
+            <a:schemeClr val="lt1"/>
+          </a:fontRef>
+        </p:style>
+        <p:txBody>
+          <a:bodyPr rtlCol="0" anchor="ctr"/>
+          <a:lstStyle/>
+          <a:p>
+            <a:pPr algn="ctr"/>
+            <a:endParaRPr lang="th-TH"/>
+          </a:p>
+        </p:txBody>
+      </p:sp>
+      <p:sp>
+        <p:nvSpPr>
+          <p:cNvPr id="11" name="สี่เหลี่ยมผืนผ้า: มุมมน 10">
+            <a:extLst>
+              <a:ext uri="{FF2B5EF4-FFF2-40B4-BE49-F238E27FC236}">
+                <a16:creationId xmlns:a16="http://schemas.microsoft.com/office/drawing/2014/main" id="{C84D2735-F2DD-F701-6CC3-9928304C0D3D}"/>
+              </a:ext>
+            </a:extLst>
+          </p:cNvPr>
+          <p:cNvSpPr/>
+          <p:nvPr/>
+        </p:nvSpPr>
+        <p:spPr>
+          <a:xfrm>
+            <a:off x="4683624" y="4671126"/>
+            <a:ext cx="941584" cy="440330"/>
+          </a:xfrm>
+          <a:prstGeom prst="roundRect">
+            <a:avLst/>
+          </a:prstGeom>
+          <a:solidFill>
+            <a:srgbClr val="FFFF00"/>
+          </a:solidFill>
+          <a:ln w="28575">
+            <a:solidFill>
+              <a:srgbClr val="FF0000"/>
+            </a:solidFill>
+          </a:ln>
+        </p:spPr>
+        <p:style>
+          <a:lnRef idx="2">
+            <a:schemeClr val="accent1">
+              <a:shade val="50000"/>
+            </a:schemeClr>
+          </a:lnRef>
+          <a:fillRef idx="1">
+            <a:schemeClr val="accent1"/>
+          </a:fillRef>
+          <a:effectRef idx="0">
+            <a:schemeClr val="accent1"/>
+          </a:effectRef>
+          <a:fontRef idx="minor">
+            <a:schemeClr val="lt1"/>
+          </a:fontRef>
+        </p:style>
+        <p:txBody>
+          <a:bodyPr rtlCol="0" anchor="ctr"/>
+          <a:lstStyle/>
+          <a:p>
+            <a:pPr algn="ctr"/>
+            <a:r>
+              <a:rPr lang="en-US" dirty="0">
+                <a:solidFill>
+                  <a:srgbClr val="FF0000"/>
+                </a:solidFill>
+              </a:rPr>
+              <a:t>3.14</a:t>
+            </a:r>
+            <a:endParaRPr lang="th-TH" dirty="0">
+              <a:solidFill>
+                <a:srgbClr val="FF0000"/>
+              </a:solidFill>
+            </a:endParaRPr>
+          </a:p>
+        </p:txBody>
+      </p:sp>
+    </p:spTree>
+    <p:extLst>
+      <p:ext uri="{BB962C8B-B14F-4D97-AF65-F5344CB8AC3E}">
+        <p14:creationId xmlns:p14="http://schemas.microsoft.com/office/powerpoint/2010/main" val="3860790711"/>
+      </p:ext>
+    </p:extLst>
+  </p:cSld>
+  <p:clrMapOvr>
+    <a:masterClrMapping/>
+  </p:clrMapOvr>
+</p:sld>
+</file>
+
+<file path=ppt/slides/slide17.xml><?xml version="1.0" encoding="utf-8"?>
+<p:sld xmlns:a="http://schemas.openxmlformats.org/drawingml/2006/main" xmlns:r="http://schemas.openxmlformats.org/officeDocument/2006/relationships" xmlns:p="http://schemas.openxmlformats.org/presentationml/2006/main">
+  <p:cSld>
+    <p:spTree>
+      <p:nvGrpSpPr>
+        <p:cNvPr id="1" name=""/>
+        <p:cNvGrpSpPr/>
+        <p:nvPr/>
+      </p:nvGrpSpPr>
+      <p:grpSpPr>
+        <a:xfrm>
+          <a:off x="0" y="0"/>
+          <a:ext cx="0" cy="0"/>
+          <a:chOff x="0" y="0"/>
+          <a:chExt cx="0" cy="0"/>
+        </a:xfrm>
+      </p:grpSpPr>
+      <p:pic>
+        <p:nvPicPr>
+          <p:cNvPr id="3" name="รูปภาพ 2" descr="รูปภาพประกอบด้วย ข้อความ&#10;&#10;คำอธิบายที่สร้างโดยอัตโนมัติ">
+            <a:extLst>
+              <a:ext uri="{FF2B5EF4-FFF2-40B4-BE49-F238E27FC236}">
+                <a16:creationId xmlns:a16="http://schemas.microsoft.com/office/drawing/2014/main" id="{2F2D4A32-EDD9-6990-20A2-15D878A5889A}"/>
+              </a:ext>
+            </a:extLst>
+          </p:cNvPr>
+          <p:cNvPicPr>
+            <a:picLocks noChangeAspect="1"/>
+          </p:cNvPicPr>
+          <p:nvPr/>
+        </p:nvPicPr>
+        <p:blipFill>
+          <a:blip r:embed="rId2">
+            <a:extLst>
+              <a:ext uri="{28A0092B-C50C-407E-A947-70E740481C1C}">
+                <a14:useLocalDpi xmlns:a14="http://schemas.microsoft.com/office/drawing/2010/main" val="0"/>
+              </a:ext>
+            </a:extLst>
+          </a:blip>
+          <a:stretch>
+            <a:fillRect/>
+          </a:stretch>
+        </p:blipFill>
+        <p:spPr>
+          <a:xfrm>
+            <a:off x="2475995" y="885470"/>
+            <a:ext cx="7240010" cy="5087060"/>
+          </a:xfrm>
+          <a:prstGeom prst="rect">
+            <a:avLst/>
+          </a:prstGeom>
+        </p:spPr>
+      </p:pic>
+      <p:sp>
+        <p:nvSpPr>
+          <p:cNvPr id="4" name="ลูกศร: ซ้าย 3">
+            <a:extLst>
+              <a:ext uri="{FF2B5EF4-FFF2-40B4-BE49-F238E27FC236}">
+                <a16:creationId xmlns:a16="http://schemas.microsoft.com/office/drawing/2014/main" id="{9802E327-2623-18FD-BAB7-287AB3D47FFF}"/>
+              </a:ext>
+            </a:extLst>
+          </p:cNvPr>
+          <p:cNvSpPr/>
+          <p:nvPr/>
+        </p:nvSpPr>
+        <p:spPr>
+          <a:xfrm>
+            <a:off x="3491608" y="3353274"/>
+            <a:ext cx="717326" cy="245721"/>
+          </a:xfrm>
+          <a:prstGeom prst="leftArrow">
+            <a:avLst/>
+          </a:prstGeom>
+          <a:solidFill>
+            <a:srgbClr val="FFFF00"/>
+          </a:solidFill>
+          <a:ln>
+            <a:solidFill>
+              <a:srgbClr val="FF0000"/>
+            </a:solidFill>
+          </a:ln>
+        </p:spPr>
+        <p:style>
+          <a:lnRef idx="2">
+            <a:schemeClr val="accent1">
+              <a:shade val="50000"/>
+            </a:schemeClr>
+          </a:lnRef>
+          <a:fillRef idx="1">
+            <a:schemeClr val="accent1"/>
+          </a:fillRef>
+          <a:effectRef idx="0">
+            <a:schemeClr val="accent1"/>
+          </a:effectRef>
+          <a:fontRef idx="minor">
+            <a:schemeClr val="lt1"/>
+          </a:fontRef>
+        </p:style>
+        <p:txBody>
+          <a:bodyPr rtlCol="0" anchor="ctr"/>
+          <a:lstStyle/>
+          <a:p>
+            <a:pPr algn="ctr"/>
+            <a:endParaRPr lang="th-TH"/>
+          </a:p>
+        </p:txBody>
+      </p:sp>
+      <p:sp>
+        <p:nvSpPr>
+          <p:cNvPr id="5" name="สี่เหลี่ยมผืนผ้า: มุมมน 4">
+            <a:extLst>
+              <a:ext uri="{FF2B5EF4-FFF2-40B4-BE49-F238E27FC236}">
+                <a16:creationId xmlns:a16="http://schemas.microsoft.com/office/drawing/2014/main" id="{258BF731-1612-2CF4-229E-2CE45D41750F}"/>
+              </a:ext>
+            </a:extLst>
+          </p:cNvPr>
+          <p:cNvSpPr/>
+          <p:nvPr/>
+        </p:nvSpPr>
+        <p:spPr>
+          <a:xfrm>
+            <a:off x="4282961" y="3130070"/>
+            <a:ext cx="941584" cy="440330"/>
+          </a:xfrm>
+          <a:prstGeom prst="roundRect">
+            <a:avLst/>
+          </a:prstGeom>
+          <a:solidFill>
+            <a:srgbClr val="FFFF00"/>
+          </a:solidFill>
+          <a:ln w="28575">
+            <a:solidFill>
+              <a:srgbClr val="FF0000"/>
+            </a:solidFill>
+          </a:ln>
+        </p:spPr>
+        <p:style>
+          <a:lnRef idx="2">
+            <a:schemeClr val="accent1">
+              <a:shade val="50000"/>
+            </a:schemeClr>
+          </a:lnRef>
+          <a:fillRef idx="1">
+            <a:schemeClr val="accent1"/>
+          </a:fillRef>
+          <a:effectRef idx="0">
+            <a:schemeClr val="accent1"/>
+          </a:effectRef>
+          <a:fontRef idx="minor">
+            <a:schemeClr val="lt1"/>
+          </a:fontRef>
+        </p:style>
+        <p:txBody>
+          <a:bodyPr rtlCol="0" anchor="ctr"/>
+          <a:lstStyle/>
+          <a:p>
+            <a:pPr algn="ctr"/>
+            <a:r>
+              <a:rPr lang="en-US" dirty="0">
+                <a:solidFill>
+                  <a:srgbClr val="FF0000"/>
+                </a:solidFill>
+              </a:rPr>
+              <a:t>3.15</a:t>
+            </a:r>
+            <a:endParaRPr lang="th-TH" dirty="0">
+              <a:solidFill>
+                <a:srgbClr val="FF0000"/>
+              </a:solidFill>
+            </a:endParaRPr>
+          </a:p>
+        </p:txBody>
+      </p:sp>
+      <p:sp>
+        <p:nvSpPr>
+          <p:cNvPr id="6" name="สี่เหลี่ยมผืนผ้า: มุมมน 5">
+            <a:extLst>
+              <a:ext uri="{FF2B5EF4-FFF2-40B4-BE49-F238E27FC236}">
+                <a16:creationId xmlns:a16="http://schemas.microsoft.com/office/drawing/2014/main" id="{4E094726-7B3C-4BAF-58F5-6C632895F677}"/>
+              </a:ext>
+            </a:extLst>
+          </p:cNvPr>
+          <p:cNvSpPr/>
+          <p:nvPr/>
+        </p:nvSpPr>
+        <p:spPr>
+          <a:xfrm>
+            <a:off x="2724347" y="4243420"/>
+            <a:ext cx="2656580" cy="242259"/>
+          </a:xfrm>
+          <a:prstGeom prst="roundRect">
+            <a:avLst/>
+          </a:prstGeom>
+          <a:noFill/>
+          <a:ln w="28575">
+            <a:solidFill>
+              <a:srgbClr val="FF0000"/>
+            </a:solidFill>
+          </a:ln>
+        </p:spPr>
+        <p:style>
+          <a:lnRef idx="2">
+            <a:schemeClr val="accent1">
+              <a:shade val="50000"/>
+            </a:schemeClr>
+          </a:lnRef>
+          <a:fillRef idx="1">
+            <a:schemeClr val="accent1"/>
+          </a:fillRef>
+          <a:effectRef idx="0">
+            <a:schemeClr val="accent1"/>
+          </a:effectRef>
+          <a:fontRef idx="minor">
+            <a:schemeClr val="lt1"/>
+          </a:fontRef>
+        </p:style>
+        <p:txBody>
+          <a:bodyPr rtlCol="0" anchor="ctr"/>
+          <a:lstStyle/>
+          <a:p>
+            <a:pPr algn="ctr"/>
+            <a:endParaRPr lang="th-TH"/>
+          </a:p>
+        </p:txBody>
+      </p:sp>
+      <p:sp>
+        <p:nvSpPr>
+          <p:cNvPr id="7" name="สี่เหลี่ยมผืนผ้า: มุมมน 6">
+            <a:extLst>
+              <a:ext uri="{FF2B5EF4-FFF2-40B4-BE49-F238E27FC236}">
+                <a16:creationId xmlns:a16="http://schemas.microsoft.com/office/drawing/2014/main" id="{2563AB7E-B8C9-A071-0876-91F11C1D3DCB}"/>
+              </a:ext>
+            </a:extLst>
+          </p:cNvPr>
+          <p:cNvSpPr/>
+          <p:nvPr/>
+        </p:nvSpPr>
+        <p:spPr>
+          <a:xfrm>
+            <a:off x="2724347" y="5270942"/>
+            <a:ext cx="2656580" cy="242259"/>
+          </a:xfrm>
+          <a:prstGeom prst="roundRect">
+            <a:avLst/>
+          </a:prstGeom>
+          <a:noFill/>
+          <a:ln w="28575">
+            <a:solidFill>
+              <a:srgbClr val="FF0000"/>
+            </a:solidFill>
+          </a:ln>
+        </p:spPr>
+        <p:style>
+          <a:lnRef idx="2">
+            <a:schemeClr val="accent1">
+              <a:shade val="50000"/>
+            </a:schemeClr>
+          </a:lnRef>
+          <a:fillRef idx="1">
+            <a:schemeClr val="accent1"/>
+          </a:fillRef>
+          <a:effectRef idx="0">
+            <a:schemeClr val="accent1"/>
+          </a:effectRef>
+          <a:fontRef idx="minor">
+            <a:schemeClr val="lt1"/>
+          </a:fontRef>
+        </p:style>
+        <p:txBody>
+          <a:bodyPr rtlCol="0" anchor="ctr"/>
+          <a:lstStyle/>
+          <a:p>
+            <a:pPr algn="ctr"/>
+            <a:endParaRPr lang="th-TH"/>
+          </a:p>
+        </p:txBody>
+      </p:sp>
     </p:spTree>
     <p:extLst>
       <p:ext uri="{BB962C8B-B14F-4D97-AF65-F5344CB8AC3E}">
@@ -3506,7 +6058,7 @@
 </p:sld>
 </file>
 
-<file path=ppt/slides/slide14.xml><?xml version="1.0" encoding="utf-8"?>
+<file path=ppt/slides/slide18.xml><?xml version="1.0" encoding="utf-8"?>
 <p:sld xmlns:a="http://schemas.openxmlformats.org/drawingml/2006/main" xmlns:r="http://schemas.openxmlformats.org/officeDocument/2006/relationships" xmlns:p="http://schemas.openxmlformats.org/presentationml/2006/main">
   <p:cSld>
     <p:spTree>
@@ -3536,7 +6088,7 @@
 </p:sld>
 </file>
 
-<file path=ppt/slides/slide15.xml><?xml version="1.0" encoding="utf-8"?>
+<file path=ppt/slides/slide19.xml><?xml version="1.0" encoding="utf-8"?>
 <p:sld xmlns:a="http://schemas.openxmlformats.org/drawingml/2006/main" xmlns:r="http://schemas.openxmlformats.org/officeDocument/2006/relationships" xmlns:p="http://schemas.openxmlformats.org/presentationml/2006/main">
   <p:cSld>
     <p:spTree>
@@ -3566,7 +6118,605 @@
 </p:sld>
 </file>
 
-<file path=ppt/slides/slide16.xml><?xml version="1.0" encoding="utf-8"?>
+<file path=ppt/slides/slide2.xml><?xml version="1.0" encoding="utf-8"?>
+<p:sld xmlns:a="http://schemas.openxmlformats.org/drawingml/2006/main" xmlns:r="http://schemas.openxmlformats.org/officeDocument/2006/relationships" xmlns:p="http://schemas.openxmlformats.org/presentationml/2006/main">
+  <p:cSld>
+    <p:spTree>
+      <p:nvGrpSpPr>
+        <p:cNvPr id="1" name=""/>
+        <p:cNvGrpSpPr/>
+        <p:nvPr/>
+      </p:nvGrpSpPr>
+      <p:grpSpPr>
+        <a:xfrm>
+          <a:off x="0" y="0"/>
+          <a:ext cx="0" cy="0"/>
+          <a:chOff x="0" y="0"/>
+          <a:chExt cx="0" cy="0"/>
+        </a:xfrm>
+      </p:grpSpPr>
+      <p:pic>
+        <p:nvPicPr>
+          <p:cNvPr id="9" name="รูปภาพ 8">
+            <a:extLst>
+              <a:ext uri="{FF2B5EF4-FFF2-40B4-BE49-F238E27FC236}">
+                <a16:creationId xmlns:a16="http://schemas.microsoft.com/office/drawing/2014/main" id="{68460B67-3224-3602-5D44-11043353102C}"/>
+              </a:ext>
+            </a:extLst>
+          </p:cNvPr>
+          <p:cNvPicPr>
+            <a:picLocks noChangeAspect="1"/>
+          </p:cNvPicPr>
+          <p:nvPr/>
+        </p:nvPicPr>
+        <p:blipFill>
+          <a:blip r:embed="rId2">
+            <a:extLst>
+              <a:ext uri="{28A0092B-C50C-407E-A947-70E740481C1C}">
+                <a14:useLocalDpi xmlns:a14="http://schemas.microsoft.com/office/drawing/2010/main" val="0"/>
+              </a:ext>
+            </a:extLst>
+          </a:blip>
+          <a:stretch>
+            <a:fillRect/>
+          </a:stretch>
+        </p:blipFill>
+        <p:spPr>
+          <a:xfrm>
+            <a:off x="2776074" y="304364"/>
+            <a:ext cx="6639852" cy="6249272"/>
+          </a:xfrm>
+          <a:prstGeom prst="rect">
+            <a:avLst/>
+          </a:prstGeom>
+        </p:spPr>
+      </p:pic>
+      <p:sp>
+        <p:nvSpPr>
+          <p:cNvPr id="11" name="สี่เหลี่ยมผืนผ้า: มุมมน 10">
+            <a:extLst>
+              <a:ext uri="{FF2B5EF4-FFF2-40B4-BE49-F238E27FC236}">
+                <a16:creationId xmlns:a16="http://schemas.microsoft.com/office/drawing/2014/main" id="{7C658900-0B67-6B9D-DFF3-3C450B74360A}"/>
+              </a:ext>
+            </a:extLst>
+          </p:cNvPr>
+          <p:cNvSpPr/>
+          <p:nvPr/>
+        </p:nvSpPr>
+        <p:spPr>
+          <a:xfrm>
+            <a:off x="6926788" y="708174"/>
+            <a:ext cx="508958" cy="474453"/>
+          </a:xfrm>
+          <a:prstGeom prst="roundRect">
+            <a:avLst/>
+          </a:prstGeom>
+          <a:solidFill>
+            <a:srgbClr val="FFFF00"/>
+          </a:solidFill>
+          <a:ln w="19050">
+            <a:solidFill>
+              <a:srgbClr val="FF0000"/>
+            </a:solidFill>
+          </a:ln>
+        </p:spPr>
+        <p:style>
+          <a:lnRef idx="2">
+            <a:schemeClr val="accent1">
+              <a:shade val="50000"/>
+            </a:schemeClr>
+          </a:lnRef>
+          <a:fillRef idx="1">
+            <a:schemeClr val="accent1"/>
+          </a:fillRef>
+          <a:effectRef idx="0">
+            <a:schemeClr val="accent1"/>
+          </a:effectRef>
+          <a:fontRef idx="minor">
+            <a:schemeClr val="lt1"/>
+          </a:fontRef>
+        </p:style>
+        <p:txBody>
+          <a:bodyPr rtlCol="0" anchor="ctr"/>
+          <a:lstStyle/>
+          <a:p>
+            <a:pPr algn="ctr"/>
+            <a:r>
+              <a:rPr lang="en-US" dirty="0">
+                <a:solidFill>
+                  <a:srgbClr val="FF0000"/>
+                </a:solidFill>
+              </a:rPr>
+              <a:t>1</a:t>
+            </a:r>
+            <a:endParaRPr lang="th-TH" dirty="0">
+              <a:solidFill>
+                <a:srgbClr val="FF0000"/>
+              </a:solidFill>
+            </a:endParaRPr>
+          </a:p>
+        </p:txBody>
+      </p:sp>
+      <p:sp>
+        <p:nvSpPr>
+          <p:cNvPr id="12" name="สี่เหลี่ยมผืนผ้า: มุมมน 11">
+            <a:extLst>
+              <a:ext uri="{FF2B5EF4-FFF2-40B4-BE49-F238E27FC236}">
+                <a16:creationId xmlns:a16="http://schemas.microsoft.com/office/drawing/2014/main" id="{1259FF63-0B1F-9197-5F41-41CC178BBC9A}"/>
+              </a:ext>
+            </a:extLst>
+          </p:cNvPr>
+          <p:cNvSpPr/>
+          <p:nvPr/>
+        </p:nvSpPr>
+        <p:spPr>
+          <a:xfrm>
+            <a:off x="8229601" y="5124090"/>
+            <a:ext cx="508958" cy="474453"/>
+          </a:xfrm>
+          <a:prstGeom prst="roundRect">
+            <a:avLst/>
+          </a:prstGeom>
+          <a:solidFill>
+            <a:srgbClr val="FFFF00"/>
+          </a:solidFill>
+          <a:ln w="28575">
+            <a:solidFill>
+              <a:srgbClr val="FF0000"/>
+            </a:solidFill>
+          </a:ln>
+        </p:spPr>
+        <p:style>
+          <a:lnRef idx="2">
+            <a:schemeClr val="accent1">
+              <a:shade val="50000"/>
+            </a:schemeClr>
+          </a:lnRef>
+          <a:fillRef idx="1">
+            <a:schemeClr val="accent1"/>
+          </a:fillRef>
+          <a:effectRef idx="0">
+            <a:schemeClr val="accent1"/>
+          </a:effectRef>
+          <a:fontRef idx="minor">
+            <a:schemeClr val="lt1"/>
+          </a:fontRef>
+        </p:style>
+        <p:txBody>
+          <a:bodyPr rtlCol="0" anchor="ctr"/>
+          <a:lstStyle/>
+          <a:p>
+            <a:pPr algn="ctr"/>
+            <a:r>
+              <a:rPr lang="en-US" dirty="0">
+                <a:solidFill>
+                  <a:srgbClr val="FF0000"/>
+                </a:solidFill>
+              </a:rPr>
+              <a:t>2</a:t>
+            </a:r>
+            <a:endParaRPr lang="th-TH" dirty="0">
+              <a:solidFill>
+                <a:srgbClr val="FF0000"/>
+              </a:solidFill>
+            </a:endParaRPr>
+          </a:p>
+        </p:txBody>
+      </p:sp>
+      <p:sp>
+        <p:nvSpPr>
+          <p:cNvPr id="13" name="สี่เหลี่ยมผืนผ้า: มุมมน 12">
+            <a:extLst>
+              <a:ext uri="{FF2B5EF4-FFF2-40B4-BE49-F238E27FC236}">
+                <a16:creationId xmlns:a16="http://schemas.microsoft.com/office/drawing/2014/main" id="{2356E114-7325-681A-F5A0-FF79351BE30B}"/>
+              </a:ext>
+            </a:extLst>
+          </p:cNvPr>
+          <p:cNvSpPr/>
+          <p:nvPr/>
+        </p:nvSpPr>
+        <p:spPr>
+          <a:xfrm>
+            <a:off x="6886755" y="4099567"/>
+            <a:ext cx="508958" cy="474453"/>
+          </a:xfrm>
+          <a:prstGeom prst="roundRect">
+            <a:avLst/>
+          </a:prstGeom>
+          <a:solidFill>
+            <a:srgbClr val="FFFF00"/>
+          </a:solidFill>
+          <a:ln w="28575">
+            <a:solidFill>
+              <a:srgbClr val="FF0000"/>
+            </a:solidFill>
+          </a:ln>
+        </p:spPr>
+        <p:style>
+          <a:lnRef idx="2">
+            <a:schemeClr val="accent1">
+              <a:shade val="50000"/>
+            </a:schemeClr>
+          </a:lnRef>
+          <a:fillRef idx="1">
+            <a:schemeClr val="accent1"/>
+          </a:fillRef>
+          <a:effectRef idx="0">
+            <a:schemeClr val="accent1"/>
+          </a:effectRef>
+          <a:fontRef idx="minor">
+            <a:schemeClr val="lt1"/>
+          </a:fontRef>
+        </p:style>
+        <p:txBody>
+          <a:bodyPr rtlCol="0" anchor="ctr"/>
+          <a:lstStyle/>
+          <a:p>
+            <a:pPr algn="ctr"/>
+            <a:r>
+              <a:rPr lang="en-US" dirty="0">
+                <a:solidFill>
+                  <a:srgbClr val="FF0000"/>
+                </a:solidFill>
+              </a:rPr>
+              <a:t>3</a:t>
+            </a:r>
+            <a:endParaRPr lang="th-TH" dirty="0">
+              <a:solidFill>
+                <a:srgbClr val="FF0000"/>
+              </a:solidFill>
+            </a:endParaRPr>
+          </a:p>
+        </p:txBody>
+      </p:sp>
+      <p:cxnSp>
+        <p:nvCxnSpPr>
+          <p:cNvPr id="15" name="ลูกศรเชื่อมต่อแบบตรง 14">
+            <a:extLst>
+              <a:ext uri="{FF2B5EF4-FFF2-40B4-BE49-F238E27FC236}">
+                <a16:creationId xmlns:a16="http://schemas.microsoft.com/office/drawing/2014/main" id="{17680C2B-D729-4879-6BBE-B27FFCAB2F0E}"/>
+              </a:ext>
+            </a:extLst>
+          </p:cNvPr>
+          <p:cNvCxnSpPr>
+            <a:cxnSpLocks/>
+            <a:stCxn id="11" idx="1"/>
+            <a:endCxn id="28" idx="3"/>
+          </p:cNvCxnSpPr>
+          <p:nvPr/>
+        </p:nvCxnSpPr>
+        <p:spPr>
+          <a:xfrm flipH="1">
+            <a:off x="6398740" y="945401"/>
+            <a:ext cx="528048" cy="128587"/>
+          </a:xfrm>
+          <a:prstGeom prst="straightConnector1">
+            <a:avLst/>
+          </a:prstGeom>
+          <a:ln w="19050">
+            <a:solidFill>
+              <a:srgbClr val="FF0000"/>
+            </a:solidFill>
+            <a:tailEnd type="triangle"/>
+          </a:ln>
+        </p:spPr>
+        <p:style>
+          <a:lnRef idx="1">
+            <a:schemeClr val="accent1"/>
+          </a:lnRef>
+          <a:fillRef idx="0">
+            <a:schemeClr val="accent1"/>
+          </a:fillRef>
+          <a:effectRef idx="0">
+            <a:schemeClr val="accent1"/>
+          </a:effectRef>
+          <a:fontRef idx="minor">
+            <a:schemeClr val="tx1"/>
+          </a:fontRef>
+        </p:style>
+      </p:cxnSp>
+      <p:cxnSp>
+        <p:nvCxnSpPr>
+          <p:cNvPr id="17" name="ลูกศรเชื่อมต่อแบบตรง 16">
+            <a:extLst>
+              <a:ext uri="{FF2B5EF4-FFF2-40B4-BE49-F238E27FC236}">
+                <a16:creationId xmlns:a16="http://schemas.microsoft.com/office/drawing/2014/main" id="{288D5D42-4A17-6233-053A-1E68C3F8E3EC}"/>
+              </a:ext>
+            </a:extLst>
+          </p:cNvPr>
+          <p:cNvCxnSpPr>
+            <a:cxnSpLocks/>
+            <a:stCxn id="12" idx="1"/>
+            <a:endCxn id="24" idx="3"/>
+          </p:cNvCxnSpPr>
+          <p:nvPr/>
+        </p:nvCxnSpPr>
+        <p:spPr>
+          <a:xfrm flipH="1" flipV="1">
+            <a:off x="7727427" y="5255963"/>
+            <a:ext cx="502174" cy="105354"/>
+          </a:xfrm>
+          <a:prstGeom prst="straightConnector1">
+            <a:avLst/>
+          </a:prstGeom>
+          <a:ln w="28575">
+            <a:solidFill>
+              <a:srgbClr val="FF0000"/>
+            </a:solidFill>
+            <a:tailEnd type="triangle"/>
+          </a:ln>
+        </p:spPr>
+        <p:style>
+          <a:lnRef idx="1">
+            <a:schemeClr val="accent1"/>
+          </a:lnRef>
+          <a:fillRef idx="0">
+            <a:schemeClr val="accent1"/>
+          </a:fillRef>
+          <a:effectRef idx="0">
+            <a:schemeClr val="accent1"/>
+          </a:effectRef>
+          <a:fontRef idx="minor">
+            <a:schemeClr val="tx1"/>
+          </a:fontRef>
+        </p:style>
+      </p:cxnSp>
+      <p:sp>
+        <p:nvSpPr>
+          <p:cNvPr id="20" name="สี่เหลี่ยมผืนผ้า: มุมมน 19">
+            <a:extLst>
+              <a:ext uri="{FF2B5EF4-FFF2-40B4-BE49-F238E27FC236}">
+                <a16:creationId xmlns:a16="http://schemas.microsoft.com/office/drawing/2014/main" id="{5610ACAC-C123-AD3D-EE1B-2C6576972043}"/>
+              </a:ext>
+            </a:extLst>
+          </p:cNvPr>
+          <p:cNvSpPr/>
+          <p:nvPr/>
+        </p:nvSpPr>
+        <p:spPr>
+          <a:xfrm>
+            <a:off x="4123426" y="4231256"/>
+            <a:ext cx="2359132" cy="306236"/>
+          </a:xfrm>
+          <a:prstGeom prst="roundRect">
+            <a:avLst/>
+          </a:prstGeom>
+          <a:noFill/>
+          <a:ln w="28575">
+            <a:solidFill>
+              <a:srgbClr val="FF0000"/>
+            </a:solidFill>
+          </a:ln>
+        </p:spPr>
+        <p:style>
+          <a:lnRef idx="2">
+            <a:schemeClr val="accent1">
+              <a:shade val="50000"/>
+            </a:schemeClr>
+          </a:lnRef>
+          <a:fillRef idx="1">
+            <a:schemeClr val="accent1"/>
+          </a:fillRef>
+          <a:effectRef idx="0">
+            <a:schemeClr val="accent1"/>
+          </a:effectRef>
+          <a:fontRef idx="minor">
+            <a:schemeClr val="lt1"/>
+          </a:fontRef>
+        </p:style>
+        <p:txBody>
+          <a:bodyPr rtlCol="0" anchor="ctr"/>
+          <a:lstStyle/>
+          <a:p>
+            <a:pPr algn="ctr"/>
+            <a:endParaRPr lang="th-TH"/>
+          </a:p>
+        </p:txBody>
+      </p:sp>
+      <p:pic>
+        <p:nvPicPr>
+          <p:cNvPr id="22" name="กราฟิก 21" descr="หนู เส้นกรอบ">
+            <a:extLst>
+              <a:ext uri="{FF2B5EF4-FFF2-40B4-BE49-F238E27FC236}">
+                <a16:creationId xmlns:a16="http://schemas.microsoft.com/office/drawing/2014/main" id="{FAE2A4CB-AB69-5C06-04C8-BF9066E468DB}"/>
+              </a:ext>
+            </a:extLst>
+          </p:cNvPr>
+          <p:cNvPicPr>
+            <a:picLocks noChangeAspect="1"/>
+          </p:cNvPicPr>
+          <p:nvPr/>
+        </p:nvPicPr>
+        <p:blipFill>
+          <a:blip r:embed="rId3">
+            <a:extLst>
+              <a:ext uri="{28A0092B-C50C-407E-A947-70E740481C1C}">
+                <a14:useLocalDpi xmlns:a14="http://schemas.microsoft.com/office/drawing/2010/main" val="0"/>
+              </a:ext>
+              <a:ext uri="{96DAC541-7B7A-43D3-8B79-37D633B846F1}">
+                <asvg:svgBlip xmlns:asvg="http://schemas.microsoft.com/office/drawing/2016/SVG/main" r:embed="rId4"/>
+              </a:ext>
+            </a:extLst>
+          </a:blip>
+          <a:stretch>
+            <a:fillRect/>
+          </a:stretch>
+        </p:blipFill>
+        <p:spPr>
+          <a:xfrm>
+            <a:off x="7004650" y="4973128"/>
+            <a:ext cx="979098" cy="979098"/>
+          </a:xfrm>
+          <a:prstGeom prst="rect">
+            <a:avLst/>
+          </a:prstGeom>
+        </p:spPr>
+      </p:pic>
+      <p:sp>
+        <p:nvSpPr>
+          <p:cNvPr id="24" name="การกระจาย: 8 จุด 23">
+            <a:extLst>
+              <a:ext uri="{FF2B5EF4-FFF2-40B4-BE49-F238E27FC236}">
+                <a16:creationId xmlns:a16="http://schemas.microsoft.com/office/drawing/2014/main" id="{AB80AE51-69EF-A30D-F2E0-2104D2023E6F}"/>
+              </a:ext>
+            </a:extLst>
+          </p:cNvPr>
+          <p:cNvSpPr/>
+          <p:nvPr/>
+        </p:nvSpPr>
+        <p:spPr>
+          <a:xfrm>
+            <a:off x="7546452" y="5087473"/>
+            <a:ext cx="180975" cy="273843"/>
+          </a:xfrm>
+          <a:prstGeom prst="irregularSeal1">
+            <a:avLst/>
+          </a:prstGeom>
+          <a:solidFill>
+            <a:srgbClr val="FFC000"/>
+          </a:solidFill>
+          <a:ln>
+            <a:solidFill>
+              <a:srgbClr val="FF0000"/>
+            </a:solidFill>
+          </a:ln>
+        </p:spPr>
+        <p:style>
+          <a:lnRef idx="2">
+            <a:schemeClr val="accent1">
+              <a:shade val="50000"/>
+            </a:schemeClr>
+          </a:lnRef>
+          <a:fillRef idx="1">
+            <a:schemeClr val="accent1"/>
+          </a:fillRef>
+          <a:effectRef idx="0">
+            <a:schemeClr val="accent1"/>
+          </a:effectRef>
+          <a:fontRef idx="minor">
+            <a:schemeClr val="lt1"/>
+          </a:fontRef>
+        </p:style>
+        <p:txBody>
+          <a:bodyPr rtlCol="0" anchor="ctr"/>
+          <a:lstStyle/>
+          <a:p>
+            <a:pPr algn="ctr"/>
+            <a:endParaRPr lang="th-TH"/>
+          </a:p>
+        </p:txBody>
+      </p:sp>
+      <p:cxnSp>
+        <p:nvCxnSpPr>
+          <p:cNvPr id="26" name="ลูกศรเชื่อมต่อแบบตรง 25">
+            <a:extLst>
+              <a:ext uri="{FF2B5EF4-FFF2-40B4-BE49-F238E27FC236}">
+                <a16:creationId xmlns:a16="http://schemas.microsoft.com/office/drawing/2014/main" id="{52463390-5DEB-7588-39F4-098C64E6E551}"/>
+              </a:ext>
+            </a:extLst>
+          </p:cNvPr>
+          <p:cNvCxnSpPr>
+            <a:stCxn id="13" idx="1"/>
+            <a:endCxn id="20" idx="3"/>
+          </p:cNvCxnSpPr>
+          <p:nvPr/>
+        </p:nvCxnSpPr>
+        <p:spPr>
+          <a:xfrm flipH="1">
+            <a:off x="6482558" y="4336794"/>
+            <a:ext cx="404197" cy="47580"/>
+          </a:xfrm>
+          <a:prstGeom prst="straightConnector1">
+            <a:avLst/>
+          </a:prstGeom>
+          <a:ln w="19050">
+            <a:solidFill>
+              <a:srgbClr val="FF0000"/>
+            </a:solidFill>
+            <a:tailEnd type="triangle"/>
+          </a:ln>
+        </p:spPr>
+        <p:style>
+          <a:lnRef idx="1">
+            <a:schemeClr val="accent1"/>
+          </a:lnRef>
+          <a:fillRef idx="0">
+            <a:schemeClr val="accent1"/>
+          </a:fillRef>
+          <a:effectRef idx="0">
+            <a:schemeClr val="accent1"/>
+          </a:effectRef>
+          <a:fontRef idx="minor">
+            <a:schemeClr val="tx1"/>
+          </a:fontRef>
+        </p:style>
+      </p:cxnSp>
+      <p:sp>
+        <p:nvSpPr>
+          <p:cNvPr id="28" name="สี่เหลี่ยมผืนผ้า: มุมมน 27">
+            <a:extLst>
+              <a:ext uri="{FF2B5EF4-FFF2-40B4-BE49-F238E27FC236}">
+                <a16:creationId xmlns:a16="http://schemas.microsoft.com/office/drawing/2014/main" id="{471D4DF1-7220-F297-C54B-8A7844A90240}"/>
+              </a:ext>
+            </a:extLst>
+          </p:cNvPr>
+          <p:cNvSpPr/>
+          <p:nvPr/>
+        </p:nvSpPr>
+        <p:spPr>
+          <a:xfrm>
+            <a:off x="4039608" y="920870"/>
+            <a:ext cx="2359132" cy="306236"/>
+          </a:xfrm>
+          <a:prstGeom prst="roundRect">
+            <a:avLst/>
+          </a:prstGeom>
+          <a:noFill/>
+          <a:ln w="28575">
+            <a:solidFill>
+              <a:srgbClr val="FF0000"/>
+            </a:solidFill>
+          </a:ln>
+        </p:spPr>
+        <p:style>
+          <a:lnRef idx="2">
+            <a:schemeClr val="accent1">
+              <a:shade val="50000"/>
+            </a:schemeClr>
+          </a:lnRef>
+          <a:fillRef idx="1">
+            <a:schemeClr val="accent1"/>
+          </a:fillRef>
+          <a:effectRef idx="0">
+            <a:schemeClr val="accent1"/>
+          </a:effectRef>
+          <a:fontRef idx="minor">
+            <a:schemeClr val="lt1"/>
+          </a:fontRef>
+        </p:style>
+        <p:txBody>
+          <a:bodyPr rtlCol="0" anchor="ctr"/>
+          <a:lstStyle/>
+          <a:p>
+            <a:pPr algn="ctr"/>
+            <a:endParaRPr lang="th-TH"/>
+          </a:p>
+        </p:txBody>
+      </p:sp>
+    </p:spTree>
+    <p:extLst>
+      <p:ext uri="{BB962C8B-B14F-4D97-AF65-F5344CB8AC3E}">
+        <p14:creationId xmlns:p14="http://schemas.microsoft.com/office/powerpoint/2010/main" val="2670818846"/>
+      </p:ext>
+    </p:extLst>
+  </p:cSld>
+  <p:clrMapOvr>
+    <a:masterClrMapping/>
+  </p:clrMapOvr>
+</p:sld>
+</file>
+
+<file path=ppt/slides/slide20.xml><?xml version="1.0" encoding="utf-8"?>
 <p:sld xmlns:a="http://schemas.openxmlformats.org/drawingml/2006/main" xmlns:r="http://schemas.openxmlformats.org/officeDocument/2006/relationships" xmlns:p="http://schemas.openxmlformats.org/presentationml/2006/main">
   <p:cSld>
     <p:spTree>
@@ -3596,7 +6746,7 @@
 </p:sld>
 </file>
 
-<file path=ppt/slides/slide17.xml><?xml version="1.0" encoding="utf-8"?>
+<file path=ppt/slides/slide21.xml><?xml version="1.0" encoding="utf-8"?>
 <p:sld xmlns:a="http://schemas.openxmlformats.org/drawingml/2006/main" xmlns:r="http://schemas.openxmlformats.org/officeDocument/2006/relationships" xmlns:p="http://schemas.openxmlformats.org/presentationml/2006/main">
   <p:cSld>
     <p:spTree>
@@ -3617,604 +6767,6 @@
     <p:extLst>
       <p:ext uri="{BB962C8B-B14F-4D97-AF65-F5344CB8AC3E}">
         <p14:creationId xmlns:p14="http://schemas.microsoft.com/office/powerpoint/2010/main" val="1411754710"/>
-      </p:ext>
-    </p:extLst>
-  </p:cSld>
-  <p:clrMapOvr>
-    <a:masterClrMapping/>
-  </p:clrMapOvr>
-</p:sld>
-</file>
-
-<file path=ppt/slides/slide2.xml><?xml version="1.0" encoding="utf-8"?>
-<p:sld xmlns:a="http://schemas.openxmlformats.org/drawingml/2006/main" xmlns:r="http://schemas.openxmlformats.org/officeDocument/2006/relationships" xmlns:p="http://schemas.openxmlformats.org/presentationml/2006/main">
-  <p:cSld>
-    <p:spTree>
-      <p:nvGrpSpPr>
-        <p:cNvPr id="1" name=""/>
-        <p:cNvGrpSpPr/>
-        <p:nvPr/>
-      </p:nvGrpSpPr>
-      <p:grpSpPr>
-        <a:xfrm>
-          <a:off x="0" y="0"/>
-          <a:ext cx="0" cy="0"/>
-          <a:chOff x="0" y="0"/>
-          <a:chExt cx="0" cy="0"/>
-        </a:xfrm>
-      </p:grpSpPr>
-      <p:pic>
-        <p:nvPicPr>
-          <p:cNvPr id="9" name="รูปภาพ 8">
-            <a:extLst>
-              <a:ext uri="{FF2B5EF4-FFF2-40B4-BE49-F238E27FC236}">
-                <a16:creationId xmlns:a16="http://schemas.microsoft.com/office/drawing/2014/main" id="{68460B67-3224-3602-5D44-11043353102C}"/>
-              </a:ext>
-            </a:extLst>
-          </p:cNvPr>
-          <p:cNvPicPr>
-            <a:picLocks noChangeAspect="1"/>
-          </p:cNvPicPr>
-          <p:nvPr/>
-        </p:nvPicPr>
-        <p:blipFill>
-          <a:blip r:embed="rId2">
-            <a:extLst>
-              <a:ext uri="{28A0092B-C50C-407E-A947-70E740481C1C}">
-                <a14:useLocalDpi xmlns:a14="http://schemas.microsoft.com/office/drawing/2010/main" val="0"/>
-              </a:ext>
-            </a:extLst>
-          </a:blip>
-          <a:stretch>
-            <a:fillRect/>
-          </a:stretch>
-        </p:blipFill>
-        <p:spPr>
-          <a:xfrm>
-            <a:off x="2776074" y="304364"/>
-            <a:ext cx="6639852" cy="6249272"/>
-          </a:xfrm>
-          <a:prstGeom prst="rect">
-            <a:avLst/>
-          </a:prstGeom>
-        </p:spPr>
-      </p:pic>
-      <p:sp>
-        <p:nvSpPr>
-          <p:cNvPr id="11" name="สี่เหลี่ยมผืนผ้า: มุมมน 10">
-            <a:extLst>
-              <a:ext uri="{FF2B5EF4-FFF2-40B4-BE49-F238E27FC236}">
-                <a16:creationId xmlns:a16="http://schemas.microsoft.com/office/drawing/2014/main" id="{7C658900-0B67-6B9D-DFF3-3C450B74360A}"/>
-              </a:ext>
-            </a:extLst>
-          </p:cNvPr>
-          <p:cNvSpPr/>
-          <p:nvPr/>
-        </p:nvSpPr>
-        <p:spPr>
-          <a:xfrm>
-            <a:off x="6926788" y="708174"/>
-            <a:ext cx="508958" cy="474453"/>
-          </a:xfrm>
-          <a:prstGeom prst="roundRect">
-            <a:avLst/>
-          </a:prstGeom>
-          <a:solidFill>
-            <a:srgbClr val="FFFF00"/>
-          </a:solidFill>
-          <a:ln w="19050">
-            <a:solidFill>
-              <a:srgbClr val="FF0000"/>
-            </a:solidFill>
-          </a:ln>
-        </p:spPr>
-        <p:style>
-          <a:lnRef idx="2">
-            <a:schemeClr val="accent1">
-              <a:shade val="50000"/>
-            </a:schemeClr>
-          </a:lnRef>
-          <a:fillRef idx="1">
-            <a:schemeClr val="accent1"/>
-          </a:fillRef>
-          <a:effectRef idx="0">
-            <a:schemeClr val="accent1"/>
-          </a:effectRef>
-          <a:fontRef idx="minor">
-            <a:schemeClr val="lt1"/>
-          </a:fontRef>
-        </p:style>
-        <p:txBody>
-          <a:bodyPr rtlCol="0" anchor="ctr"/>
-          <a:lstStyle/>
-          <a:p>
-            <a:pPr algn="ctr"/>
-            <a:r>
-              <a:rPr lang="en-US" dirty="0">
-                <a:solidFill>
-                  <a:srgbClr val="FF0000"/>
-                </a:solidFill>
-              </a:rPr>
-              <a:t>1</a:t>
-            </a:r>
-            <a:endParaRPr lang="th-TH" dirty="0">
-              <a:solidFill>
-                <a:srgbClr val="FF0000"/>
-              </a:solidFill>
-            </a:endParaRPr>
-          </a:p>
-        </p:txBody>
-      </p:sp>
-      <p:sp>
-        <p:nvSpPr>
-          <p:cNvPr id="12" name="สี่เหลี่ยมผืนผ้า: มุมมน 11">
-            <a:extLst>
-              <a:ext uri="{FF2B5EF4-FFF2-40B4-BE49-F238E27FC236}">
-                <a16:creationId xmlns:a16="http://schemas.microsoft.com/office/drawing/2014/main" id="{1259FF63-0B1F-9197-5F41-41CC178BBC9A}"/>
-              </a:ext>
-            </a:extLst>
-          </p:cNvPr>
-          <p:cNvSpPr/>
-          <p:nvPr/>
-        </p:nvSpPr>
-        <p:spPr>
-          <a:xfrm>
-            <a:off x="8229601" y="5124090"/>
-            <a:ext cx="508958" cy="474453"/>
-          </a:xfrm>
-          <a:prstGeom prst="roundRect">
-            <a:avLst/>
-          </a:prstGeom>
-          <a:solidFill>
-            <a:srgbClr val="FFFF00"/>
-          </a:solidFill>
-          <a:ln w="28575">
-            <a:solidFill>
-              <a:srgbClr val="FF0000"/>
-            </a:solidFill>
-          </a:ln>
-        </p:spPr>
-        <p:style>
-          <a:lnRef idx="2">
-            <a:schemeClr val="accent1">
-              <a:shade val="50000"/>
-            </a:schemeClr>
-          </a:lnRef>
-          <a:fillRef idx="1">
-            <a:schemeClr val="accent1"/>
-          </a:fillRef>
-          <a:effectRef idx="0">
-            <a:schemeClr val="accent1"/>
-          </a:effectRef>
-          <a:fontRef idx="minor">
-            <a:schemeClr val="lt1"/>
-          </a:fontRef>
-        </p:style>
-        <p:txBody>
-          <a:bodyPr rtlCol="0" anchor="ctr"/>
-          <a:lstStyle/>
-          <a:p>
-            <a:pPr algn="ctr"/>
-            <a:r>
-              <a:rPr lang="en-US" dirty="0">
-                <a:solidFill>
-                  <a:srgbClr val="FF0000"/>
-                </a:solidFill>
-              </a:rPr>
-              <a:t>2</a:t>
-            </a:r>
-            <a:endParaRPr lang="th-TH" dirty="0">
-              <a:solidFill>
-                <a:srgbClr val="FF0000"/>
-              </a:solidFill>
-            </a:endParaRPr>
-          </a:p>
-        </p:txBody>
-      </p:sp>
-      <p:sp>
-        <p:nvSpPr>
-          <p:cNvPr id="13" name="สี่เหลี่ยมผืนผ้า: มุมมน 12">
-            <a:extLst>
-              <a:ext uri="{FF2B5EF4-FFF2-40B4-BE49-F238E27FC236}">
-                <a16:creationId xmlns:a16="http://schemas.microsoft.com/office/drawing/2014/main" id="{2356E114-7325-681A-F5A0-FF79351BE30B}"/>
-              </a:ext>
-            </a:extLst>
-          </p:cNvPr>
-          <p:cNvSpPr/>
-          <p:nvPr/>
-        </p:nvSpPr>
-        <p:spPr>
-          <a:xfrm>
-            <a:off x="6886755" y="4099567"/>
-            <a:ext cx="508958" cy="474453"/>
-          </a:xfrm>
-          <a:prstGeom prst="roundRect">
-            <a:avLst/>
-          </a:prstGeom>
-          <a:solidFill>
-            <a:srgbClr val="FFFF00"/>
-          </a:solidFill>
-          <a:ln w="28575">
-            <a:solidFill>
-              <a:srgbClr val="FF0000"/>
-            </a:solidFill>
-          </a:ln>
-        </p:spPr>
-        <p:style>
-          <a:lnRef idx="2">
-            <a:schemeClr val="accent1">
-              <a:shade val="50000"/>
-            </a:schemeClr>
-          </a:lnRef>
-          <a:fillRef idx="1">
-            <a:schemeClr val="accent1"/>
-          </a:fillRef>
-          <a:effectRef idx="0">
-            <a:schemeClr val="accent1"/>
-          </a:effectRef>
-          <a:fontRef idx="minor">
-            <a:schemeClr val="lt1"/>
-          </a:fontRef>
-        </p:style>
-        <p:txBody>
-          <a:bodyPr rtlCol="0" anchor="ctr"/>
-          <a:lstStyle/>
-          <a:p>
-            <a:pPr algn="ctr"/>
-            <a:r>
-              <a:rPr lang="en-US" dirty="0">
-                <a:solidFill>
-                  <a:srgbClr val="FF0000"/>
-                </a:solidFill>
-              </a:rPr>
-              <a:t>3</a:t>
-            </a:r>
-            <a:endParaRPr lang="th-TH" dirty="0">
-              <a:solidFill>
-                <a:srgbClr val="FF0000"/>
-              </a:solidFill>
-            </a:endParaRPr>
-          </a:p>
-        </p:txBody>
-      </p:sp>
-      <p:cxnSp>
-        <p:nvCxnSpPr>
-          <p:cNvPr id="15" name="ลูกศรเชื่อมต่อแบบตรง 14">
-            <a:extLst>
-              <a:ext uri="{FF2B5EF4-FFF2-40B4-BE49-F238E27FC236}">
-                <a16:creationId xmlns:a16="http://schemas.microsoft.com/office/drawing/2014/main" id="{17680C2B-D729-4879-6BBE-B27FFCAB2F0E}"/>
-              </a:ext>
-            </a:extLst>
-          </p:cNvPr>
-          <p:cNvCxnSpPr>
-            <a:cxnSpLocks/>
-            <a:stCxn id="11" idx="1"/>
-            <a:endCxn id="28" idx="3"/>
-          </p:cNvCxnSpPr>
-          <p:nvPr/>
-        </p:nvCxnSpPr>
-        <p:spPr>
-          <a:xfrm flipH="1">
-            <a:off x="6398740" y="945401"/>
-            <a:ext cx="528048" cy="128587"/>
-          </a:xfrm>
-          <a:prstGeom prst="straightConnector1">
-            <a:avLst/>
-          </a:prstGeom>
-          <a:ln w="19050">
-            <a:solidFill>
-              <a:srgbClr val="FF0000"/>
-            </a:solidFill>
-            <a:tailEnd type="triangle"/>
-          </a:ln>
-        </p:spPr>
-        <p:style>
-          <a:lnRef idx="1">
-            <a:schemeClr val="accent1"/>
-          </a:lnRef>
-          <a:fillRef idx="0">
-            <a:schemeClr val="accent1"/>
-          </a:fillRef>
-          <a:effectRef idx="0">
-            <a:schemeClr val="accent1"/>
-          </a:effectRef>
-          <a:fontRef idx="minor">
-            <a:schemeClr val="tx1"/>
-          </a:fontRef>
-        </p:style>
-      </p:cxnSp>
-      <p:cxnSp>
-        <p:nvCxnSpPr>
-          <p:cNvPr id="17" name="ลูกศรเชื่อมต่อแบบตรง 16">
-            <a:extLst>
-              <a:ext uri="{FF2B5EF4-FFF2-40B4-BE49-F238E27FC236}">
-                <a16:creationId xmlns:a16="http://schemas.microsoft.com/office/drawing/2014/main" id="{288D5D42-4A17-6233-053A-1E68C3F8E3EC}"/>
-              </a:ext>
-            </a:extLst>
-          </p:cNvPr>
-          <p:cNvCxnSpPr>
-            <a:cxnSpLocks/>
-            <a:stCxn id="12" idx="1"/>
-            <a:endCxn id="24" idx="3"/>
-          </p:cNvCxnSpPr>
-          <p:nvPr/>
-        </p:nvCxnSpPr>
-        <p:spPr>
-          <a:xfrm flipH="1" flipV="1">
-            <a:off x="7727427" y="5255963"/>
-            <a:ext cx="502174" cy="105354"/>
-          </a:xfrm>
-          <a:prstGeom prst="straightConnector1">
-            <a:avLst/>
-          </a:prstGeom>
-          <a:ln w="28575">
-            <a:solidFill>
-              <a:srgbClr val="FF0000"/>
-            </a:solidFill>
-            <a:tailEnd type="triangle"/>
-          </a:ln>
-        </p:spPr>
-        <p:style>
-          <a:lnRef idx="1">
-            <a:schemeClr val="accent1"/>
-          </a:lnRef>
-          <a:fillRef idx="0">
-            <a:schemeClr val="accent1"/>
-          </a:fillRef>
-          <a:effectRef idx="0">
-            <a:schemeClr val="accent1"/>
-          </a:effectRef>
-          <a:fontRef idx="minor">
-            <a:schemeClr val="tx1"/>
-          </a:fontRef>
-        </p:style>
-      </p:cxnSp>
-      <p:sp>
-        <p:nvSpPr>
-          <p:cNvPr id="20" name="สี่เหลี่ยมผืนผ้า: มุมมน 19">
-            <a:extLst>
-              <a:ext uri="{FF2B5EF4-FFF2-40B4-BE49-F238E27FC236}">
-                <a16:creationId xmlns:a16="http://schemas.microsoft.com/office/drawing/2014/main" id="{5610ACAC-C123-AD3D-EE1B-2C6576972043}"/>
-              </a:ext>
-            </a:extLst>
-          </p:cNvPr>
-          <p:cNvSpPr/>
-          <p:nvPr/>
-        </p:nvSpPr>
-        <p:spPr>
-          <a:xfrm>
-            <a:off x="4123426" y="4231256"/>
-            <a:ext cx="2359132" cy="306236"/>
-          </a:xfrm>
-          <a:prstGeom prst="roundRect">
-            <a:avLst/>
-          </a:prstGeom>
-          <a:noFill/>
-          <a:ln w="28575">
-            <a:solidFill>
-              <a:srgbClr val="FF0000"/>
-            </a:solidFill>
-          </a:ln>
-        </p:spPr>
-        <p:style>
-          <a:lnRef idx="2">
-            <a:schemeClr val="accent1">
-              <a:shade val="50000"/>
-            </a:schemeClr>
-          </a:lnRef>
-          <a:fillRef idx="1">
-            <a:schemeClr val="accent1"/>
-          </a:fillRef>
-          <a:effectRef idx="0">
-            <a:schemeClr val="accent1"/>
-          </a:effectRef>
-          <a:fontRef idx="minor">
-            <a:schemeClr val="lt1"/>
-          </a:fontRef>
-        </p:style>
-        <p:txBody>
-          <a:bodyPr rtlCol="0" anchor="ctr"/>
-          <a:lstStyle/>
-          <a:p>
-            <a:pPr algn="ctr"/>
-            <a:endParaRPr lang="th-TH"/>
-          </a:p>
-        </p:txBody>
-      </p:sp>
-      <p:pic>
-        <p:nvPicPr>
-          <p:cNvPr id="22" name="กราฟิก 21" descr="หนู เส้นกรอบ">
-            <a:extLst>
-              <a:ext uri="{FF2B5EF4-FFF2-40B4-BE49-F238E27FC236}">
-                <a16:creationId xmlns:a16="http://schemas.microsoft.com/office/drawing/2014/main" id="{FAE2A4CB-AB69-5C06-04C8-BF9066E468DB}"/>
-              </a:ext>
-            </a:extLst>
-          </p:cNvPr>
-          <p:cNvPicPr>
-            <a:picLocks noChangeAspect="1"/>
-          </p:cNvPicPr>
-          <p:nvPr/>
-        </p:nvPicPr>
-        <p:blipFill>
-          <a:blip r:embed="rId3">
-            <a:extLst>
-              <a:ext uri="{28A0092B-C50C-407E-A947-70E740481C1C}">
-                <a14:useLocalDpi xmlns:a14="http://schemas.microsoft.com/office/drawing/2010/main" val="0"/>
-              </a:ext>
-              <a:ext uri="{96DAC541-7B7A-43D3-8B79-37D633B846F1}">
-                <asvg:svgBlip xmlns:asvg="http://schemas.microsoft.com/office/drawing/2016/SVG/main" r:embed="rId4"/>
-              </a:ext>
-            </a:extLst>
-          </a:blip>
-          <a:stretch>
-            <a:fillRect/>
-          </a:stretch>
-        </p:blipFill>
-        <p:spPr>
-          <a:xfrm>
-            <a:off x="7004650" y="4973128"/>
-            <a:ext cx="979098" cy="979098"/>
-          </a:xfrm>
-          <a:prstGeom prst="rect">
-            <a:avLst/>
-          </a:prstGeom>
-        </p:spPr>
-      </p:pic>
-      <p:sp>
-        <p:nvSpPr>
-          <p:cNvPr id="24" name="การกระจาย: 8 จุด 23">
-            <a:extLst>
-              <a:ext uri="{FF2B5EF4-FFF2-40B4-BE49-F238E27FC236}">
-                <a16:creationId xmlns:a16="http://schemas.microsoft.com/office/drawing/2014/main" id="{AB80AE51-69EF-A30D-F2E0-2104D2023E6F}"/>
-              </a:ext>
-            </a:extLst>
-          </p:cNvPr>
-          <p:cNvSpPr/>
-          <p:nvPr/>
-        </p:nvSpPr>
-        <p:spPr>
-          <a:xfrm>
-            <a:off x="7546452" y="5087473"/>
-            <a:ext cx="180975" cy="273843"/>
-          </a:xfrm>
-          <a:prstGeom prst="irregularSeal1">
-            <a:avLst/>
-          </a:prstGeom>
-          <a:solidFill>
-            <a:srgbClr val="FFC000"/>
-          </a:solidFill>
-          <a:ln>
-            <a:solidFill>
-              <a:srgbClr val="FF0000"/>
-            </a:solidFill>
-          </a:ln>
-        </p:spPr>
-        <p:style>
-          <a:lnRef idx="2">
-            <a:schemeClr val="accent1">
-              <a:shade val="50000"/>
-            </a:schemeClr>
-          </a:lnRef>
-          <a:fillRef idx="1">
-            <a:schemeClr val="accent1"/>
-          </a:fillRef>
-          <a:effectRef idx="0">
-            <a:schemeClr val="accent1"/>
-          </a:effectRef>
-          <a:fontRef idx="minor">
-            <a:schemeClr val="lt1"/>
-          </a:fontRef>
-        </p:style>
-        <p:txBody>
-          <a:bodyPr rtlCol="0" anchor="ctr"/>
-          <a:lstStyle/>
-          <a:p>
-            <a:pPr algn="ctr"/>
-            <a:endParaRPr lang="th-TH"/>
-          </a:p>
-        </p:txBody>
-      </p:sp>
-      <p:cxnSp>
-        <p:nvCxnSpPr>
-          <p:cNvPr id="26" name="ลูกศรเชื่อมต่อแบบตรง 25">
-            <a:extLst>
-              <a:ext uri="{FF2B5EF4-FFF2-40B4-BE49-F238E27FC236}">
-                <a16:creationId xmlns:a16="http://schemas.microsoft.com/office/drawing/2014/main" id="{52463390-5DEB-7588-39F4-098C64E6E551}"/>
-              </a:ext>
-            </a:extLst>
-          </p:cNvPr>
-          <p:cNvCxnSpPr>
-            <a:stCxn id="13" idx="1"/>
-            <a:endCxn id="20" idx="3"/>
-          </p:cNvCxnSpPr>
-          <p:nvPr/>
-        </p:nvCxnSpPr>
-        <p:spPr>
-          <a:xfrm flipH="1">
-            <a:off x="6482558" y="4336794"/>
-            <a:ext cx="404197" cy="47580"/>
-          </a:xfrm>
-          <a:prstGeom prst="straightConnector1">
-            <a:avLst/>
-          </a:prstGeom>
-          <a:ln w="19050">
-            <a:solidFill>
-              <a:srgbClr val="FF0000"/>
-            </a:solidFill>
-            <a:tailEnd type="triangle"/>
-          </a:ln>
-        </p:spPr>
-        <p:style>
-          <a:lnRef idx="1">
-            <a:schemeClr val="accent1"/>
-          </a:lnRef>
-          <a:fillRef idx="0">
-            <a:schemeClr val="accent1"/>
-          </a:fillRef>
-          <a:effectRef idx="0">
-            <a:schemeClr val="accent1"/>
-          </a:effectRef>
-          <a:fontRef idx="minor">
-            <a:schemeClr val="tx1"/>
-          </a:fontRef>
-        </p:style>
-      </p:cxnSp>
-      <p:sp>
-        <p:nvSpPr>
-          <p:cNvPr id="28" name="สี่เหลี่ยมผืนผ้า: มุมมน 27">
-            <a:extLst>
-              <a:ext uri="{FF2B5EF4-FFF2-40B4-BE49-F238E27FC236}">
-                <a16:creationId xmlns:a16="http://schemas.microsoft.com/office/drawing/2014/main" id="{471D4DF1-7220-F297-C54B-8A7844A90240}"/>
-              </a:ext>
-            </a:extLst>
-          </p:cNvPr>
-          <p:cNvSpPr/>
-          <p:nvPr/>
-        </p:nvSpPr>
-        <p:spPr>
-          <a:xfrm>
-            <a:off x="4039608" y="920870"/>
-            <a:ext cx="2359132" cy="306236"/>
-          </a:xfrm>
-          <a:prstGeom prst="roundRect">
-            <a:avLst/>
-          </a:prstGeom>
-          <a:noFill/>
-          <a:ln w="28575">
-            <a:solidFill>
-              <a:srgbClr val="FF0000"/>
-            </a:solidFill>
-          </a:ln>
-        </p:spPr>
-        <p:style>
-          <a:lnRef idx="2">
-            <a:schemeClr val="accent1">
-              <a:shade val="50000"/>
-            </a:schemeClr>
-          </a:lnRef>
-          <a:fillRef idx="1">
-            <a:schemeClr val="accent1"/>
-          </a:fillRef>
-          <a:effectRef idx="0">
-            <a:schemeClr val="accent1"/>
-          </a:effectRef>
-          <a:fontRef idx="minor">
-            <a:schemeClr val="lt1"/>
-          </a:fontRef>
-        </p:style>
-        <p:txBody>
-          <a:bodyPr rtlCol="0" anchor="ctr"/>
-          <a:lstStyle/>
-          <a:p>
-            <a:pPr algn="ctr"/>
-            <a:endParaRPr lang="th-TH"/>
-          </a:p>
-        </p:txBody>
-      </p:sp>
-    </p:spTree>
-    <p:extLst>
-      <p:ext uri="{BB962C8B-B14F-4D97-AF65-F5344CB8AC3E}">
-        <p14:creationId xmlns:p14="http://schemas.microsoft.com/office/powerpoint/2010/main" val="2670818846"/>
       </p:ext>
     </p:extLst>
   </p:cSld>
@@ -4307,595 +6859,574 @@
           <a:chExt cx="0" cy="0"/>
         </a:xfrm>
       </p:grpSpPr>
-      <p:grpSp>
-        <p:nvGrpSpPr>
-          <p:cNvPr id="22" name="กลุ่ม 21">
-            <a:extLst>
-              <a:ext uri="{FF2B5EF4-FFF2-40B4-BE49-F238E27FC236}">
-                <a16:creationId xmlns:a16="http://schemas.microsoft.com/office/drawing/2014/main" id="{CDAD68E4-5DC0-D3D2-B1E7-A72F53F7D792}"/>
-              </a:ext>
-            </a:extLst>
-          </p:cNvPr>
-          <p:cNvGrpSpPr/>
-          <p:nvPr/>
-        </p:nvGrpSpPr>
-        <p:grpSpPr>
+      <p:pic>
+        <p:nvPicPr>
+          <p:cNvPr id="5" name="รูปภาพ 4" descr="รูปภาพประกอบด้วย โต๊ะ&#10;&#10;คำอธิบายที่สร้างโดยอัตโนมัติ">
+            <a:extLst>
+              <a:ext uri="{FF2B5EF4-FFF2-40B4-BE49-F238E27FC236}">
+                <a16:creationId xmlns:a16="http://schemas.microsoft.com/office/drawing/2014/main" id="{A066790B-0378-2CEA-8641-C7F1BAA6E275}"/>
+              </a:ext>
+            </a:extLst>
+          </p:cNvPr>
+          <p:cNvPicPr>
+            <a:picLocks noChangeAspect="1"/>
+          </p:cNvPicPr>
+          <p:nvPr/>
+        </p:nvPicPr>
+        <p:blipFill>
+          <a:blip r:embed="rId2">
+            <a:extLst>
+              <a:ext uri="{28A0092B-C50C-407E-A947-70E740481C1C}">
+                <a14:useLocalDpi xmlns:a14="http://schemas.microsoft.com/office/drawing/2010/main" val="0"/>
+              </a:ext>
+            </a:extLst>
+          </a:blip>
+          <a:stretch>
+            <a:fillRect/>
+          </a:stretch>
+        </p:blipFill>
+        <p:spPr>
           <a:xfrm>
             <a:off x="1661493" y="690394"/>
             <a:ext cx="8869013" cy="6087325"/>
-            <a:chOff x="1661493" y="690394"/>
-            <a:chExt cx="8869013" cy="6087325"/>
-          </a:xfrm>
-        </p:grpSpPr>
-        <p:pic>
-          <p:nvPicPr>
-            <p:cNvPr id="5" name="รูปภาพ 4" descr="รูปภาพประกอบด้วย โต๊ะ&#10;&#10;คำอธิบายที่สร้างโดยอัตโนมัติ">
-              <a:extLst>
-                <a:ext uri="{FF2B5EF4-FFF2-40B4-BE49-F238E27FC236}">
-                  <a16:creationId xmlns:a16="http://schemas.microsoft.com/office/drawing/2014/main" id="{A066790B-0378-2CEA-8641-C7F1BAA6E275}"/>
-                </a:ext>
-              </a:extLst>
-            </p:cNvPr>
-            <p:cNvPicPr>
-              <a:picLocks noChangeAspect="1"/>
-            </p:cNvPicPr>
-            <p:nvPr/>
-          </p:nvPicPr>
-          <p:blipFill>
-            <a:blip r:embed="rId2">
-              <a:extLst>
-                <a:ext uri="{28A0092B-C50C-407E-A947-70E740481C1C}">
-                  <a14:useLocalDpi xmlns:a14="http://schemas.microsoft.com/office/drawing/2010/main" val="0"/>
-                </a:ext>
-              </a:extLst>
-            </a:blip>
-            <a:stretch>
-              <a:fillRect/>
-            </a:stretch>
-          </p:blipFill>
-          <p:spPr>
-            <a:xfrm>
-              <a:off x="1661493" y="690394"/>
-              <a:ext cx="8869013" cy="6087325"/>
-            </a:xfrm>
-            <a:prstGeom prst="rect">
-              <a:avLst/>
-            </a:prstGeom>
-          </p:spPr>
-        </p:pic>
-        <p:sp>
-          <p:nvSpPr>
-            <p:cNvPr id="6" name="สี่เหลี่ยมผืนผ้า: มุมมน 5">
-              <a:extLst>
-                <a:ext uri="{FF2B5EF4-FFF2-40B4-BE49-F238E27FC236}">
-                  <a16:creationId xmlns:a16="http://schemas.microsoft.com/office/drawing/2014/main" id="{10DB2F61-EAD4-30BC-AE3B-8D441C9EC16B}"/>
-                </a:ext>
-              </a:extLst>
-            </p:cNvPr>
-            <p:cNvSpPr/>
-            <p:nvPr/>
-          </p:nvSpPr>
-          <p:spPr>
-            <a:xfrm>
-              <a:off x="6073348" y="1089174"/>
-              <a:ext cx="508958" cy="474453"/>
-            </a:xfrm>
-            <a:prstGeom prst="roundRect">
-              <a:avLst/>
-            </a:prstGeom>
+          </a:xfrm>
+          <a:prstGeom prst="rect">
+            <a:avLst/>
+          </a:prstGeom>
+        </p:spPr>
+      </p:pic>
+      <p:sp>
+        <p:nvSpPr>
+          <p:cNvPr id="6" name="สี่เหลี่ยมผืนผ้า: มุมมน 5">
+            <a:extLst>
+              <a:ext uri="{FF2B5EF4-FFF2-40B4-BE49-F238E27FC236}">
+                <a16:creationId xmlns:a16="http://schemas.microsoft.com/office/drawing/2014/main" id="{10DB2F61-EAD4-30BC-AE3B-8D441C9EC16B}"/>
+              </a:ext>
+            </a:extLst>
+          </p:cNvPr>
+          <p:cNvSpPr/>
+          <p:nvPr/>
+        </p:nvSpPr>
+        <p:spPr>
+          <a:xfrm>
+            <a:off x="6073348" y="1089174"/>
+            <a:ext cx="508958" cy="474453"/>
+          </a:xfrm>
+          <a:prstGeom prst="roundRect">
+            <a:avLst/>
+          </a:prstGeom>
+          <a:solidFill>
+            <a:srgbClr val="FFFF00"/>
+          </a:solidFill>
+          <a:ln w="19050">
             <a:solidFill>
-              <a:srgbClr val="FFFF00"/>
+              <a:srgbClr val="FF0000"/>
             </a:solidFill>
-            <a:ln w="19050">
+          </a:ln>
+        </p:spPr>
+        <p:style>
+          <a:lnRef idx="2">
+            <a:schemeClr val="accent1">
+              <a:shade val="50000"/>
+            </a:schemeClr>
+          </a:lnRef>
+          <a:fillRef idx="1">
+            <a:schemeClr val="accent1"/>
+          </a:fillRef>
+          <a:effectRef idx="0">
+            <a:schemeClr val="accent1"/>
+          </a:effectRef>
+          <a:fontRef idx="minor">
+            <a:schemeClr val="lt1"/>
+          </a:fontRef>
+        </p:style>
+        <p:txBody>
+          <a:bodyPr rtlCol="0" anchor="ctr"/>
+          <a:lstStyle/>
+          <a:p>
+            <a:pPr algn="ctr"/>
+            <a:r>
+              <a:rPr lang="en-US" dirty="0">
+                <a:solidFill>
+                  <a:srgbClr val="FF0000"/>
+                </a:solidFill>
+              </a:rPr>
+              <a:t>1</a:t>
+            </a:r>
+            <a:endParaRPr lang="th-TH" dirty="0">
               <a:solidFill>
                 <a:srgbClr val="FF0000"/>
               </a:solidFill>
-            </a:ln>
-          </p:spPr>
-          <p:style>
-            <a:lnRef idx="2">
-              <a:schemeClr val="accent1">
-                <a:shade val="50000"/>
-              </a:schemeClr>
-            </a:lnRef>
-            <a:fillRef idx="1">
-              <a:schemeClr val="accent1"/>
-            </a:fillRef>
-            <a:effectRef idx="0">
-              <a:schemeClr val="accent1"/>
-            </a:effectRef>
-            <a:fontRef idx="minor">
-              <a:schemeClr val="lt1"/>
-            </a:fontRef>
-          </p:style>
-          <p:txBody>
-            <a:bodyPr rtlCol="0" anchor="ctr"/>
-            <a:lstStyle/>
-            <a:p>
-              <a:pPr algn="ctr"/>
-              <a:r>
-                <a:rPr lang="en-US" dirty="0">
-                  <a:solidFill>
-                    <a:srgbClr val="FF0000"/>
-                  </a:solidFill>
-                </a:rPr>
-                <a:t>1</a:t>
-              </a:r>
-              <a:endParaRPr lang="th-TH" dirty="0">
+            </a:endParaRPr>
+          </a:p>
+        </p:txBody>
+      </p:sp>
+      <p:sp>
+        <p:nvSpPr>
+          <p:cNvPr id="7" name="สี่เหลี่ยมผืนผ้า: มุมมน 6">
+            <a:extLst>
+              <a:ext uri="{FF2B5EF4-FFF2-40B4-BE49-F238E27FC236}">
+                <a16:creationId xmlns:a16="http://schemas.microsoft.com/office/drawing/2014/main" id="{402F7929-DE66-7522-338F-9540F51991B1}"/>
+              </a:ext>
+            </a:extLst>
+          </p:cNvPr>
+          <p:cNvSpPr/>
+          <p:nvPr/>
+        </p:nvSpPr>
+        <p:spPr>
+          <a:xfrm>
+            <a:off x="8229601" y="5124090"/>
+            <a:ext cx="508958" cy="474453"/>
+          </a:xfrm>
+          <a:prstGeom prst="roundRect">
+            <a:avLst/>
+          </a:prstGeom>
+          <a:solidFill>
+            <a:srgbClr val="FFFF00"/>
+          </a:solidFill>
+          <a:ln w="28575">
+            <a:solidFill>
+              <a:srgbClr val="FF0000"/>
+            </a:solidFill>
+          </a:ln>
+        </p:spPr>
+        <p:style>
+          <a:lnRef idx="2">
+            <a:schemeClr val="accent1">
+              <a:shade val="50000"/>
+            </a:schemeClr>
+          </a:lnRef>
+          <a:fillRef idx="1">
+            <a:schemeClr val="accent1"/>
+          </a:fillRef>
+          <a:effectRef idx="0">
+            <a:schemeClr val="accent1"/>
+          </a:effectRef>
+          <a:fontRef idx="minor">
+            <a:schemeClr val="lt1"/>
+          </a:fontRef>
+        </p:style>
+        <p:txBody>
+          <a:bodyPr rtlCol="0" anchor="ctr"/>
+          <a:lstStyle/>
+          <a:p>
+            <a:pPr algn="ctr"/>
+            <a:r>
+              <a:rPr lang="en-US" dirty="0">
                 <a:solidFill>
                   <a:srgbClr val="FF0000"/>
                 </a:solidFill>
-              </a:endParaRPr>
-            </a:p>
-          </p:txBody>
-        </p:sp>
-        <p:sp>
-          <p:nvSpPr>
-            <p:cNvPr id="7" name="สี่เหลี่ยมผืนผ้า: มุมมน 6">
-              <a:extLst>
-                <a:ext uri="{FF2B5EF4-FFF2-40B4-BE49-F238E27FC236}">
-                  <a16:creationId xmlns:a16="http://schemas.microsoft.com/office/drawing/2014/main" id="{402F7929-DE66-7522-338F-9540F51991B1}"/>
-                </a:ext>
-              </a:extLst>
-            </p:cNvPr>
-            <p:cNvSpPr/>
-            <p:nvPr/>
-          </p:nvSpPr>
-          <p:spPr>
-            <a:xfrm>
-              <a:off x="8229601" y="5124090"/>
-              <a:ext cx="508958" cy="474453"/>
-            </a:xfrm>
-            <a:prstGeom prst="roundRect">
-              <a:avLst/>
-            </a:prstGeom>
-            <a:solidFill>
-              <a:srgbClr val="FFFF00"/>
-            </a:solidFill>
-            <a:ln w="28575">
+              </a:rPr>
+              <a:t>2</a:t>
+            </a:r>
+            <a:endParaRPr lang="th-TH" dirty="0">
               <a:solidFill>
                 <a:srgbClr val="FF0000"/>
               </a:solidFill>
-            </a:ln>
-          </p:spPr>
-          <p:style>
-            <a:lnRef idx="2">
-              <a:schemeClr val="accent1">
-                <a:shade val="50000"/>
-              </a:schemeClr>
-            </a:lnRef>
-            <a:fillRef idx="1">
-              <a:schemeClr val="accent1"/>
-            </a:fillRef>
-            <a:effectRef idx="0">
-              <a:schemeClr val="accent1"/>
-            </a:effectRef>
-            <a:fontRef idx="minor">
-              <a:schemeClr val="lt1"/>
-            </a:fontRef>
-          </p:style>
-          <p:txBody>
-            <a:bodyPr rtlCol="0" anchor="ctr"/>
-            <a:lstStyle/>
-            <a:p>
-              <a:pPr algn="ctr"/>
-              <a:r>
-                <a:rPr lang="en-US" dirty="0">
-                  <a:solidFill>
-                    <a:srgbClr val="FF0000"/>
-                  </a:solidFill>
-                </a:rPr>
-                <a:t>2</a:t>
-              </a:r>
-              <a:endParaRPr lang="th-TH" dirty="0">
+            </a:endParaRPr>
+          </a:p>
+        </p:txBody>
+      </p:sp>
+      <p:sp>
+        <p:nvSpPr>
+          <p:cNvPr id="8" name="สี่เหลี่ยมผืนผ้า: มุมมน 7">
+            <a:extLst>
+              <a:ext uri="{FF2B5EF4-FFF2-40B4-BE49-F238E27FC236}">
+                <a16:creationId xmlns:a16="http://schemas.microsoft.com/office/drawing/2014/main" id="{456FA439-D860-AD02-9D82-33435251799D}"/>
+              </a:ext>
+            </a:extLst>
+          </p:cNvPr>
+          <p:cNvSpPr/>
+          <p:nvPr/>
+        </p:nvSpPr>
+        <p:spPr>
+          <a:xfrm>
+            <a:off x="6886755" y="4099567"/>
+            <a:ext cx="508958" cy="474453"/>
+          </a:xfrm>
+          <a:prstGeom prst="roundRect">
+            <a:avLst/>
+          </a:prstGeom>
+          <a:solidFill>
+            <a:srgbClr val="FFFF00"/>
+          </a:solidFill>
+          <a:ln w="28575">
+            <a:solidFill>
+              <a:srgbClr val="FF0000"/>
+            </a:solidFill>
+          </a:ln>
+        </p:spPr>
+        <p:style>
+          <a:lnRef idx="2">
+            <a:schemeClr val="accent1">
+              <a:shade val="50000"/>
+            </a:schemeClr>
+          </a:lnRef>
+          <a:fillRef idx="1">
+            <a:schemeClr val="accent1"/>
+          </a:fillRef>
+          <a:effectRef idx="0">
+            <a:schemeClr val="accent1"/>
+          </a:effectRef>
+          <a:fontRef idx="minor">
+            <a:schemeClr val="lt1"/>
+          </a:fontRef>
+        </p:style>
+        <p:txBody>
+          <a:bodyPr rtlCol="0" anchor="ctr"/>
+          <a:lstStyle/>
+          <a:p>
+            <a:pPr algn="ctr"/>
+            <a:r>
+              <a:rPr lang="en-US" dirty="0">
                 <a:solidFill>
                   <a:srgbClr val="FF0000"/>
                 </a:solidFill>
-              </a:endParaRPr>
-            </a:p>
-          </p:txBody>
-        </p:sp>
-        <p:sp>
-          <p:nvSpPr>
-            <p:cNvPr id="8" name="สี่เหลี่ยมผืนผ้า: มุมมน 7">
-              <a:extLst>
-                <a:ext uri="{FF2B5EF4-FFF2-40B4-BE49-F238E27FC236}">
-                  <a16:creationId xmlns:a16="http://schemas.microsoft.com/office/drawing/2014/main" id="{456FA439-D860-AD02-9D82-33435251799D}"/>
-                </a:ext>
-              </a:extLst>
-            </p:cNvPr>
-            <p:cNvSpPr/>
-            <p:nvPr/>
-          </p:nvSpPr>
-          <p:spPr>
-            <a:xfrm>
-              <a:off x="6886755" y="4099567"/>
-              <a:ext cx="508958" cy="474453"/>
-            </a:xfrm>
-            <a:prstGeom prst="roundRect">
-              <a:avLst/>
-            </a:prstGeom>
-            <a:solidFill>
-              <a:srgbClr val="FFFF00"/>
-            </a:solidFill>
-            <a:ln w="28575">
+              </a:rPr>
+              <a:t>3</a:t>
+            </a:r>
+            <a:endParaRPr lang="th-TH" dirty="0">
               <a:solidFill>
                 <a:srgbClr val="FF0000"/>
               </a:solidFill>
-            </a:ln>
-          </p:spPr>
-          <p:style>
-            <a:lnRef idx="2">
-              <a:schemeClr val="accent1">
-                <a:shade val="50000"/>
-              </a:schemeClr>
-            </a:lnRef>
-            <a:fillRef idx="1">
-              <a:schemeClr val="accent1"/>
-            </a:fillRef>
-            <a:effectRef idx="0">
-              <a:schemeClr val="accent1"/>
-            </a:effectRef>
-            <a:fontRef idx="minor">
-              <a:schemeClr val="lt1"/>
-            </a:fontRef>
-          </p:style>
-          <p:txBody>
-            <a:bodyPr rtlCol="0" anchor="ctr"/>
-            <a:lstStyle/>
-            <a:p>
-              <a:pPr algn="ctr"/>
-              <a:r>
-                <a:rPr lang="en-US" dirty="0">
-                  <a:solidFill>
-                    <a:srgbClr val="FF0000"/>
-                  </a:solidFill>
-                </a:rPr>
-                <a:t>3</a:t>
-              </a:r>
-              <a:endParaRPr lang="th-TH" dirty="0">
-                <a:solidFill>
-                  <a:srgbClr val="FF0000"/>
-                </a:solidFill>
-              </a:endParaRPr>
-            </a:p>
-          </p:txBody>
-        </p:sp>
-        <p:cxnSp>
-          <p:nvCxnSpPr>
-            <p:cNvPr id="9" name="ลูกศรเชื่อมต่อแบบตรง 8">
-              <a:extLst>
-                <a:ext uri="{FF2B5EF4-FFF2-40B4-BE49-F238E27FC236}">
-                  <a16:creationId xmlns:a16="http://schemas.microsoft.com/office/drawing/2014/main" id="{7863221C-1731-526A-51E4-2BCDFC36636C}"/>
-                </a:ext>
-              </a:extLst>
-            </p:cNvPr>
-            <p:cNvCxnSpPr>
-              <a:cxnSpLocks/>
-              <a:stCxn id="6" idx="1"/>
-              <a:endCxn id="15" idx="3"/>
-            </p:cNvCxnSpPr>
-            <p:nvPr/>
-          </p:nvCxnSpPr>
-          <p:spPr>
-            <a:xfrm flipH="1">
-              <a:off x="5545300" y="1326401"/>
-              <a:ext cx="528048" cy="128587"/>
-            </a:xfrm>
-            <a:prstGeom prst="straightConnector1">
-              <a:avLst/>
-            </a:prstGeom>
-            <a:ln w="19050">
-              <a:solidFill>
-                <a:srgbClr val="FF0000"/>
-              </a:solidFill>
-              <a:tailEnd type="triangle"/>
-            </a:ln>
-          </p:spPr>
-          <p:style>
-            <a:lnRef idx="1">
-              <a:schemeClr val="accent1"/>
-            </a:lnRef>
-            <a:fillRef idx="0">
-              <a:schemeClr val="accent1"/>
-            </a:fillRef>
-            <a:effectRef idx="0">
-              <a:schemeClr val="accent1"/>
-            </a:effectRef>
-            <a:fontRef idx="minor">
-              <a:schemeClr val="tx1"/>
-            </a:fontRef>
-          </p:style>
-        </p:cxnSp>
-        <p:cxnSp>
-          <p:nvCxnSpPr>
-            <p:cNvPr id="10" name="ลูกศรเชื่อมต่อแบบตรง 9">
-              <a:extLst>
-                <a:ext uri="{FF2B5EF4-FFF2-40B4-BE49-F238E27FC236}">
-                  <a16:creationId xmlns:a16="http://schemas.microsoft.com/office/drawing/2014/main" id="{1FD8A6F0-47EF-8666-B02E-E461308457D0}"/>
-                </a:ext>
-              </a:extLst>
-            </p:cNvPr>
-            <p:cNvCxnSpPr>
-              <a:cxnSpLocks/>
-              <a:stCxn id="7" idx="1"/>
-              <a:endCxn id="13" idx="3"/>
-            </p:cNvCxnSpPr>
-            <p:nvPr/>
-          </p:nvCxnSpPr>
-          <p:spPr>
-            <a:xfrm flipH="1" flipV="1">
-              <a:off x="7727427" y="5255963"/>
-              <a:ext cx="502174" cy="105354"/>
-            </a:xfrm>
-            <a:prstGeom prst="straightConnector1">
-              <a:avLst/>
-            </a:prstGeom>
-            <a:ln w="28575">
-              <a:solidFill>
-                <a:srgbClr val="FF0000"/>
-              </a:solidFill>
-              <a:tailEnd type="triangle"/>
-            </a:ln>
-          </p:spPr>
-          <p:style>
-            <a:lnRef idx="1">
-              <a:schemeClr val="accent1"/>
-            </a:lnRef>
-            <a:fillRef idx="0">
-              <a:schemeClr val="accent1"/>
-            </a:fillRef>
-            <a:effectRef idx="0">
-              <a:schemeClr val="accent1"/>
-            </a:effectRef>
-            <a:fontRef idx="minor">
-              <a:schemeClr val="tx1"/>
-            </a:fontRef>
-          </p:style>
-        </p:cxnSp>
-        <p:sp>
-          <p:nvSpPr>
-            <p:cNvPr id="11" name="สี่เหลี่ยมผืนผ้า: มุมมน 10">
-              <a:extLst>
-                <a:ext uri="{FF2B5EF4-FFF2-40B4-BE49-F238E27FC236}">
-                  <a16:creationId xmlns:a16="http://schemas.microsoft.com/office/drawing/2014/main" id="{279245BA-9206-66C0-B3A6-DE724CFFF21E}"/>
-                </a:ext>
-              </a:extLst>
-            </p:cNvPr>
-            <p:cNvSpPr/>
-            <p:nvPr/>
-          </p:nvSpPr>
-          <p:spPr>
-            <a:xfrm>
-              <a:off x="4123426" y="4231256"/>
-              <a:ext cx="2359132" cy="306236"/>
-            </a:xfrm>
-            <a:prstGeom prst="roundRect">
-              <a:avLst/>
-            </a:prstGeom>
-            <a:noFill/>
-            <a:ln w="28575">
-              <a:solidFill>
-                <a:srgbClr val="FF0000"/>
-              </a:solidFill>
-            </a:ln>
-          </p:spPr>
-          <p:style>
-            <a:lnRef idx="2">
-              <a:schemeClr val="accent1">
-                <a:shade val="50000"/>
-              </a:schemeClr>
-            </a:lnRef>
-            <a:fillRef idx="1">
-              <a:schemeClr val="accent1"/>
-            </a:fillRef>
-            <a:effectRef idx="0">
-              <a:schemeClr val="accent1"/>
-            </a:effectRef>
-            <a:fontRef idx="minor">
-              <a:schemeClr val="lt1"/>
-            </a:fontRef>
-          </p:style>
-          <p:txBody>
-            <a:bodyPr rtlCol="0" anchor="ctr"/>
-            <a:lstStyle/>
-            <a:p>
-              <a:pPr algn="ctr"/>
-              <a:endParaRPr lang="th-TH"/>
-            </a:p>
-          </p:txBody>
-        </p:sp>
-        <p:pic>
-          <p:nvPicPr>
-            <p:cNvPr id="12" name="กราฟิก 11" descr="หนู เส้นกรอบ">
-              <a:extLst>
-                <a:ext uri="{FF2B5EF4-FFF2-40B4-BE49-F238E27FC236}">
-                  <a16:creationId xmlns:a16="http://schemas.microsoft.com/office/drawing/2014/main" id="{2936E636-AAB6-9D39-46E6-8120FBD9713F}"/>
-                </a:ext>
-              </a:extLst>
-            </p:cNvPr>
-            <p:cNvPicPr>
-              <a:picLocks noChangeAspect="1"/>
-            </p:cNvPicPr>
-            <p:nvPr/>
-          </p:nvPicPr>
-          <p:blipFill>
-            <a:blip r:embed="rId3">
-              <a:extLst>
-                <a:ext uri="{28A0092B-C50C-407E-A947-70E740481C1C}">
-                  <a14:useLocalDpi xmlns:a14="http://schemas.microsoft.com/office/drawing/2010/main" val="0"/>
-                </a:ext>
-                <a:ext uri="{96DAC541-7B7A-43D3-8B79-37D633B846F1}">
-                  <asvg:svgBlip xmlns:asvg="http://schemas.microsoft.com/office/drawing/2016/SVG/main" r:embed="rId4"/>
-                </a:ext>
-              </a:extLst>
-            </a:blip>
-            <a:stretch>
-              <a:fillRect/>
-            </a:stretch>
-          </p:blipFill>
-          <p:spPr>
-            <a:xfrm>
-              <a:off x="7004650" y="4973128"/>
-              <a:ext cx="979098" cy="979098"/>
-            </a:xfrm>
-            <a:prstGeom prst="rect">
-              <a:avLst/>
-            </a:prstGeom>
-          </p:spPr>
-        </p:pic>
-        <p:sp>
-          <p:nvSpPr>
-            <p:cNvPr id="13" name="การกระจาย: 8 จุด 12">
-              <a:extLst>
-                <a:ext uri="{FF2B5EF4-FFF2-40B4-BE49-F238E27FC236}">
-                  <a16:creationId xmlns:a16="http://schemas.microsoft.com/office/drawing/2014/main" id="{3F431575-2872-6A08-6137-C5FD24F4FCEA}"/>
-                </a:ext>
-              </a:extLst>
-            </p:cNvPr>
-            <p:cNvSpPr/>
-            <p:nvPr/>
-          </p:nvSpPr>
-          <p:spPr>
-            <a:xfrm>
-              <a:off x="7546452" y="5087473"/>
-              <a:ext cx="180975" cy="273843"/>
-            </a:xfrm>
-            <a:prstGeom prst="irregularSeal1">
-              <a:avLst/>
-            </a:prstGeom>
+            </a:endParaRPr>
+          </a:p>
+        </p:txBody>
+      </p:sp>
+      <p:cxnSp>
+        <p:nvCxnSpPr>
+          <p:cNvPr id="9" name="ลูกศรเชื่อมต่อแบบตรง 8">
+            <a:extLst>
+              <a:ext uri="{FF2B5EF4-FFF2-40B4-BE49-F238E27FC236}">
+                <a16:creationId xmlns:a16="http://schemas.microsoft.com/office/drawing/2014/main" id="{7863221C-1731-526A-51E4-2BCDFC36636C}"/>
+              </a:ext>
+            </a:extLst>
+          </p:cNvPr>
+          <p:cNvCxnSpPr>
+            <a:cxnSpLocks/>
+            <a:stCxn id="6" idx="1"/>
+            <a:endCxn id="15" idx="3"/>
+          </p:cNvCxnSpPr>
+          <p:nvPr/>
+        </p:nvCxnSpPr>
+        <p:spPr>
+          <a:xfrm flipH="1">
+            <a:off x="5545300" y="1326401"/>
+            <a:ext cx="528048" cy="128587"/>
+          </a:xfrm>
+          <a:prstGeom prst="straightConnector1">
+            <a:avLst/>
+          </a:prstGeom>
+          <a:ln w="19050">
             <a:solidFill>
-              <a:srgbClr val="FFC000"/>
+              <a:srgbClr val="FF0000"/>
             </a:solidFill>
-            <a:ln>
-              <a:solidFill>
-                <a:srgbClr val="FF0000"/>
-              </a:solidFill>
-            </a:ln>
-          </p:spPr>
-          <p:style>
-            <a:lnRef idx="2">
-              <a:schemeClr val="accent1">
-                <a:shade val="50000"/>
-              </a:schemeClr>
-            </a:lnRef>
-            <a:fillRef idx="1">
-              <a:schemeClr val="accent1"/>
-            </a:fillRef>
-            <a:effectRef idx="0">
-              <a:schemeClr val="accent1"/>
-            </a:effectRef>
-            <a:fontRef idx="minor">
-              <a:schemeClr val="lt1"/>
-            </a:fontRef>
-          </p:style>
-          <p:txBody>
-            <a:bodyPr rtlCol="0" anchor="ctr"/>
-            <a:lstStyle/>
-            <a:p>
-              <a:pPr algn="ctr"/>
-              <a:endParaRPr lang="th-TH"/>
-            </a:p>
-          </p:txBody>
-        </p:sp>
-        <p:cxnSp>
-          <p:nvCxnSpPr>
-            <p:cNvPr id="14" name="ลูกศรเชื่อมต่อแบบตรง 13">
-              <a:extLst>
-                <a:ext uri="{FF2B5EF4-FFF2-40B4-BE49-F238E27FC236}">
-                  <a16:creationId xmlns:a16="http://schemas.microsoft.com/office/drawing/2014/main" id="{6DC03B9B-7B5A-0383-7DC8-CD5C767FEE90}"/>
-                </a:ext>
-              </a:extLst>
-            </p:cNvPr>
-            <p:cNvCxnSpPr>
-              <a:stCxn id="8" idx="1"/>
-              <a:endCxn id="11" idx="3"/>
-            </p:cNvCxnSpPr>
-            <p:nvPr/>
-          </p:nvCxnSpPr>
-          <p:spPr>
-            <a:xfrm flipH="1">
-              <a:off x="6482558" y="4336794"/>
-              <a:ext cx="404197" cy="47580"/>
-            </a:xfrm>
-            <a:prstGeom prst="straightConnector1">
-              <a:avLst/>
-            </a:prstGeom>
-            <a:ln w="19050">
-              <a:solidFill>
-                <a:srgbClr val="FF0000"/>
-              </a:solidFill>
-              <a:tailEnd type="triangle"/>
-            </a:ln>
-          </p:spPr>
-          <p:style>
-            <a:lnRef idx="1">
-              <a:schemeClr val="accent1"/>
-            </a:lnRef>
-            <a:fillRef idx="0">
-              <a:schemeClr val="accent1"/>
-            </a:fillRef>
-            <a:effectRef idx="0">
-              <a:schemeClr val="accent1"/>
-            </a:effectRef>
-            <a:fontRef idx="minor">
-              <a:schemeClr val="tx1"/>
-            </a:fontRef>
-          </p:style>
-        </p:cxnSp>
-        <p:sp>
-          <p:nvSpPr>
-            <p:cNvPr id="15" name="สี่เหลี่ยมผืนผ้า: มุมมน 14">
-              <a:extLst>
-                <a:ext uri="{FF2B5EF4-FFF2-40B4-BE49-F238E27FC236}">
-                  <a16:creationId xmlns:a16="http://schemas.microsoft.com/office/drawing/2014/main" id="{E6A7F6FF-DB9A-EB8C-F88B-5E8CD3D4C375}"/>
-                </a:ext>
-              </a:extLst>
-            </p:cNvPr>
-            <p:cNvSpPr/>
-            <p:nvPr/>
-          </p:nvSpPr>
-          <p:spPr>
-            <a:xfrm>
-              <a:off x="2659380" y="1301870"/>
-              <a:ext cx="2885920" cy="306236"/>
-            </a:xfrm>
-            <a:prstGeom prst="roundRect">
-              <a:avLst/>
-            </a:prstGeom>
-            <a:noFill/>
-            <a:ln w="28575">
-              <a:solidFill>
-                <a:srgbClr val="FF0000"/>
-              </a:solidFill>
-            </a:ln>
-          </p:spPr>
-          <p:style>
-            <a:lnRef idx="2">
-              <a:schemeClr val="accent1">
-                <a:shade val="50000"/>
-              </a:schemeClr>
-            </a:lnRef>
-            <a:fillRef idx="1">
-              <a:schemeClr val="accent1"/>
-            </a:fillRef>
-            <a:effectRef idx="0">
-              <a:schemeClr val="accent1"/>
-            </a:effectRef>
-            <a:fontRef idx="minor">
-              <a:schemeClr val="lt1"/>
-            </a:fontRef>
-          </p:style>
-          <p:txBody>
-            <a:bodyPr rtlCol="0" anchor="ctr"/>
-            <a:lstStyle/>
-            <a:p>
-              <a:pPr algn="ctr"/>
-              <a:endParaRPr lang="th-TH"/>
-            </a:p>
-          </p:txBody>
-        </p:sp>
-      </p:grpSp>
+            <a:tailEnd type="triangle"/>
+          </a:ln>
+        </p:spPr>
+        <p:style>
+          <a:lnRef idx="1">
+            <a:schemeClr val="accent1"/>
+          </a:lnRef>
+          <a:fillRef idx="0">
+            <a:schemeClr val="accent1"/>
+          </a:fillRef>
+          <a:effectRef idx="0">
+            <a:schemeClr val="accent1"/>
+          </a:effectRef>
+          <a:fontRef idx="minor">
+            <a:schemeClr val="tx1"/>
+          </a:fontRef>
+        </p:style>
+      </p:cxnSp>
+      <p:cxnSp>
+        <p:nvCxnSpPr>
+          <p:cNvPr id="10" name="ลูกศรเชื่อมต่อแบบตรง 9">
+            <a:extLst>
+              <a:ext uri="{FF2B5EF4-FFF2-40B4-BE49-F238E27FC236}">
+                <a16:creationId xmlns:a16="http://schemas.microsoft.com/office/drawing/2014/main" id="{1FD8A6F0-47EF-8666-B02E-E461308457D0}"/>
+              </a:ext>
+            </a:extLst>
+          </p:cNvPr>
+          <p:cNvCxnSpPr>
+            <a:cxnSpLocks/>
+            <a:stCxn id="7" idx="1"/>
+            <a:endCxn id="13" idx="3"/>
+          </p:cNvCxnSpPr>
+          <p:nvPr/>
+        </p:nvCxnSpPr>
+        <p:spPr>
+          <a:xfrm flipH="1" flipV="1">
+            <a:off x="7727427" y="5255963"/>
+            <a:ext cx="502174" cy="105354"/>
+          </a:xfrm>
+          <a:prstGeom prst="straightConnector1">
+            <a:avLst/>
+          </a:prstGeom>
+          <a:ln w="28575">
+            <a:solidFill>
+              <a:srgbClr val="FF0000"/>
+            </a:solidFill>
+            <a:tailEnd type="triangle"/>
+          </a:ln>
+        </p:spPr>
+        <p:style>
+          <a:lnRef idx="1">
+            <a:schemeClr val="accent1"/>
+          </a:lnRef>
+          <a:fillRef idx="0">
+            <a:schemeClr val="accent1"/>
+          </a:fillRef>
+          <a:effectRef idx="0">
+            <a:schemeClr val="accent1"/>
+          </a:effectRef>
+          <a:fontRef idx="minor">
+            <a:schemeClr val="tx1"/>
+          </a:fontRef>
+        </p:style>
+      </p:cxnSp>
+      <p:sp>
+        <p:nvSpPr>
+          <p:cNvPr id="11" name="สี่เหลี่ยมผืนผ้า: มุมมน 10">
+            <a:extLst>
+              <a:ext uri="{FF2B5EF4-FFF2-40B4-BE49-F238E27FC236}">
+                <a16:creationId xmlns:a16="http://schemas.microsoft.com/office/drawing/2014/main" id="{279245BA-9206-66C0-B3A6-DE724CFFF21E}"/>
+              </a:ext>
+            </a:extLst>
+          </p:cNvPr>
+          <p:cNvSpPr/>
+          <p:nvPr/>
+        </p:nvSpPr>
+        <p:spPr>
+          <a:xfrm>
+            <a:off x="4123426" y="4231256"/>
+            <a:ext cx="2359132" cy="306236"/>
+          </a:xfrm>
+          <a:prstGeom prst="roundRect">
+            <a:avLst/>
+          </a:prstGeom>
+          <a:noFill/>
+          <a:ln w="28575">
+            <a:solidFill>
+              <a:srgbClr val="FF0000"/>
+            </a:solidFill>
+          </a:ln>
+        </p:spPr>
+        <p:style>
+          <a:lnRef idx="2">
+            <a:schemeClr val="accent1">
+              <a:shade val="50000"/>
+            </a:schemeClr>
+          </a:lnRef>
+          <a:fillRef idx="1">
+            <a:schemeClr val="accent1"/>
+          </a:fillRef>
+          <a:effectRef idx="0">
+            <a:schemeClr val="accent1"/>
+          </a:effectRef>
+          <a:fontRef idx="minor">
+            <a:schemeClr val="lt1"/>
+          </a:fontRef>
+        </p:style>
+        <p:txBody>
+          <a:bodyPr rtlCol="0" anchor="ctr"/>
+          <a:lstStyle/>
+          <a:p>
+            <a:pPr algn="ctr"/>
+            <a:endParaRPr lang="th-TH"/>
+          </a:p>
+        </p:txBody>
+      </p:sp>
+      <p:pic>
+        <p:nvPicPr>
+          <p:cNvPr id="12" name="กราฟิก 11" descr="หนู เส้นกรอบ">
+            <a:extLst>
+              <a:ext uri="{FF2B5EF4-FFF2-40B4-BE49-F238E27FC236}">
+                <a16:creationId xmlns:a16="http://schemas.microsoft.com/office/drawing/2014/main" id="{2936E636-AAB6-9D39-46E6-8120FBD9713F}"/>
+              </a:ext>
+            </a:extLst>
+          </p:cNvPr>
+          <p:cNvPicPr>
+            <a:picLocks noChangeAspect="1"/>
+          </p:cNvPicPr>
+          <p:nvPr/>
+        </p:nvPicPr>
+        <p:blipFill>
+          <a:blip r:embed="rId3">
+            <a:extLst>
+              <a:ext uri="{28A0092B-C50C-407E-A947-70E740481C1C}">
+                <a14:useLocalDpi xmlns:a14="http://schemas.microsoft.com/office/drawing/2010/main" val="0"/>
+              </a:ext>
+              <a:ext uri="{96DAC541-7B7A-43D3-8B79-37D633B846F1}">
+                <asvg:svgBlip xmlns:asvg="http://schemas.microsoft.com/office/drawing/2016/SVG/main" r:embed="rId4"/>
+              </a:ext>
+            </a:extLst>
+          </a:blip>
+          <a:stretch>
+            <a:fillRect/>
+          </a:stretch>
+        </p:blipFill>
+        <p:spPr>
+          <a:xfrm>
+            <a:off x="7004650" y="4973128"/>
+            <a:ext cx="979098" cy="979098"/>
+          </a:xfrm>
+          <a:prstGeom prst="rect">
+            <a:avLst/>
+          </a:prstGeom>
+        </p:spPr>
+      </p:pic>
+      <p:sp>
+        <p:nvSpPr>
+          <p:cNvPr id="13" name="การกระจาย: 8 จุด 12">
+            <a:extLst>
+              <a:ext uri="{FF2B5EF4-FFF2-40B4-BE49-F238E27FC236}">
+                <a16:creationId xmlns:a16="http://schemas.microsoft.com/office/drawing/2014/main" id="{3F431575-2872-6A08-6137-C5FD24F4FCEA}"/>
+              </a:ext>
+            </a:extLst>
+          </p:cNvPr>
+          <p:cNvSpPr/>
+          <p:nvPr/>
+        </p:nvSpPr>
+        <p:spPr>
+          <a:xfrm>
+            <a:off x="7546452" y="5087473"/>
+            <a:ext cx="180975" cy="273843"/>
+          </a:xfrm>
+          <a:prstGeom prst="irregularSeal1">
+            <a:avLst/>
+          </a:prstGeom>
+          <a:solidFill>
+            <a:srgbClr val="FFC000"/>
+          </a:solidFill>
+          <a:ln>
+            <a:solidFill>
+              <a:srgbClr val="FF0000"/>
+            </a:solidFill>
+          </a:ln>
+        </p:spPr>
+        <p:style>
+          <a:lnRef idx="2">
+            <a:schemeClr val="accent1">
+              <a:shade val="50000"/>
+            </a:schemeClr>
+          </a:lnRef>
+          <a:fillRef idx="1">
+            <a:schemeClr val="accent1"/>
+          </a:fillRef>
+          <a:effectRef idx="0">
+            <a:schemeClr val="accent1"/>
+          </a:effectRef>
+          <a:fontRef idx="minor">
+            <a:schemeClr val="lt1"/>
+          </a:fontRef>
+        </p:style>
+        <p:txBody>
+          <a:bodyPr rtlCol="0" anchor="ctr"/>
+          <a:lstStyle/>
+          <a:p>
+            <a:pPr algn="ctr"/>
+            <a:endParaRPr lang="th-TH"/>
+          </a:p>
+        </p:txBody>
+      </p:sp>
+      <p:cxnSp>
+        <p:nvCxnSpPr>
+          <p:cNvPr id="14" name="ลูกศรเชื่อมต่อแบบตรง 13">
+            <a:extLst>
+              <a:ext uri="{FF2B5EF4-FFF2-40B4-BE49-F238E27FC236}">
+                <a16:creationId xmlns:a16="http://schemas.microsoft.com/office/drawing/2014/main" id="{6DC03B9B-7B5A-0383-7DC8-CD5C767FEE90}"/>
+              </a:ext>
+            </a:extLst>
+          </p:cNvPr>
+          <p:cNvCxnSpPr>
+            <a:stCxn id="8" idx="1"/>
+            <a:endCxn id="11" idx="3"/>
+          </p:cNvCxnSpPr>
+          <p:nvPr/>
+        </p:nvCxnSpPr>
+        <p:spPr>
+          <a:xfrm flipH="1">
+            <a:off x="6482558" y="4336794"/>
+            <a:ext cx="404197" cy="47580"/>
+          </a:xfrm>
+          <a:prstGeom prst="straightConnector1">
+            <a:avLst/>
+          </a:prstGeom>
+          <a:ln w="19050">
+            <a:solidFill>
+              <a:srgbClr val="FF0000"/>
+            </a:solidFill>
+            <a:tailEnd type="triangle"/>
+          </a:ln>
+        </p:spPr>
+        <p:style>
+          <a:lnRef idx="1">
+            <a:schemeClr val="accent1"/>
+          </a:lnRef>
+          <a:fillRef idx="0">
+            <a:schemeClr val="accent1"/>
+          </a:fillRef>
+          <a:effectRef idx="0">
+            <a:schemeClr val="accent1"/>
+          </a:effectRef>
+          <a:fontRef idx="minor">
+            <a:schemeClr val="tx1"/>
+          </a:fontRef>
+        </p:style>
+      </p:cxnSp>
+      <p:sp>
+        <p:nvSpPr>
+          <p:cNvPr id="15" name="สี่เหลี่ยมผืนผ้า: มุมมน 14">
+            <a:extLst>
+              <a:ext uri="{FF2B5EF4-FFF2-40B4-BE49-F238E27FC236}">
+                <a16:creationId xmlns:a16="http://schemas.microsoft.com/office/drawing/2014/main" id="{E6A7F6FF-DB9A-EB8C-F88B-5E8CD3D4C375}"/>
+              </a:ext>
+            </a:extLst>
+          </p:cNvPr>
+          <p:cNvSpPr/>
+          <p:nvPr/>
+        </p:nvSpPr>
+        <p:spPr>
+          <a:xfrm>
+            <a:off x="2659380" y="1301870"/>
+            <a:ext cx="2885920" cy="306236"/>
+          </a:xfrm>
+          <a:prstGeom prst="roundRect">
+            <a:avLst/>
+          </a:prstGeom>
+          <a:noFill/>
+          <a:ln w="28575">
+            <a:solidFill>
+              <a:srgbClr val="FF0000"/>
+            </a:solidFill>
+          </a:ln>
+        </p:spPr>
+        <p:style>
+          <a:lnRef idx="2">
+            <a:schemeClr val="accent1">
+              <a:shade val="50000"/>
+            </a:schemeClr>
+          </a:lnRef>
+          <a:fillRef idx="1">
+            <a:schemeClr val="accent1"/>
+          </a:fillRef>
+          <a:effectRef idx="0">
+            <a:schemeClr val="accent1"/>
+          </a:effectRef>
+          <a:fontRef idx="minor">
+            <a:schemeClr val="lt1"/>
+          </a:fontRef>
+        </p:style>
+        <p:txBody>
+          <a:bodyPr rtlCol="0" anchor="ctr"/>
+          <a:lstStyle/>
+          <a:p>
+            <a:pPr algn="ctr"/>
+            <a:endParaRPr lang="th-TH"/>
+          </a:p>
+        </p:txBody>
+      </p:sp>
     </p:spTree>
     <p:extLst>
       <p:ext uri="{BB962C8B-B14F-4D97-AF65-F5344CB8AC3E}">
@@ -5137,6 +7668,317 @@
           <a:chExt cx="0" cy="0"/>
         </a:xfrm>
       </p:grpSpPr>
+      <p:pic>
+        <p:nvPicPr>
+          <p:cNvPr id="3" name="รูปภาพ 2" descr="รูปภาพประกอบด้วย ข้อความ&#10;&#10;คำอธิบายที่สร้างโดยอัตโนมัติ">
+            <a:extLst>
+              <a:ext uri="{FF2B5EF4-FFF2-40B4-BE49-F238E27FC236}">
+                <a16:creationId xmlns:a16="http://schemas.microsoft.com/office/drawing/2014/main" id="{CA5F5A9E-B758-0138-5CB0-8C126B19035B}"/>
+              </a:ext>
+            </a:extLst>
+          </p:cNvPr>
+          <p:cNvPicPr>
+            <a:picLocks noChangeAspect="1"/>
+          </p:cNvPicPr>
+          <p:nvPr/>
+        </p:nvPicPr>
+        <p:blipFill>
+          <a:blip r:embed="rId2">
+            <a:extLst>
+              <a:ext uri="{28A0092B-C50C-407E-A947-70E740481C1C}">
+                <a14:useLocalDpi xmlns:a14="http://schemas.microsoft.com/office/drawing/2010/main" val="0"/>
+              </a:ext>
+            </a:extLst>
+          </a:blip>
+          <a:stretch>
+            <a:fillRect/>
+          </a:stretch>
+        </p:blipFill>
+        <p:spPr>
+          <a:xfrm>
+            <a:off x="1656730" y="123363"/>
+            <a:ext cx="8878539" cy="6611273"/>
+          </a:xfrm>
+          <a:prstGeom prst="rect">
+            <a:avLst/>
+          </a:prstGeom>
+        </p:spPr>
+      </p:pic>
+      <p:sp>
+        <p:nvSpPr>
+          <p:cNvPr id="4" name="สี่เหลี่ยมผืนผ้า: มุมมน 3">
+            <a:extLst>
+              <a:ext uri="{FF2B5EF4-FFF2-40B4-BE49-F238E27FC236}">
+                <a16:creationId xmlns:a16="http://schemas.microsoft.com/office/drawing/2014/main" id="{0D5D3D1C-8CBC-5BC7-0A2C-F6DA35DDAB02}"/>
+              </a:ext>
+            </a:extLst>
+          </p:cNvPr>
+          <p:cNvSpPr/>
+          <p:nvPr/>
+        </p:nvSpPr>
+        <p:spPr>
+          <a:xfrm>
+            <a:off x="4839771" y="2538411"/>
+            <a:ext cx="508958" cy="375333"/>
+          </a:xfrm>
+          <a:prstGeom prst="roundRect">
+            <a:avLst/>
+          </a:prstGeom>
+          <a:solidFill>
+            <a:srgbClr val="FFFF00"/>
+          </a:solidFill>
+          <a:ln w="19050">
+            <a:solidFill>
+              <a:srgbClr val="FF0000"/>
+            </a:solidFill>
+          </a:ln>
+        </p:spPr>
+        <p:style>
+          <a:lnRef idx="2">
+            <a:schemeClr val="accent1">
+              <a:shade val="50000"/>
+            </a:schemeClr>
+          </a:lnRef>
+          <a:fillRef idx="1">
+            <a:schemeClr val="accent1"/>
+          </a:fillRef>
+          <a:effectRef idx="0">
+            <a:schemeClr val="accent1"/>
+          </a:effectRef>
+          <a:fontRef idx="minor">
+            <a:schemeClr val="lt1"/>
+          </a:fontRef>
+        </p:style>
+        <p:txBody>
+          <a:bodyPr rtlCol="0" anchor="ctr"/>
+          <a:lstStyle/>
+          <a:p>
+            <a:pPr algn="ctr"/>
+            <a:r>
+              <a:rPr lang="en-US" dirty="0">
+                <a:solidFill>
+                  <a:srgbClr val="FF0000"/>
+                </a:solidFill>
+              </a:rPr>
+              <a:t>1</a:t>
+            </a:r>
+            <a:endParaRPr lang="th-TH" dirty="0">
+              <a:solidFill>
+                <a:srgbClr val="FF0000"/>
+              </a:solidFill>
+            </a:endParaRPr>
+          </a:p>
+        </p:txBody>
+      </p:sp>
+      <p:cxnSp>
+        <p:nvCxnSpPr>
+          <p:cNvPr id="5" name="ลูกศรเชื่อมต่อแบบตรง 4">
+            <a:extLst>
+              <a:ext uri="{FF2B5EF4-FFF2-40B4-BE49-F238E27FC236}">
+                <a16:creationId xmlns:a16="http://schemas.microsoft.com/office/drawing/2014/main" id="{BCF47BEC-6A23-9E39-6BD5-90E5F59FABAE}"/>
+              </a:ext>
+            </a:extLst>
+          </p:cNvPr>
+          <p:cNvCxnSpPr>
+            <a:cxnSpLocks/>
+            <a:stCxn id="4" idx="1"/>
+            <a:endCxn id="6" idx="3"/>
+          </p:cNvCxnSpPr>
+          <p:nvPr/>
+        </p:nvCxnSpPr>
+        <p:spPr>
+          <a:xfrm flipH="1">
+            <a:off x="4311723" y="2726078"/>
+            <a:ext cx="528048" cy="146159"/>
+          </a:xfrm>
+          <a:prstGeom prst="straightConnector1">
+            <a:avLst/>
+          </a:prstGeom>
+          <a:ln w="19050">
+            <a:solidFill>
+              <a:srgbClr val="FF0000"/>
+            </a:solidFill>
+            <a:tailEnd type="triangle"/>
+          </a:ln>
+        </p:spPr>
+        <p:style>
+          <a:lnRef idx="1">
+            <a:schemeClr val="accent1"/>
+          </a:lnRef>
+          <a:fillRef idx="0">
+            <a:schemeClr val="accent1"/>
+          </a:fillRef>
+          <a:effectRef idx="0">
+            <a:schemeClr val="accent1"/>
+          </a:effectRef>
+          <a:fontRef idx="minor">
+            <a:schemeClr val="tx1"/>
+          </a:fontRef>
+        </p:style>
+      </p:cxnSp>
+      <p:sp>
+        <p:nvSpPr>
+          <p:cNvPr id="6" name="สี่เหลี่ยมผืนผ้า: มุมมน 5">
+            <a:extLst>
+              <a:ext uri="{FF2B5EF4-FFF2-40B4-BE49-F238E27FC236}">
+                <a16:creationId xmlns:a16="http://schemas.microsoft.com/office/drawing/2014/main" id="{9F55A495-5910-36E4-AB57-8D5DF87E3431}"/>
+              </a:ext>
+            </a:extLst>
+          </p:cNvPr>
+          <p:cNvSpPr/>
+          <p:nvPr/>
+        </p:nvSpPr>
+        <p:spPr>
+          <a:xfrm>
+            <a:off x="3096883" y="2751107"/>
+            <a:ext cx="1214840" cy="242259"/>
+          </a:xfrm>
+          <a:prstGeom prst="roundRect">
+            <a:avLst/>
+          </a:prstGeom>
+          <a:noFill/>
+          <a:ln w="28575">
+            <a:solidFill>
+              <a:srgbClr val="FF0000"/>
+            </a:solidFill>
+          </a:ln>
+        </p:spPr>
+        <p:style>
+          <a:lnRef idx="2">
+            <a:schemeClr val="accent1">
+              <a:shade val="50000"/>
+            </a:schemeClr>
+          </a:lnRef>
+          <a:fillRef idx="1">
+            <a:schemeClr val="accent1"/>
+          </a:fillRef>
+          <a:effectRef idx="0">
+            <a:schemeClr val="accent1"/>
+          </a:effectRef>
+          <a:fontRef idx="minor">
+            <a:schemeClr val="lt1"/>
+          </a:fontRef>
+        </p:style>
+        <p:txBody>
+          <a:bodyPr rtlCol="0" anchor="ctr"/>
+          <a:lstStyle/>
+          <a:p>
+            <a:pPr algn="ctr"/>
+            <a:endParaRPr lang="th-TH"/>
+          </a:p>
+        </p:txBody>
+      </p:sp>
+      <p:sp>
+        <p:nvSpPr>
+          <p:cNvPr id="8" name="สี่เหลี่ยมผืนผ้า: มุมมน 7">
+            <a:extLst>
+              <a:ext uri="{FF2B5EF4-FFF2-40B4-BE49-F238E27FC236}">
+                <a16:creationId xmlns:a16="http://schemas.microsoft.com/office/drawing/2014/main" id="{4DD91207-3108-8340-95F5-EC42621D518A}"/>
+              </a:ext>
+            </a:extLst>
+          </p:cNvPr>
+          <p:cNvSpPr/>
+          <p:nvPr/>
+        </p:nvSpPr>
+        <p:spPr>
+          <a:xfrm>
+            <a:off x="2959213" y="1408350"/>
+            <a:ext cx="508958" cy="375333"/>
+          </a:xfrm>
+          <a:prstGeom prst="roundRect">
+            <a:avLst/>
+          </a:prstGeom>
+          <a:solidFill>
+            <a:srgbClr val="FFFF00"/>
+          </a:solidFill>
+          <a:ln w="19050">
+            <a:solidFill>
+              <a:srgbClr val="FF0000"/>
+            </a:solidFill>
+          </a:ln>
+        </p:spPr>
+        <p:style>
+          <a:lnRef idx="2">
+            <a:schemeClr val="accent1">
+              <a:shade val="50000"/>
+            </a:schemeClr>
+          </a:lnRef>
+          <a:fillRef idx="1">
+            <a:schemeClr val="accent1"/>
+          </a:fillRef>
+          <a:effectRef idx="0">
+            <a:schemeClr val="accent1"/>
+          </a:effectRef>
+          <a:fontRef idx="minor">
+            <a:schemeClr val="lt1"/>
+          </a:fontRef>
+        </p:style>
+        <p:txBody>
+          <a:bodyPr rtlCol="0" anchor="ctr"/>
+          <a:lstStyle/>
+          <a:p>
+            <a:pPr algn="ctr"/>
+            <a:r>
+              <a:rPr lang="en-US" dirty="0">
+                <a:solidFill>
+                  <a:srgbClr val="FF0000"/>
+                </a:solidFill>
+              </a:rPr>
+              <a:t>2</a:t>
+            </a:r>
+            <a:endParaRPr lang="th-TH" dirty="0">
+              <a:solidFill>
+                <a:srgbClr val="FF0000"/>
+              </a:solidFill>
+            </a:endParaRPr>
+          </a:p>
+        </p:txBody>
+      </p:sp>
+      <p:cxnSp>
+        <p:nvCxnSpPr>
+          <p:cNvPr id="9" name="ลูกศรเชื่อมต่อแบบตรง 8">
+            <a:extLst>
+              <a:ext uri="{FF2B5EF4-FFF2-40B4-BE49-F238E27FC236}">
+                <a16:creationId xmlns:a16="http://schemas.microsoft.com/office/drawing/2014/main" id="{98B65ECA-4DEB-CD74-18BC-2B16AE6493C8}"/>
+              </a:ext>
+            </a:extLst>
+          </p:cNvPr>
+          <p:cNvCxnSpPr>
+            <a:cxnSpLocks/>
+            <a:stCxn id="8" idx="1"/>
+          </p:cNvCxnSpPr>
+          <p:nvPr/>
+        </p:nvCxnSpPr>
+        <p:spPr>
+          <a:xfrm flipH="1" flipV="1">
+            <a:off x="2337758" y="1509623"/>
+            <a:ext cx="621455" cy="86394"/>
+          </a:xfrm>
+          <a:prstGeom prst="straightConnector1">
+            <a:avLst/>
+          </a:prstGeom>
+          <a:ln w="19050">
+            <a:solidFill>
+              <a:srgbClr val="FF0000"/>
+            </a:solidFill>
+            <a:tailEnd type="triangle"/>
+          </a:ln>
+        </p:spPr>
+        <p:style>
+          <a:lnRef idx="1">
+            <a:schemeClr val="accent1"/>
+          </a:lnRef>
+          <a:fillRef idx="0">
+            <a:schemeClr val="accent1"/>
+          </a:fillRef>
+          <a:effectRef idx="0">
+            <a:schemeClr val="accent1"/>
+          </a:effectRef>
+          <a:fontRef idx="minor">
+            <a:schemeClr val="tx1"/>
+          </a:fontRef>
+        </p:style>
+      </p:cxnSp>
     </p:spTree>
     <p:extLst>
       <p:ext uri="{BB962C8B-B14F-4D97-AF65-F5344CB8AC3E}">
@@ -5167,6 +8009,369 @@
           <a:chExt cx="0" cy="0"/>
         </a:xfrm>
       </p:grpSpPr>
+      <p:pic>
+        <p:nvPicPr>
+          <p:cNvPr id="3" name="รูปภาพ 2">
+            <a:extLst>
+              <a:ext uri="{FF2B5EF4-FFF2-40B4-BE49-F238E27FC236}">
+                <a16:creationId xmlns:a16="http://schemas.microsoft.com/office/drawing/2014/main" id="{26B4B4BB-677E-1969-BE6C-889124D967A9}"/>
+              </a:ext>
+            </a:extLst>
+          </p:cNvPr>
+          <p:cNvPicPr>
+            <a:picLocks noChangeAspect="1"/>
+          </p:cNvPicPr>
+          <p:nvPr/>
+        </p:nvPicPr>
+        <p:blipFill>
+          <a:blip r:embed="rId2">
+            <a:extLst>
+              <a:ext uri="{28A0092B-C50C-407E-A947-70E740481C1C}">
+                <a14:useLocalDpi xmlns:a14="http://schemas.microsoft.com/office/drawing/2010/main" val="0"/>
+              </a:ext>
+            </a:extLst>
+          </a:blip>
+          <a:stretch>
+            <a:fillRect/>
+          </a:stretch>
+        </p:blipFill>
+        <p:spPr>
+          <a:xfrm>
+            <a:off x="1637678" y="2609735"/>
+            <a:ext cx="8916644" cy="1638529"/>
+          </a:xfrm>
+          <a:prstGeom prst="rect">
+            <a:avLst/>
+          </a:prstGeom>
+        </p:spPr>
+      </p:pic>
+      <p:sp>
+        <p:nvSpPr>
+          <p:cNvPr id="4" name="สี่เหลี่ยมผืนผ้า: มุมมน 3">
+            <a:extLst>
+              <a:ext uri="{FF2B5EF4-FFF2-40B4-BE49-F238E27FC236}">
+                <a16:creationId xmlns:a16="http://schemas.microsoft.com/office/drawing/2014/main" id="{673463CC-288C-4877-5C71-16FA6B8220FE}"/>
+              </a:ext>
+            </a:extLst>
+          </p:cNvPr>
+          <p:cNvSpPr/>
+          <p:nvPr/>
+        </p:nvSpPr>
+        <p:spPr>
+          <a:xfrm>
+            <a:off x="4387285" y="2609735"/>
+            <a:ext cx="508958" cy="375333"/>
+          </a:xfrm>
+          <a:prstGeom prst="roundRect">
+            <a:avLst/>
+          </a:prstGeom>
+          <a:solidFill>
+            <a:srgbClr val="FFFF00"/>
+          </a:solidFill>
+          <a:ln w="19050">
+            <a:solidFill>
+              <a:srgbClr val="FF0000"/>
+            </a:solidFill>
+          </a:ln>
+        </p:spPr>
+        <p:style>
+          <a:lnRef idx="2">
+            <a:schemeClr val="accent1">
+              <a:shade val="50000"/>
+            </a:schemeClr>
+          </a:lnRef>
+          <a:fillRef idx="1">
+            <a:schemeClr val="accent1"/>
+          </a:fillRef>
+          <a:effectRef idx="0">
+            <a:schemeClr val="accent1"/>
+          </a:effectRef>
+          <a:fontRef idx="minor">
+            <a:schemeClr val="lt1"/>
+          </a:fontRef>
+        </p:style>
+        <p:txBody>
+          <a:bodyPr rtlCol="0" anchor="ctr"/>
+          <a:lstStyle/>
+          <a:p>
+            <a:pPr algn="ctr"/>
+            <a:r>
+              <a:rPr lang="en-US" dirty="0">
+                <a:solidFill>
+                  <a:srgbClr val="FF0000"/>
+                </a:solidFill>
+              </a:rPr>
+              <a:t>1</a:t>
+            </a:r>
+            <a:endParaRPr lang="th-TH" dirty="0">
+              <a:solidFill>
+                <a:srgbClr val="FF0000"/>
+              </a:solidFill>
+            </a:endParaRPr>
+          </a:p>
+        </p:txBody>
+      </p:sp>
+      <p:cxnSp>
+        <p:nvCxnSpPr>
+          <p:cNvPr id="5" name="ลูกศรเชื่อมต่อแบบตรง 4">
+            <a:extLst>
+              <a:ext uri="{FF2B5EF4-FFF2-40B4-BE49-F238E27FC236}">
+                <a16:creationId xmlns:a16="http://schemas.microsoft.com/office/drawing/2014/main" id="{B80B0034-AB23-AAB8-E914-774906C0C102}"/>
+              </a:ext>
+            </a:extLst>
+          </p:cNvPr>
+          <p:cNvCxnSpPr>
+            <a:cxnSpLocks/>
+            <a:stCxn id="4" idx="1"/>
+            <a:endCxn id="6" idx="3"/>
+          </p:cNvCxnSpPr>
+          <p:nvPr/>
+        </p:nvCxnSpPr>
+        <p:spPr>
+          <a:xfrm flipH="1">
+            <a:off x="3930977" y="2797402"/>
+            <a:ext cx="456308" cy="237472"/>
+          </a:xfrm>
+          <a:prstGeom prst="straightConnector1">
+            <a:avLst/>
+          </a:prstGeom>
+          <a:ln w="19050">
+            <a:solidFill>
+              <a:srgbClr val="FF0000"/>
+            </a:solidFill>
+            <a:tailEnd type="triangle"/>
+          </a:ln>
+        </p:spPr>
+        <p:style>
+          <a:lnRef idx="1">
+            <a:schemeClr val="accent1"/>
+          </a:lnRef>
+          <a:fillRef idx="0">
+            <a:schemeClr val="accent1"/>
+          </a:fillRef>
+          <a:effectRef idx="0">
+            <a:schemeClr val="accent1"/>
+          </a:effectRef>
+          <a:fontRef idx="minor">
+            <a:schemeClr val="tx1"/>
+          </a:fontRef>
+        </p:style>
+      </p:cxnSp>
+      <p:sp>
+        <p:nvSpPr>
+          <p:cNvPr id="6" name="สี่เหลี่ยมผืนผ้า: มุมมน 5">
+            <a:extLst>
+              <a:ext uri="{FF2B5EF4-FFF2-40B4-BE49-F238E27FC236}">
+                <a16:creationId xmlns:a16="http://schemas.microsoft.com/office/drawing/2014/main" id="{E70C91F2-91E7-36BC-9D55-67BB8E7D9536}"/>
+              </a:ext>
+            </a:extLst>
+          </p:cNvPr>
+          <p:cNvSpPr/>
+          <p:nvPr/>
+        </p:nvSpPr>
+        <p:spPr>
+          <a:xfrm>
+            <a:off x="3213692" y="2913744"/>
+            <a:ext cx="717285" cy="242259"/>
+          </a:xfrm>
+          <a:prstGeom prst="roundRect">
+            <a:avLst/>
+          </a:prstGeom>
+          <a:noFill/>
+          <a:ln w="28575">
+            <a:solidFill>
+              <a:srgbClr val="FF0000"/>
+            </a:solidFill>
+          </a:ln>
+        </p:spPr>
+        <p:style>
+          <a:lnRef idx="2">
+            <a:schemeClr val="accent1">
+              <a:shade val="50000"/>
+            </a:schemeClr>
+          </a:lnRef>
+          <a:fillRef idx="1">
+            <a:schemeClr val="accent1"/>
+          </a:fillRef>
+          <a:effectRef idx="0">
+            <a:schemeClr val="accent1"/>
+          </a:effectRef>
+          <a:fontRef idx="minor">
+            <a:schemeClr val="lt1"/>
+          </a:fontRef>
+        </p:style>
+        <p:txBody>
+          <a:bodyPr rtlCol="0" anchor="ctr"/>
+          <a:lstStyle/>
+          <a:p>
+            <a:pPr algn="ctr"/>
+            <a:endParaRPr lang="th-TH"/>
+          </a:p>
+        </p:txBody>
+      </p:sp>
+      <p:sp>
+        <p:nvSpPr>
+          <p:cNvPr id="7" name="สี่เหลี่ยมผืนผ้า: มุมมน 6">
+            <a:extLst>
+              <a:ext uri="{FF2B5EF4-FFF2-40B4-BE49-F238E27FC236}">
+                <a16:creationId xmlns:a16="http://schemas.microsoft.com/office/drawing/2014/main" id="{DFF12751-FAE4-CA64-5057-58C849A36DF2}"/>
+              </a:ext>
+            </a:extLst>
+          </p:cNvPr>
+          <p:cNvSpPr/>
+          <p:nvPr/>
+        </p:nvSpPr>
+        <p:spPr>
+          <a:xfrm>
+            <a:off x="9152623" y="3633076"/>
+            <a:ext cx="508958" cy="375333"/>
+          </a:xfrm>
+          <a:prstGeom prst="roundRect">
+            <a:avLst/>
+          </a:prstGeom>
+          <a:solidFill>
+            <a:srgbClr val="FFFF00"/>
+          </a:solidFill>
+          <a:ln w="19050">
+            <a:solidFill>
+              <a:srgbClr val="FF0000"/>
+            </a:solidFill>
+          </a:ln>
+        </p:spPr>
+        <p:style>
+          <a:lnRef idx="2">
+            <a:schemeClr val="accent1">
+              <a:shade val="50000"/>
+            </a:schemeClr>
+          </a:lnRef>
+          <a:fillRef idx="1">
+            <a:schemeClr val="accent1"/>
+          </a:fillRef>
+          <a:effectRef idx="0">
+            <a:schemeClr val="accent1"/>
+          </a:effectRef>
+          <a:fontRef idx="minor">
+            <a:schemeClr val="lt1"/>
+          </a:fontRef>
+        </p:style>
+        <p:txBody>
+          <a:bodyPr rtlCol="0" anchor="ctr"/>
+          <a:lstStyle/>
+          <a:p>
+            <a:pPr algn="ctr"/>
+            <a:r>
+              <a:rPr lang="en-US" dirty="0">
+                <a:solidFill>
+                  <a:srgbClr val="FF0000"/>
+                </a:solidFill>
+              </a:rPr>
+              <a:t>2</a:t>
+            </a:r>
+            <a:endParaRPr lang="th-TH" dirty="0">
+              <a:solidFill>
+                <a:srgbClr val="FF0000"/>
+              </a:solidFill>
+            </a:endParaRPr>
+          </a:p>
+        </p:txBody>
+      </p:sp>
+      <p:cxnSp>
+        <p:nvCxnSpPr>
+          <p:cNvPr id="8" name="ลูกศรเชื่อมต่อแบบตรง 7">
+            <a:extLst>
+              <a:ext uri="{FF2B5EF4-FFF2-40B4-BE49-F238E27FC236}">
+                <a16:creationId xmlns:a16="http://schemas.microsoft.com/office/drawing/2014/main" id="{C8790003-2D58-C2A6-D4A9-FF473FD78C47}"/>
+              </a:ext>
+            </a:extLst>
+          </p:cNvPr>
+          <p:cNvCxnSpPr>
+            <a:cxnSpLocks/>
+            <a:stCxn id="7" idx="1"/>
+          </p:cNvCxnSpPr>
+          <p:nvPr/>
+        </p:nvCxnSpPr>
+        <p:spPr>
+          <a:xfrm flipH="1" flipV="1">
+            <a:off x="8531168" y="3734349"/>
+            <a:ext cx="621455" cy="86394"/>
+          </a:xfrm>
+          <a:prstGeom prst="straightConnector1">
+            <a:avLst/>
+          </a:prstGeom>
+          <a:ln w="19050">
+            <a:solidFill>
+              <a:srgbClr val="FF0000"/>
+            </a:solidFill>
+            <a:tailEnd type="triangle"/>
+          </a:ln>
+        </p:spPr>
+        <p:style>
+          <a:lnRef idx="1">
+            <a:schemeClr val="accent1"/>
+          </a:lnRef>
+          <a:fillRef idx="0">
+            <a:schemeClr val="accent1"/>
+          </a:fillRef>
+          <a:effectRef idx="0">
+            <a:schemeClr val="accent1"/>
+          </a:effectRef>
+          <a:fontRef idx="minor">
+            <a:schemeClr val="tx1"/>
+          </a:fontRef>
+        </p:style>
+      </p:cxnSp>
+      <p:sp>
+        <p:nvSpPr>
+          <p:cNvPr id="12" name="สี่เหลี่ยมผืนผ้า: มุมมน 11">
+            <a:extLst>
+              <a:ext uri="{FF2B5EF4-FFF2-40B4-BE49-F238E27FC236}">
+                <a16:creationId xmlns:a16="http://schemas.microsoft.com/office/drawing/2014/main" id="{1A4228A9-3A31-5B66-52FD-7F6E70BFF780}"/>
+              </a:ext>
+            </a:extLst>
+          </p:cNvPr>
+          <p:cNvSpPr/>
+          <p:nvPr/>
+        </p:nvSpPr>
+        <p:spPr>
+          <a:xfrm>
+            <a:off x="7410191" y="3578483"/>
+            <a:ext cx="1120977" cy="242259"/>
+          </a:xfrm>
+          <a:prstGeom prst="roundRect">
+            <a:avLst/>
+          </a:prstGeom>
+          <a:noFill/>
+          <a:ln w="28575">
+            <a:solidFill>
+              <a:srgbClr val="FF0000"/>
+            </a:solidFill>
+          </a:ln>
+        </p:spPr>
+        <p:style>
+          <a:lnRef idx="2">
+            <a:schemeClr val="accent1">
+              <a:shade val="50000"/>
+            </a:schemeClr>
+          </a:lnRef>
+          <a:fillRef idx="1">
+            <a:schemeClr val="accent1"/>
+          </a:fillRef>
+          <a:effectRef idx="0">
+            <a:schemeClr val="accent1"/>
+          </a:effectRef>
+          <a:fontRef idx="minor">
+            <a:schemeClr val="lt1"/>
+          </a:fontRef>
+        </p:style>
+        <p:txBody>
+          <a:bodyPr rtlCol="0" anchor="ctr"/>
+          <a:lstStyle/>
+          <a:p>
+            <a:pPr algn="ctr"/>
+            <a:endParaRPr lang="th-TH"/>
+          </a:p>
+        </p:txBody>
+      </p:sp>
     </p:spTree>
     <p:extLst>
       <p:ext uri="{BB962C8B-B14F-4D97-AF65-F5344CB8AC3E}">
@@ -5197,6 +8402,96 @@
           <a:chExt cx="0" cy="0"/>
         </a:xfrm>
       </p:grpSpPr>
+      <p:pic>
+        <p:nvPicPr>
+          <p:cNvPr id="3" name="รูปภาพ 2" descr="รูปภาพประกอบด้วย ข้อความ&#10;&#10;คำอธิบายที่สร้างโดยอัตโนมัติ">
+            <a:extLst>
+              <a:ext uri="{FF2B5EF4-FFF2-40B4-BE49-F238E27FC236}">
+                <a16:creationId xmlns:a16="http://schemas.microsoft.com/office/drawing/2014/main" id="{6A127469-75BA-7C5B-1156-296D0D25C2A4}"/>
+              </a:ext>
+            </a:extLst>
+          </p:cNvPr>
+          <p:cNvPicPr>
+            <a:picLocks noChangeAspect="1"/>
+          </p:cNvPicPr>
+          <p:nvPr/>
+        </p:nvPicPr>
+        <p:blipFill>
+          <a:blip r:embed="rId2">
+            <a:extLst>
+              <a:ext uri="{28A0092B-C50C-407E-A947-70E740481C1C}">
+                <a14:useLocalDpi xmlns:a14="http://schemas.microsoft.com/office/drawing/2010/main" val="0"/>
+              </a:ext>
+            </a:extLst>
+          </a:blip>
+          <a:stretch>
+            <a:fillRect/>
+          </a:stretch>
+        </p:blipFill>
+        <p:spPr>
+          <a:xfrm>
+            <a:off x="2423600" y="1166497"/>
+            <a:ext cx="7344800" cy="4525006"/>
+          </a:xfrm>
+          <a:prstGeom prst="rect">
+            <a:avLst/>
+          </a:prstGeom>
+        </p:spPr>
+      </p:pic>
+      <p:sp>
+        <p:nvSpPr>
+          <p:cNvPr id="5" name="ลูกศร: ซ้าย 4">
+            <a:extLst>
+              <a:ext uri="{FF2B5EF4-FFF2-40B4-BE49-F238E27FC236}">
+                <a16:creationId xmlns:a16="http://schemas.microsoft.com/office/drawing/2014/main" id="{72B7A875-3F1C-EFA7-6CF7-56BF3A35291C}"/>
+              </a:ext>
+            </a:extLst>
+          </p:cNvPr>
+          <p:cNvSpPr/>
+          <p:nvPr/>
+        </p:nvSpPr>
+        <p:spPr>
+          <a:xfrm>
+            <a:off x="3630387" y="2475781"/>
+            <a:ext cx="717326" cy="245721"/>
+          </a:xfrm>
+          <a:prstGeom prst="leftArrow">
+            <a:avLst/>
+          </a:prstGeom>
+          <a:solidFill>
+            <a:srgbClr val="FFFF00"/>
+          </a:solidFill>
+          <a:ln>
+            <a:solidFill>
+              <a:srgbClr val="FF0000"/>
+            </a:solidFill>
+          </a:ln>
+        </p:spPr>
+        <p:style>
+          <a:lnRef idx="2">
+            <a:schemeClr val="accent1">
+              <a:shade val="50000"/>
+            </a:schemeClr>
+          </a:lnRef>
+          <a:fillRef idx="1">
+            <a:schemeClr val="accent1"/>
+          </a:fillRef>
+          <a:effectRef idx="0">
+            <a:schemeClr val="accent1"/>
+          </a:effectRef>
+          <a:fontRef idx="minor">
+            <a:schemeClr val="lt1"/>
+          </a:fontRef>
+        </p:style>
+        <p:txBody>
+          <a:bodyPr rtlCol="0" anchor="ctr"/>
+          <a:lstStyle/>
+          <a:p>
+            <a:pPr algn="ctr"/>
+            <a:endParaRPr lang="th-TH"/>
+          </a:p>
+        </p:txBody>
+      </p:sp>
     </p:spTree>
     <p:extLst>
       <p:ext uri="{BB962C8B-B14F-4D97-AF65-F5344CB8AC3E}">
@@ -5227,6 +8522,42 @@
           <a:chExt cx="0" cy="0"/>
         </a:xfrm>
       </p:grpSpPr>
+      <p:pic>
+        <p:nvPicPr>
+          <p:cNvPr id="7" name="รูปภาพ 6">
+            <a:extLst>
+              <a:ext uri="{FF2B5EF4-FFF2-40B4-BE49-F238E27FC236}">
+                <a16:creationId xmlns:a16="http://schemas.microsoft.com/office/drawing/2014/main" id="{C363AAF8-1FE6-D31F-E55E-CC284B80AE18}"/>
+              </a:ext>
+            </a:extLst>
+          </p:cNvPr>
+          <p:cNvPicPr>
+            <a:picLocks noChangeAspect="1"/>
+          </p:cNvPicPr>
+          <p:nvPr/>
+        </p:nvPicPr>
+        <p:blipFill>
+          <a:blip r:embed="rId2">
+            <a:extLst>
+              <a:ext uri="{28A0092B-C50C-407E-A947-70E740481C1C}">
+                <a14:useLocalDpi xmlns:a14="http://schemas.microsoft.com/office/drawing/2010/main" val="0"/>
+              </a:ext>
+            </a:extLst>
+          </a:blip>
+          <a:stretch>
+            <a:fillRect/>
+          </a:stretch>
+        </p:blipFill>
+        <p:spPr>
+          <a:xfrm>
+            <a:off x="1671020" y="147179"/>
+            <a:ext cx="8849960" cy="6563641"/>
+          </a:xfrm>
+          <a:prstGeom prst="rect">
+            <a:avLst/>
+          </a:prstGeom>
+        </p:spPr>
+      </p:pic>
     </p:spTree>
     <p:extLst>
       <p:ext uri="{BB962C8B-B14F-4D97-AF65-F5344CB8AC3E}">

--- a/Pictures/picture capture and edit.pptx
+++ b/Pictures/picture capture and edit.pptx
@@ -124,6 +124,11 @@
       </a:defRPr>
     </a:lvl9pPr>
   </p:defaultTextStyle>
+  <p:extLst>
+    <p:ext uri="{EFAFB233-063F-42B5-8137-9DF3F51BA10A}">
+      <p15:sldGuideLst xmlns:p15="http://schemas.microsoft.com/office/powerpoint/2012/main"/>
+    </p:ext>
+  </p:extLst>
 </p:presentation>
 </file>
 
@@ -4398,7 +4403,7 @@
                 <a:latin typeface="TH SarabunPSK" panose="020B0500040200020003" pitchFamily="34" charset="-34"/>
                 <a:cs typeface="TH SarabunPSK" panose="020B0500040200020003" pitchFamily="34" charset="-34"/>
               </a:rPr>
-              <a:t>1. ไขเนื้อหา</a:t>
+              <a:t>1. แก้ไขเนื้อหา</a:t>
             </a:r>
           </a:p>
         </p:txBody>
